--- a/syseng_hwco/proj/Artifact/Presentations/Presentation_11_02_11.pptx
+++ b/syseng_hwco/proj/Artifact/Presentations/Presentation_11_02_11.pptx
@@ -295,7 +295,7 @@
             <a:fld id="{416418D9-DF11-407D-B96D-4C5DFC0F3360}" type="datetimeFigureOut">
               <a:rPr lang="da-DK" smtClean="0"/>
               <a:pPr/>
-              <a:t>07-02-2011</a:t>
+              <a:t>08-02-2011</a:t>
             </a:fld>
             <a:endParaRPr lang="da-DK"/>
           </a:p>
@@ -462,7 +462,7 @@
             <a:fld id="{416418D9-DF11-407D-B96D-4C5DFC0F3360}" type="datetimeFigureOut">
               <a:rPr lang="da-DK" smtClean="0"/>
               <a:pPr/>
-              <a:t>07-02-2011</a:t>
+              <a:t>08-02-2011</a:t>
             </a:fld>
             <a:endParaRPr lang="da-DK"/>
           </a:p>
@@ -639,7 +639,7 @@
             <a:fld id="{416418D9-DF11-407D-B96D-4C5DFC0F3360}" type="datetimeFigureOut">
               <a:rPr lang="da-DK" smtClean="0"/>
               <a:pPr/>
-              <a:t>07-02-2011</a:t>
+              <a:t>08-02-2011</a:t>
             </a:fld>
             <a:endParaRPr lang="da-DK"/>
           </a:p>
@@ -806,7 +806,7 @@
             <a:fld id="{416418D9-DF11-407D-B96D-4C5DFC0F3360}" type="datetimeFigureOut">
               <a:rPr lang="da-DK" smtClean="0"/>
               <a:pPr/>
-              <a:t>07-02-2011</a:t>
+              <a:t>08-02-2011</a:t>
             </a:fld>
             <a:endParaRPr lang="da-DK"/>
           </a:p>
@@ -1049,7 +1049,7 @@
             <a:fld id="{416418D9-DF11-407D-B96D-4C5DFC0F3360}" type="datetimeFigureOut">
               <a:rPr lang="da-DK" smtClean="0"/>
               <a:pPr/>
-              <a:t>07-02-2011</a:t>
+              <a:t>08-02-2011</a:t>
             </a:fld>
             <a:endParaRPr lang="da-DK"/>
           </a:p>
@@ -1334,7 +1334,7 @@
             <a:fld id="{416418D9-DF11-407D-B96D-4C5DFC0F3360}" type="datetimeFigureOut">
               <a:rPr lang="da-DK" smtClean="0"/>
               <a:pPr/>
-              <a:t>07-02-2011</a:t>
+              <a:t>08-02-2011</a:t>
             </a:fld>
             <a:endParaRPr lang="da-DK"/>
           </a:p>
@@ -1753,7 +1753,7 @@
             <a:fld id="{416418D9-DF11-407D-B96D-4C5DFC0F3360}" type="datetimeFigureOut">
               <a:rPr lang="da-DK" smtClean="0"/>
               <a:pPr/>
-              <a:t>07-02-2011</a:t>
+              <a:t>08-02-2011</a:t>
             </a:fld>
             <a:endParaRPr lang="da-DK"/>
           </a:p>
@@ -1868,7 +1868,7 @@
             <a:fld id="{416418D9-DF11-407D-B96D-4C5DFC0F3360}" type="datetimeFigureOut">
               <a:rPr lang="da-DK" smtClean="0"/>
               <a:pPr/>
-              <a:t>07-02-2011</a:t>
+              <a:t>08-02-2011</a:t>
             </a:fld>
             <a:endParaRPr lang="da-DK"/>
           </a:p>
@@ -1960,7 +1960,7 @@
             <a:fld id="{416418D9-DF11-407D-B96D-4C5DFC0F3360}" type="datetimeFigureOut">
               <a:rPr lang="da-DK" smtClean="0"/>
               <a:pPr/>
-              <a:t>07-02-2011</a:t>
+              <a:t>08-02-2011</a:t>
             </a:fld>
             <a:endParaRPr lang="da-DK"/>
           </a:p>
@@ -2234,7 +2234,7 @@
             <a:fld id="{416418D9-DF11-407D-B96D-4C5DFC0F3360}" type="datetimeFigureOut">
               <a:rPr lang="da-DK" smtClean="0"/>
               <a:pPr/>
-              <a:t>07-02-2011</a:t>
+              <a:t>08-02-2011</a:t>
             </a:fld>
             <a:endParaRPr lang="da-DK"/>
           </a:p>
@@ -2484,7 +2484,7 @@
             <a:fld id="{416418D9-DF11-407D-B96D-4C5DFC0F3360}" type="datetimeFigureOut">
               <a:rPr lang="da-DK" smtClean="0"/>
               <a:pPr/>
-              <a:t>07-02-2011</a:t>
+              <a:t>08-02-2011</a:t>
             </a:fld>
             <a:endParaRPr lang="da-DK"/>
           </a:p>
@@ -2694,7 +2694,7 @@
             <a:fld id="{416418D9-DF11-407D-B96D-4C5DFC0F3360}" type="datetimeFigureOut">
               <a:rPr lang="da-DK" smtClean="0"/>
               <a:pPr/>
-              <a:t>07-02-2011</a:t>
+              <a:t>08-02-2011</a:t>
             </a:fld>
             <a:endParaRPr lang="da-DK"/>
           </a:p>
@@ -3120,48 +3120,9 @@
           <a:lstStyle/>
           <a:p>
             <a:r>
-              <a:rPr lang="da-DK" dirty="0" err="1" smtClean="0"/>
-              <a:t>Safety</a:t>
-            </a:r>
-            <a:r>
-              <a:rPr lang="da-DK" dirty="0"/>
-              <a:t> </a:t>
-            </a:r>
-            <a:r>
               <a:rPr lang="da-DK" dirty="0" smtClean="0"/>
-              <a:t>and </a:t>
-            </a:r>
-            <a:r>
-              <a:rPr lang="da-DK" dirty="0" err="1" smtClean="0"/>
-              <a:t>Simplicity</a:t>
-            </a:r>
-            <a:r>
-              <a:rPr lang="da-DK" dirty="0" smtClean="0"/>
-              <a:t>, </a:t>
-            </a:r>
-          </a:p>
-          <a:p>
-            <a:r>
-              <a:rPr lang="da-DK" dirty="0" smtClean="0"/>
-              <a:t>the </a:t>
-            </a:r>
-            <a:r>
-              <a:rPr lang="da-DK" dirty="0" err="1" smtClean="0"/>
-              <a:t>elderly</a:t>
-            </a:r>
-            <a:r>
-              <a:rPr lang="da-DK" dirty="0" smtClean="0"/>
-              <a:t> </a:t>
-            </a:r>
-            <a:r>
-              <a:rPr lang="da-DK" dirty="0" err="1" smtClean="0"/>
-              <a:t>can</a:t>
-            </a:r>
-            <a:r>
-              <a:rPr lang="da-DK" dirty="0" smtClean="0"/>
-              <a:t> have it all!</a:t>
-            </a:r>
-            <a:endParaRPr lang="da-DK" dirty="0"/>
+              <a:t>Stabilt og simpelt</a:t>
+            </a:r>
           </a:p>
         </p:txBody>
       </p:sp>
@@ -3206,16 +3167,8 @@
           <a:lstStyle/>
           <a:p>
             <a:r>
-              <a:rPr lang="da-DK" dirty="0" err="1" smtClean="0"/>
-              <a:t>Today’s</a:t>
-            </a:r>
-            <a:r>
               <a:rPr lang="da-DK" dirty="0" smtClean="0"/>
-              <a:t> </a:t>
-            </a:r>
-            <a:r>
-              <a:rPr lang="da-DK" dirty="0" err="1" smtClean="0"/>
-              <a:t>world</a:t>
+              <a:t>I dag</a:t>
             </a:r>
             <a:endParaRPr lang="da-DK" dirty="0"/>
           </a:p>
@@ -3295,7 +3248,7 @@
           <a:p>
             <a:r>
               <a:rPr lang="da-DK" dirty="0" smtClean="0"/>
-              <a:t>Problems?</a:t>
+              <a:t>Problemer?</a:t>
             </a:r>
             <a:endParaRPr lang="da-DK" dirty="0"/>
           </a:p>
@@ -3318,43 +3271,16 @@
           <a:p>
             <a:r>
               <a:rPr lang="da-DK" dirty="0" smtClean="0"/>
-              <a:t>The speaker and the person is in </a:t>
-            </a:r>
-            <a:r>
-              <a:rPr lang="da-DK" dirty="0" err="1" smtClean="0"/>
-              <a:t>different</a:t>
-            </a:r>
+              <a:t>Højtaler/mikrofon er ikke i samme rum som personen der har brug for hjælp</a:t>
+            </a:r>
+            <a:endParaRPr lang="da-DK" dirty="0" smtClean="0"/>
+          </a:p>
+          <a:p>
             <a:r>
               <a:rPr lang="da-DK" dirty="0" smtClean="0"/>
-              <a:t> </a:t>
-            </a:r>
-            <a:r>
-              <a:rPr lang="da-DK" dirty="0" err="1" smtClean="0"/>
-              <a:t>rooms</a:t>
+              <a:t>Systemet kræver en fastnet forbindelse (dyr)</a:t>
             </a:r>
             <a:endParaRPr lang="da-DK" dirty="0" smtClean="0"/>
-          </a:p>
-          <a:p>
-            <a:r>
-              <a:rPr lang="da-DK" dirty="0" smtClean="0"/>
-              <a:t>The system </a:t>
-            </a:r>
-            <a:r>
-              <a:rPr lang="da-DK" dirty="0" err="1" smtClean="0"/>
-              <a:t>requires</a:t>
-            </a:r>
-            <a:r>
-              <a:rPr lang="da-DK" dirty="0" smtClean="0"/>
-              <a:t> a land-line (</a:t>
-            </a:r>
-            <a:r>
-              <a:rPr lang="da-DK" dirty="0" err="1" smtClean="0"/>
-              <a:t>expensive</a:t>
-            </a:r>
-            <a:r>
-              <a:rPr lang="da-DK" dirty="0" smtClean="0"/>
-              <a:t>)</a:t>
-            </a:r>
           </a:p>
           <a:p>
             <a:pPr>
@@ -3406,7 +3332,7 @@
           <a:p>
             <a:r>
               <a:rPr lang="da-DK" dirty="0" smtClean="0"/>
-              <a:t>Solution</a:t>
+              <a:t>Løsning</a:t>
             </a:r>
             <a:endParaRPr lang="da-DK" dirty="0"/>
           </a:p>
@@ -3428,62 +3354,23 @@
           <a:lstStyle/>
           <a:p>
             <a:r>
+              <a:rPr lang="da-DK" dirty="0" smtClean="0"/>
+              <a:t>Flyt højtaler og mikrofon til ”knappen”.</a:t>
+            </a:r>
+            <a:endParaRPr lang="da-DK" dirty="0" smtClean="0"/>
+          </a:p>
+          <a:p>
+            <a:r>
+              <a:rPr lang="da-DK" dirty="0" smtClean="0"/>
+              <a:t>Anvend en alternativ (eksisterende) </a:t>
+            </a:r>
+            <a:r>
               <a:rPr lang="da-DK" dirty="0" err="1" smtClean="0"/>
-              <a:t>Move</a:t>
-            </a:r>
-            <a:r>
-              <a:rPr lang="da-DK" dirty="0" smtClean="0"/>
-              <a:t> the speaker and </a:t>
-            </a:r>
-            <a:r>
-              <a:rPr lang="da-DK" dirty="0" err="1" smtClean="0"/>
-              <a:t>microphone</a:t>
-            </a:r>
-            <a:r>
-              <a:rPr lang="da-DK" dirty="0" smtClean="0"/>
-              <a:t> to the </a:t>
-            </a:r>
-            <a:r>
-              <a:rPr lang="da-DK" dirty="0" err="1" smtClean="0"/>
-              <a:t>button</a:t>
+              <a:t>kommunikationslinie</a:t>
             </a:r>
             <a:r>
               <a:rPr lang="da-DK" dirty="0" smtClean="0"/>
               <a:t>.</a:t>
-            </a:r>
-          </a:p>
-          <a:p>
-            <a:r>
-              <a:rPr lang="da-DK" dirty="0" err="1" smtClean="0"/>
-              <a:t>Use</a:t>
-            </a:r>
-            <a:r>
-              <a:rPr lang="da-DK" dirty="0" smtClean="0"/>
-              <a:t> an </a:t>
-            </a:r>
-            <a:r>
-              <a:rPr lang="da-DK" dirty="0" err="1" smtClean="0"/>
-              <a:t>alternate</a:t>
-            </a:r>
-            <a:r>
-              <a:rPr lang="da-DK" dirty="0" smtClean="0"/>
-              <a:t> (</a:t>
-            </a:r>
-            <a:r>
-              <a:rPr lang="da-DK" dirty="0" err="1" smtClean="0"/>
-              <a:t>existing</a:t>
-            </a:r>
-            <a:r>
-              <a:rPr lang="da-DK" dirty="0" smtClean="0"/>
-              <a:t>) </a:t>
-            </a:r>
-            <a:r>
-              <a:rPr lang="da-DK" dirty="0" err="1" smtClean="0"/>
-              <a:t>communication</a:t>
-            </a:r>
-            <a:r>
-              <a:rPr lang="da-DK" dirty="0" smtClean="0"/>
-              <a:t> line.</a:t>
             </a:r>
             <a:endParaRPr lang="da-DK" dirty="0"/>
           </a:p>
@@ -3645,20 +3532,18 @@
         </p:nvSpPr>
         <p:spPr/>
         <p:txBody>
-          <a:bodyPr/>
-          <a:lstStyle/>
-          <a:p>
+          <a:bodyPr>
+            <a:normAutofit lnSpcReduction="10000"/>
+          </a:bodyPr>
+          <a:lstStyle/>
+          <a:p>
+            <a:r>
+              <a:rPr lang="da-DK" dirty="0" smtClean="0"/>
+              <a:t>Batteriet skal kunne håndtere </a:t>
+            </a:r>
             <a:r>
               <a:rPr lang="da-DK" dirty="0" err="1" smtClean="0"/>
-              <a:t>Battery</a:t>
-            </a:r>
-            <a:r>
-              <a:rPr lang="da-DK" dirty="0" smtClean="0"/>
-              <a:t> must support </a:t>
-            </a:r>
-            <a:r>
-              <a:rPr lang="da-DK" dirty="0" err="1" smtClean="0"/>
-              <a:t>two-way</a:t>
+              <a:t>to-vejs</a:t>
             </a:r>
             <a:r>
               <a:rPr lang="da-DK" dirty="0" smtClean="0"/>
@@ -3666,7 +3551,7 @@
             </a:r>
             <a:r>
               <a:rPr lang="da-DK" dirty="0" err="1" smtClean="0"/>
-              <a:t>Audio</a:t>
+              <a:t>audio</a:t>
             </a:r>
             <a:endParaRPr lang="da-DK" dirty="0" smtClean="0"/>
           </a:p>
@@ -3674,186 +3559,32 @@
             <a:pPr lvl="1"/>
             <a:r>
               <a:rPr lang="da-DK" dirty="0" smtClean="0"/>
-              <a:t>Old type </a:t>
-            </a:r>
-            <a:r>
-              <a:rPr lang="da-DK" dirty="0" err="1" smtClean="0"/>
-              <a:t>can</a:t>
-            </a:r>
+              <a:t>Den gammeldags type holder mindst 5 år på 1 batteri</a:t>
+            </a:r>
+            <a:endParaRPr lang="da-DK" dirty="0" smtClean="0"/>
+          </a:p>
+          <a:p>
             <a:r>
               <a:rPr lang="da-DK" dirty="0" smtClean="0"/>
-              <a:t> last 5 </a:t>
-            </a:r>
-            <a:r>
-              <a:rPr lang="da-DK" dirty="0" err="1" smtClean="0"/>
-              <a:t>years</a:t>
+              <a:t>Ældre og specielt demente kan have svært ved </a:t>
             </a:r>
             <a:r>
               <a:rPr lang="da-DK" dirty="0" smtClean="0"/>
-              <a:t> </a:t>
-            </a:r>
-            <a:r>
-              <a:rPr lang="da-DK" dirty="0" err="1" smtClean="0"/>
-              <a:t>on</a:t>
-            </a:r>
+              <a:t>at huske at genoplade batterierne.</a:t>
+            </a:r>
+          </a:p>
+          <a:p>
             <a:r>
               <a:rPr lang="da-DK" dirty="0" smtClean="0"/>
-              <a:t> a single </a:t>
-            </a:r>
-            <a:r>
-              <a:rPr lang="da-DK" dirty="0" err="1" smtClean="0"/>
-              <a:t>battery</a:t>
+              <a:t>Det skal være meget enkelt at oplade ”knappen”</a:t>
             </a:r>
             <a:endParaRPr lang="da-DK" dirty="0" smtClean="0"/>
           </a:p>
           <a:p>
             <a:r>
-              <a:rPr lang="da-DK" dirty="0" err="1" smtClean="0"/>
-              <a:t>Elderly</a:t>
-            </a:r>
-            <a:r>
               <a:rPr lang="da-DK" dirty="0" smtClean="0"/>
-              <a:t> and </a:t>
-            </a:r>
-            <a:r>
-              <a:rPr lang="da-DK" dirty="0" err="1" smtClean="0"/>
-              <a:t>especially</a:t>
-            </a:r>
-            <a:r>
-              <a:rPr lang="da-DK" dirty="0" smtClean="0"/>
-              <a:t> senile </a:t>
-            </a:r>
-            <a:r>
-              <a:rPr lang="da-DK" dirty="0" err="1" smtClean="0"/>
-              <a:t>may</a:t>
-            </a:r>
-            <a:r>
-              <a:rPr lang="da-DK" dirty="0" smtClean="0"/>
-              <a:t> have a problem </a:t>
-            </a:r>
-            <a:r>
-              <a:rPr lang="da-DK" dirty="0" err="1" smtClean="0"/>
-              <a:t>remembering</a:t>
-            </a:r>
-            <a:r>
-              <a:rPr lang="da-DK" dirty="0" smtClean="0"/>
-              <a:t> to </a:t>
-            </a:r>
-            <a:r>
-              <a:rPr lang="da-DK" dirty="0" err="1" smtClean="0"/>
-              <a:t>recharge</a:t>
-            </a:r>
-            <a:r>
-              <a:rPr lang="da-DK" dirty="0" smtClean="0"/>
-              <a:t> the unit.</a:t>
-            </a:r>
-          </a:p>
-          <a:p>
-            <a:r>
-              <a:rPr lang="da-DK" dirty="0" smtClean="0"/>
-              <a:t>Speaker must </a:t>
-            </a:r>
-            <a:r>
-              <a:rPr lang="da-DK" dirty="0" err="1" smtClean="0"/>
-              <a:t>be</a:t>
-            </a:r>
-            <a:r>
-              <a:rPr lang="da-DK" dirty="0" smtClean="0"/>
-              <a:t> </a:t>
-            </a:r>
-            <a:r>
-              <a:rPr lang="da-DK" dirty="0" err="1" smtClean="0"/>
-              <a:t>strong</a:t>
-            </a:r>
-            <a:r>
-              <a:rPr lang="da-DK" dirty="0" smtClean="0"/>
-              <a:t> </a:t>
-            </a:r>
-            <a:r>
-              <a:rPr lang="da-DK" dirty="0" err="1" smtClean="0"/>
-              <a:t>enough</a:t>
-            </a:r>
-            <a:r>
-              <a:rPr lang="da-DK" dirty="0" smtClean="0"/>
-              <a:t> to </a:t>
-            </a:r>
-            <a:r>
-              <a:rPr lang="da-DK" dirty="0" err="1" smtClean="0"/>
-              <a:t>be</a:t>
-            </a:r>
-            <a:r>
-              <a:rPr lang="da-DK" dirty="0" smtClean="0"/>
-              <a:t> </a:t>
-            </a:r>
-            <a:r>
-              <a:rPr lang="da-DK" dirty="0" err="1" smtClean="0"/>
-              <a:t>heard</a:t>
-            </a:r>
-            <a:r>
-              <a:rPr lang="da-DK" dirty="0" smtClean="0"/>
-              <a:t> by </a:t>
-            </a:r>
-            <a:r>
-              <a:rPr lang="da-DK" dirty="0" err="1" smtClean="0"/>
-              <a:t>elderly</a:t>
-            </a:r>
-            <a:endParaRPr lang="da-DK" dirty="0" smtClean="0"/>
-          </a:p>
-          <a:p>
-            <a:pPr lvl="1"/>
-            <a:r>
-              <a:rPr lang="da-DK" dirty="0" smtClean="0"/>
-              <a:t>Teleslynge </a:t>
-            </a:r>
-            <a:r>
-              <a:rPr lang="da-DK" dirty="0" err="1" smtClean="0"/>
-              <a:t>may</a:t>
-            </a:r>
-            <a:r>
-              <a:rPr lang="da-DK" dirty="0" smtClean="0"/>
-              <a:t> </a:t>
-            </a:r>
-            <a:r>
-              <a:rPr lang="da-DK" dirty="0" err="1" smtClean="0"/>
-              <a:t>be</a:t>
-            </a:r>
-            <a:r>
-              <a:rPr lang="da-DK" dirty="0" smtClean="0"/>
-              <a:t> </a:t>
-            </a:r>
-            <a:r>
-              <a:rPr lang="da-DK" dirty="0" err="1" smtClean="0"/>
-              <a:t>used</a:t>
-            </a:r>
-            <a:r>
-              <a:rPr lang="da-DK" dirty="0" smtClean="0"/>
-              <a:t> </a:t>
-            </a:r>
-            <a:r>
-              <a:rPr lang="da-DK" dirty="0" err="1" smtClean="0"/>
-              <a:t>with</a:t>
-            </a:r>
-            <a:r>
-              <a:rPr lang="da-DK" dirty="0" smtClean="0"/>
-              <a:t> </a:t>
-            </a:r>
-            <a:r>
-              <a:rPr lang="da-DK" dirty="0" err="1" smtClean="0"/>
-              <a:t>hearing</a:t>
-            </a:r>
-            <a:r>
-              <a:rPr lang="da-DK" dirty="0" smtClean="0"/>
-              <a:t> </a:t>
-            </a:r>
-            <a:r>
-              <a:rPr lang="da-DK" dirty="0" err="1" smtClean="0"/>
-              <a:t>aid</a:t>
-            </a:r>
-            <a:r>
-              <a:rPr lang="da-DK" dirty="0" smtClean="0"/>
-              <a:t> (future)</a:t>
-            </a:r>
-            <a:endParaRPr lang="da-DK" dirty="0"/>
+              <a:t>Højtalerne skal være stærke nok til at lyden kan høres af de ældre.</a:t>
+            </a:r>
           </a:p>
         </p:txBody>
       </p:sp>

--- a/syseng_hwco/proj/Artifact/Presentations/Presentation_11_02_11.pptx
+++ b/syseng_hwco/proj/Artifact/Presentations/Presentation_11_02_11.pptx
@@ -12,6 +12,10 @@
     <p:sldId id="260" r:id="rId6"/>
     <p:sldId id="261" r:id="rId7"/>
     <p:sldId id="262" r:id="rId8"/>
+    <p:sldId id="263" r:id="rId9"/>
+    <p:sldId id="264" r:id="rId10"/>
+    <p:sldId id="265" r:id="rId11"/>
+    <p:sldId id="266" r:id="rId12"/>
   </p:sldIdLst>
   <p:sldSz cx="9144000" cy="6858000" type="screen4x3"/>
   <p:notesSz cx="6858000" cy="9144000"/>
@@ -295,7 +299,7 @@
             <a:fld id="{416418D9-DF11-407D-B96D-4C5DFC0F3360}" type="datetimeFigureOut">
               <a:rPr lang="da-DK" smtClean="0"/>
               <a:pPr/>
-              <a:t>08-02-2011</a:t>
+              <a:t>09-02-2011</a:t>
             </a:fld>
             <a:endParaRPr lang="da-DK"/>
           </a:p>
@@ -462,7 +466,7 @@
             <a:fld id="{416418D9-DF11-407D-B96D-4C5DFC0F3360}" type="datetimeFigureOut">
               <a:rPr lang="da-DK" smtClean="0"/>
               <a:pPr/>
-              <a:t>08-02-2011</a:t>
+              <a:t>09-02-2011</a:t>
             </a:fld>
             <a:endParaRPr lang="da-DK"/>
           </a:p>
@@ -639,7 +643,7 @@
             <a:fld id="{416418D9-DF11-407D-B96D-4C5DFC0F3360}" type="datetimeFigureOut">
               <a:rPr lang="da-DK" smtClean="0"/>
               <a:pPr/>
-              <a:t>08-02-2011</a:t>
+              <a:t>09-02-2011</a:t>
             </a:fld>
             <a:endParaRPr lang="da-DK"/>
           </a:p>
@@ -806,7 +810,7 @@
             <a:fld id="{416418D9-DF11-407D-B96D-4C5DFC0F3360}" type="datetimeFigureOut">
               <a:rPr lang="da-DK" smtClean="0"/>
               <a:pPr/>
-              <a:t>08-02-2011</a:t>
+              <a:t>09-02-2011</a:t>
             </a:fld>
             <a:endParaRPr lang="da-DK"/>
           </a:p>
@@ -1049,7 +1053,7 @@
             <a:fld id="{416418D9-DF11-407D-B96D-4C5DFC0F3360}" type="datetimeFigureOut">
               <a:rPr lang="da-DK" smtClean="0"/>
               <a:pPr/>
-              <a:t>08-02-2011</a:t>
+              <a:t>09-02-2011</a:t>
             </a:fld>
             <a:endParaRPr lang="da-DK"/>
           </a:p>
@@ -1334,7 +1338,7 @@
             <a:fld id="{416418D9-DF11-407D-B96D-4C5DFC0F3360}" type="datetimeFigureOut">
               <a:rPr lang="da-DK" smtClean="0"/>
               <a:pPr/>
-              <a:t>08-02-2011</a:t>
+              <a:t>09-02-2011</a:t>
             </a:fld>
             <a:endParaRPr lang="da-DK"/>
           </a:p>
@@ -1753,7 +1757,7 @@
             <a:fld id="{416418D9-DF11-407D-B96D-4C5DFC0F3360}" type="datetimeFigureOut">
               <a:rPr lang="da-DK" smtClean="0"/>
               <a:pPr/>
-              <a:t>08-02-2011</a:t>
+              <a:t>09-02-2011</a:t>
             </a:fld>
             <a:endParaRPr lang="da-DK"/>
           </a:p>
@@ -1868,7 +1872,7 @@
             <a:fld id="{416418D9-DF11-407D-B96D-4C5DFC0F3360}" type="datetimeFigureOut">
               <a:rPr lang="da-DK" smtClean="0"/>
               <a:pPr/>
-              <a:t>08-02-2011</a:t>
+              <a:t>09-02-2011</a:t>
             </a:fld>
             <a:endParaRPr lang="da-DK"/>
           </a:p>
@@ -1960,7 +1964,7 @@
             <a:fld id="{416418D9-DF11-407D-B96D-4C5DFC0F3360}" type="datetimeFigureOut">
               <a:rPr lang="da-DK" smtClean="0"/>
               <a:pPr/>
-              <a:t>08-02-2011</a:t>
+              <a:t>09-02-2011</a:t>
             </a:fld>
             <a:endParaRPr lang="da-DK"/>
           </a:p>
@@ -2234,7 +2238,7 @@
             <a:fld id="{416418D9-DF11-407D-B96D-4C5DFC0F3360}" type="datetimeFigureOut">
               <a:rPr lang="da-DK" smtClean="0"/>
               <a:pPr/>
-              <a:t>08-02-2011</a:t>
+              <a:t>09-02-2011</a:t>
             </a:fld>
             <a:endParaRPr lang="da-DK"/>
           </a:p>
@@ -2484,7 +2488,7 @@
             <a:fld id="{416418D9-DF11-407D-B96D-4C5DFC0F3360}" type="datetimeFigureOut">
               <a:rPr lang="da-DK" smtClean="0"/>
               <a:pPr/>
-              <a:t>08-02-2011</a:t>
+              <a:t>09-02-2011</a:t>
             </a:fld>
             <a:endParaRPr lang="da-DK"/>
           </a:p>
@@ -2694,7 +2698,7 @@
             <a:fld id="{416418D9-DF11-407D-B96D-4C5DFC0F3360}" type="datetimeFigureOut">
               <a:rPr lang="da-DK" smtClean="0"/>
               <a:pPr/>
-              <a:t>08-02-2011</a:t>
+              <a:t>09-02-2011</a:t>
             </a:fld>
             <a:endParaRPr lang="da-DK"/>
           </a:p>
@@ -3134,6 +3138,172 @@
 </p:sld>
 </file>
 
+<file path=ppt/slides/slide10.xml><?xml version="1.0" encoding="utf-8"?>
+<p:sld xmlns:a="http://schemas.openxmlformats.org/drawingml/2006/main" xmlns:r="http://schemas.openxmlformats.org/officeDocument/2006/relationships" xmlns:p="http://schemas.openxmlformats.org/presentationml/2006/main">
+  <p:cSld>
+    <p:spTree>
+      <p:nvGrpSpPr>
+        <p:cNvPr id="1" name=""/>
+        <p:cNvGrpSpPr/>
+        <p:nvPr/>
+      </p:nvGrpSpPr>
+      <p:grpSpPr>
+        <a:xfrm>
+          <a:off x="0" y="0"/>
+          <a:ext cx="0" cy="0"/>
+          <a:chOff x="0" y="0"/>
+          <a:chExt cx="0" cy="0"/>
+        </a:xfrm>
+      </p:grpSpPr>
+      <p:sp>
+        <p:nvSpPr>
+          <p:cNvPr id="2" name="Titel 1"/>
+          <p:cNvSpPr>
+            <a:spLocks noGrp="1"/>
+          </p:cNvSpPr>
+          <p:nvPr>
+            <p:ph type="title"/>
+          </p:nvPr>
+        </p:nvSpPr>
+        <p:spPr/>
+        <p:txBody>
+          <a:bodyPr/>
+          <a:lstStyle/>
+          <a:p>
+            <a:r>
+              <a:rPr lang="da-DK" dirty="0" err="1" smtClean="0"/>
+              <a:t>Læringsmålet</a:t>
+            </a:r>
+            <a:endParaRPr lang="da-DK" dirty="0"/>
+          </a:p>
+        </p:txBody>
+      </p:sp>
+      <p:sp>
+        <p:nvSpPr>
+          <p:cNvPr id="3" name="Pladsholder til indhold 2"/>
+          <p:cNvSpPr>
+            <a:spLocks noGrp="1"/>
+          </p:cNvSpPr>
+          <p:nvPr>
+            <p:ph idx="1"/>
+          </p:nvPr>
+        </p:nvSpPr>
+        <p:spPr/>
+        <p:txBody>
+          <a:bodyPr/>
+          <a:lstStyle/>
+          <a:p>
+            <a:r>
+              <a:rPr lang="da-DK" dirty="0" smtClean="0"/>
+              <a:t>???</a:t>
+            </a:r>
+            <a:endParaRPr lang="da-DK" dirty="0"/>
+          </a:p>
+        </p:txBody>
+      </p:sp>
+    </p:spTree>
+  </p:cSld>
+  <p:clrMapOvr>
+    <a:masterClrMapping/>
+  </p:clrMapOvr>
+</p:sld>
+</file>
+
+<file path=ppt/slides/slide11.xml><?xml version="1.0" encoding="utf-8"?>
+<p:sld xmlns:a="http://schemas.openxmlformats.org/drawingml/2006/main" xmlns:r="http://schemas.openxmlformats.org/officeDocument/2006/relationships" xmlns:p="http://schemas.openxmlformats.org/presentationml/2006/main">
+  <p:cSld>
+    <p:spTree>
+      <p:nvGrpSpPr>
+        <p:cNvPr id="1" name=""/>
+        <p:cNvGrpSpPr/>
+        <p:nvPr/>
+      </p:nvGrpSpPr>
+      <p:grpSpPr>
+        <a:xfrm>
+          <a:off x="0" y="0"/>
+          <a:ext cx="0" cy="0"/>
+          <a:chOff x="0" y="0"/>
+          <a:chExt cx="0" cy="0"/>
+        </a:xfrm>
+      </p:grpSpPr>
+      <p:sp>
+        <p:nvSpPr>
+          <p:cNvPr id="2" name="Titel 1"/>
+          <p:cNvSpPr>
+            <a:spLocks noGrp="1"/>
+          </p:cNvSpPr>
+          <p:nvPr>
+            <p:ph type="title"/>
+          </p:nvPr>
+        </p:nvSpPr>
+        <p:spPr/>
+        <p:txBody>
+          <a:bodyPr/>
+          <a:lstStyle/>
+          <a:p>
+            <a:r>
+              <a:rPr lang="da-DK" dirty="0" smtClean="0"/>
+              <a:t>Status</a:t>
+            </a:r>
+            <a:endParaRPr lang="da-DK" dirty="0"/>
+          </a:p>
+        </p:txBody>
+      </p:sp>
+      <p:sp>
+        <p:nvSpPr>
+          <p:cNvPr id="3" name="Pladsholder til indhold 2"/>
+          <p:cNvSpPr>
+            <a:spLocks noGrp="1"/>
+          </p:cNvSpPr>
+          <p:nvPr>
+            <p:ph idx="1"/>
+          </p:nvPr>
+        </p:nvSpPr>
+        <p:spPr/>
+        <p:txBody>
+          <a:bodyPr/>
+          <a:lstStyle/>
+          <a:p>
+            <a:r>
+              <a:rPr lang="da-DK" dirty="0" smtClean="0"/>
+              <a:t>Krav færdige (se </a:t>
+            </a:r>
+            <a:r>
+              <a:rPr lang="da-DK" dirty="0" err="1" smtClean="0"/>
+              <a:t>use-case</a:t>
+            </a:r>
+            <a:r>
+              <a:rPr lang="da-DK" dirty="0" smtClean="0"/>
+              <a:t> diagram på næste slide)</a:t>
+            </a:r>
+          </a:p>
+          <a:p>
+            <a:r>
+              <a:rPr lang="da-DK" dirty="0" smtClean="0"/>
+              <a:t>Arkitektur design undervejs (se diagrammer </a:t>
+            </a:r>
+            <a:r>
+              <a:rPr lang="da-DK" smtClean="0"/>
+              <a:t>på efterfølgende </a:t>
+            </a:r>
+            <a:r>
+              <a:rPr lang="da-DK" dirty="0" smtClean="0"/>
+              <a:t>slides)</a:t>
+            </a:r>
+          </a:p>
+          <a:p>
+            <a:endParaRPr lang="da-DK" dirty="0"/>
+          </a:p>
+        </p:txBody>
+      </p:sp>
+    </p:spTree>
+  </p:cSld>
+  <p:clrMapOvr>
+    <a:masterClrMapping/>
+  </p:clrMapOvr>
+</p:sld>
+</file>
+
 <file path=ppt/slides/slide2.xml><?xml version="1.0" encoding="utf-8"?>
 <p:sld xmlns:a="http://schemas.openxmlformats.org/drawingml/2006/main" xmlns:r="http://schemas.openxmlformats.org/officeDocument/2006/relationships" xmlns:p="http://schemas.openxmlformats.org/presentationml/2006/main">
   <p:cSld>
@@ -3273,14 +3443,12 @@
               <a:rPr lang="da-DK" dirty="0" smtClean="0"/>
               <a:t>Højtaler/mikrofon er ikke i samme rum som personen der har brug for hjælp</a:t>
             </a:r>
-            <a:endParaRPr lang="da-DK" dirty="0" smtClean="0"/>
           </a:p>
           <a:p>
             <a:r>
               <a:rPr lang="da-DK" dirty="0" smtClean="0"/>
               <a:t>Systemet kræver en fastnet forbindelse (dyr)</a:t>
             </a:r>
-            <a:endParaRPr lang="da-DK" dirty="0" smtClean="0"/>
           </a:p>
           <a:p>
             <a:pPr>
@@ -3357,7 +3525,6 @@
               <a:rPr lang="da-DK" dirty="0" smtClean="0"/>
               <a:t>Flyt højtaler og mikrofon til ”knappen”.</a:t>
             </a:r>
-            <a:endParaRPr lang="da-DK" dirty="0" smtClean="0"/>
           </a:p>
           <a:p>
             <a:r>
@@ -3561,16 +3728,11 @@
               <a:rPr lang="da-DK" dirty="0" smtClean="0"/>
               <a:t>Den gammeldags type holder mindst 5 år på 1 batteri</a:t>
             </a:r>
-            <a:endParaRPr lang="da-DK" dirty="0" smtClean="0"/>
-          </a:p>
-          <a:p>
-            <a:r>
-              <a:rPr lang="da-DK" dirty="0" smtClean="0"/>
-              <a:t>Ældre og specielt demente kan have svært ved </a:t>
-            </a:r>
-            <a:r>
-              <a:rPr lang="da-DK" dirty="0" smtClean="0"/>
-              <a:t>at huske at genoplade batterierne.</a:t>
+          </a:p>
+          <a:p>
+            <a:r>
+              <a:rPr lang="da-DK" dirty="0" smtClean="0"/>
+              <a:t>Ældre og specielt demente kan have svært ved at huske at genoplade batterierne.</a:t>
             </a:r>
           </a:p>
           <a:p>
@@ -3578,7 +3740,6 @@
               <a:rPr lang="da-DK" dirty="0" smtClean="0"/>
               <a:t>Det skal være meget enkelt at oplade ”knappen”</a:t>
             </a:r>
-            <a:endParaRPr lang="da-DK" dirty="0" smtClean="0"/>
           </a:p>
           <a:p>
             <a:r>
@@ -3628,7 +3789,11 @@
           <a:bodyPr/>
           <a:lstStyle/>
           <a:p>
-            <a:endParaRPr lang="da-DK"/>
+            <a:r>
+              <a:rPr lang="da-DK" dirty="0" smtClean="0"/>
+              <a:t>Projektets mål</a:t>
+            </a:r>
+            <a:endParaRPr lang="da-DK" dirty="0"/>
           </a:p>
         </p:txBody>
       </p:sp>
@@ -3647,7 +3812,377 @@
           <a:bodyPr/>
           <a:lstStyle/>
           <a:p>
-            <a:endParaRPr lang="da-DK"/>
+            <a:r>
+              <a:rPr lang="da-DK" dirty="0" err="1" smtClean="0"/>
+              <a:t>Proof-of-concept</a:t>
+            </a:r>
+            <a:endParaRPr lang="da-DK" dirty="0" smtClean="0"/>
+          </a:p>
+          <a:p>
+            <a:r>
+              <a:rPr lang="da-DK" dirty="0" smtClean="0"/>
+              <a:t>Arkitektur design (</a:t>
+            </a:r>
+            <a:r>
+              <a:rPr lang="da-DK" dirty="0" err="1" smtClean="0"/>
+              <a:t>reccomended</a:t>
+            </a:r>
+            <a:r>
+              <a:rPr lang="da-DK" dirty="0" smtClean="0"/>
+              <a:t> </a:t>
+            </a:r>
+            <a:r>
+              <a:rPr lang="da-DK" dirty="0" err="1" smtClean="0"/>
+              <a:t>mapping</a:t>
+            </a:r>
+            <a:r>
+              <a:rPr lang="da-DK" dirty="0" smtClean="0"/>
+              <a:t>)</a:t>
+            </a:r>
+          </a:p>
+          <a:p>
+            <a:r>
+              <a:rPr lang="da-DK" dirty="0" err="1" smtClean="0"/>
+              <a:t>Battery</a:t>
+            </a:r>
+            <a:r>
+              <a:rPr lang="da-DK" dirty="0" smtClean="0"/>
+              <a:t> </a:t>
+            </a:r>
+            <a:r>
+              <a:rPr lang="da-DK" dirty="0" err="1" smtClean="0"/>
+              <a:t>life</a:t>
+            </a:r>
+            <a:r>
+              <a:rPr lang="da-DK" dirty="0" smtClean="0"/>
+              <a:t> </a:t>
+            </a:r>
+            <a:r>
+              <a:rPr lang="da-DK" dirty="0" err="1" smtClean="0"/>
+              <a:t>evaluation</a:t>
+            </a:r>
+            <a:r>
+              <a:rPr lang="da-DK" dirty="0" smtClean="0"/>
+              <a:t>.</a:t>
+            </a:r>
+          </a:p>
+          <a:p>
+            <a:endParaRPr lang="da-DK" dirty="0"/>
+          </a:p>
+        </p:txBody>
+      </p:sp>
+    </p:spTree>
+  </p:cSld>
+  <p:clrMapOvr>
+    <a:masterClrMapping/>
+  </p:clrMapOvr>
+</p:sld>
+</file>
+
+<file path=ppt/slides/slide8.xml><?xml version="1.0" encoding="utf-8"?>
+<p:sld xmlns:a="http://schemas.openxmlformats.org/drawingml/2006/main" xmlns:r="http://schemas.openxmlformats.org/officeDocument/2006/relationships" xmlns:p="http://schemas.openxmlformats.org/presentationml/2006/main">
+  <p:cSld>
+    <p:spTree>
+      <p:nvGrpSpPr>
+        <p:cNvPr id="1" name=""/>
+        <p:cNvGrpSpPr/>
+        <p:nvPr/>
+      </p:nvGrpSpPr>
+      <p:grpSpPr>
+        <a:xfrm>
+          <a:off x="0" y="0"/>
+          <a:ext cx="0" cy="0"/>
+          <a:chOff x="0" y="0"/>
+          <a:chExt cx="0" cy="0"/>
+        </a:xfrm>
+      </p:grpSpPr>
+      <p:sp>
+        <p:nvSpPr>
+          <p:cNvPr id="2" name="Titel 1"/>
+          <p:cNvSpPr>
+            <a:spLocks noGrp="1"/>
+          </p:cNvSpPr>
+          <p:nvPr>
+            <p:ph type="title"/>
+          </p:nvPr>
+        </p:nvSpPr>
+        <p:spPr/>
+        <p:txBody>
+          <a:bodyPr/>
+          <a:lstStyle/>
+          <a:p>
+            <a:r>
+              <a:rPr lang="da-DK" dirty="0" smtClean="0"/>
+              <a:t>Hvordan når vi vores mål?</a:t>
+            </a:r>
+            <a:endParaRPr lang="da-DK" dirty="0"/>
+          </a:p>
+        </p:txBody>
+      </p:sp>
+      <p:sp>
+        <p:nvSpPr>
+          <p:cNvPr id="3" name="Pladsholder til indhold 2"/>
+          <p:cNvSpPr>
+            <a:spLocks noGrp="1"/>
+          </p:cNvSpPr>
+          <p:nvPr>
+            <p:ph idx="1"/>
+          </p:nvPr>
+        </p:nvSpPr>
+        <p:spPr/>
+        <p:txBody>
+          <a:bodyPr/>
+          <a:lstStyle/>
+          <a:p>
+            <a:pPr marL="514350" indent="-514350">
+              <a:buFont typeface="+mj-lt"/>
+              <a:buAutoNum type="arabicPeriod"/>
+            </a:pPr>
+            <a:r>
+              <a:rPr lang="da-DK" dirty="0" smtClean="0"/>
+              <a:t>Projektoplæg.</a:t>
+            </a:r>
+          </a:p>
+          <a:p>
+            <a:pPr marL="514350" indent="-514350">
+              <a:buFont typeface="+mj-lt"/>
+              <a:buAutoNum type="arabicPeriod"/>
+            </a:pPr>
+            <a:r>
+              <a:rPr lang="da-DK" dirty="0" err="1" smtClean="0"/>
+              <a:t>Use</a:t>
+            </a:r>
+            <a:r>
+              <a:rPr lang="da-DK" dirty="0" smtClean="0"/>
+              <a:t> case krav og </a:t>
+            </a:r>
+            <a:r>
+              <a:rPr lang="da-DK" dirty="0" err="1" smtClean="0"/>
+              <a:t>non-funktionel</a:t>
+            </a:r>
+            <a:r>
+              <a:rPr lang="da-DK" dirty="0" smtClean="0"/>
+              <a:t> tabel.</a:t>
+            </a:r>
+          </a:p>
+          <a:p>
+            <a:pPr marL="514350" indent="-514350">
+              <a:buFont typeface="+mj-lt"/>
+              <a:buAutoNum type="arabicPeriod"/>
+            </a:pPr>
+            <a:r>
+              <a:rPr lang="da-DK" dirty="0" err="1" smtClean="0"/>
+              <a:t>SysML</a:t>
+            </a:r>
+            <a:r>
+              <a:rPr lang="da-DK" dirty="0" smtClean="0"/>
+              <a:t> til arkitektur design.</a:t>
+            </a:r>
+          </a:p>
+          <a:p>
+            <a:pPr marL="514350" indent="-514350">
+              <a:buFont typeface="+mj-lt"/>
+              <a:buAutoNum type="arabicPeriod"/>
+            </a:pPr>
+            <a:r>
+              <a:rPr lang="da-DK" dirty="0" smtClean="0"/>
+              <a:t>Alternative </a:t>
+            </a:r>
+            <a:r>
+              <a:rPr lang="da-DK" dirty="0" err="1" smtClean="0"/>
+              <a:t>mapninger</a:t>
+            </a:r>
+            <a:r>
+              <a:rPr lang="da-DK" dirty="0" smtClean="0"/>
+              <a:t> af </a:t>
+            </a:r>
+            <a:r>
+              <a:rPr lang="da-DK" dirty="0" err="1" smtClean="0"/>
+              <a:t>arkitekture</a:t>
+            </a:r>
+            <a:r>
+              <a:rPr lang="da-DK" dirty="0" smtClean="0"/>
+              <a:t> (</a:t>
+            </a:r>
+            <a:r>
+              <a:rPr lang="da-DK" dirty="0" err="1" smtClean="0"/>
+              <a:t>method</a:t>
+            </a:r>
+            <a:r>
+              <a:rPr lang="da-DK" dirty="0" smtClean="0"/>
+              <a:t> ???)</a:t>
+            </a:r>
+          </a:p>
+          <a:p>
+            <a:pPr marL="514350" indent="-514350">
+              <a:buFont typeface="+mj-lt"/>
+              <a:buAutoNum type="arabicPeriod"/>
+            </a:pPr>
+            <a:r>
+              <a:rPr lang="da-DK" dirty="0" err="1" smtClean="0"/>
+              <a:t>SystemC</a:t>
+            </a:r>
+            <a:r>
+              <a:rPr lang="da-DK" dirty="0" smtClean="0"/>
+              <a:t> til simulering og evaluering af alternative </a:t>
+            </a:r>
+            <a:r>
+              <a:rPr lang="da-DK" dirty="0" err="1" smtClean="0"/>
+              <a:t>arkitekture</a:t>
+            </a:r>
+            <a:r>
+              <a:rPr lang="da-DK" dirty="0" smtClean="0"/>
+              <a:t>.</a:t>
+            </a:r>
+          </a:p>
+          <a:p>
+            <a:pPr marL="514350" indent="-514350">
+              <a:buFont typeface="+mj-lt"/>
+              <a:buAutoNum type="arabicPeriod"/>
+            </a:pPr>
+            <a:r>
+              <a:rPr lang="da-DK" dirty="0" smtClean="0"/>
+              <a:t>Konklusion</a:t>
+            </a:r>
+          </a:p>
+          <a:p>
+            <a:pPr marL="514350" indent="-514350">
+              <a:buFont typeface="+mj-lt"/>
+              <a:buAutoNum type="arabicPeriod"/>
+            </a:pPr>
+            <a:endParaRPr lang="da-DK" dirty="0"/>
+          </a:p>
+        </p:txBody>
+      </p:sp>
+    </p:spTree>
+  </p:cSld>
+  <p:clrMapOvr>
+    <a:masterClrMapping/>
+  </p:clrMapOvr>
+</p:sld>
+</file>
+
+<file path=ppt/slides/slide9.xml><?xml version="1.0" encoding="utf-8"?>
+<p:sld xmlns:a="http://schemas.openxmlformats.org/drawingml/2006/main" xmlns:r="http://schemas.openxmlformats.org/officeDocument/2006/relationships" xmlns:p="http://schemas.openxmlformats.org/presentationml/2006/main">
+  <p:cSld>
+    <p:spTree>
+      <p:nvGrpSpPr>
+        <p:cNvPr id="1" name=""/>
+        <p:cNvGrpSpPr/>
+        <p:nvPr/>
+      </p:nvGrpSpPr>
+      <p:grpSpPr>
+        <a:xfrm>
+          <a:off x="0" y="0"/>
+          <a:ext cx="0" cy="0"/>
+          <a:chOff x="0" y="0"/>
+          <a:chExt cx="0" cy="0"/>
+        </a:xfrm>
+      </p:grpSpPr>
+      <p:sp>
+        <p:nvSpPr>
+          <p:cNvPr id="2" name="Titel 1"/>
+          <p:cNvSpPr>
+            <a:spLocks noGrp="1"/>
+          </p:cNvSpPr>
+          <p:nvPr>
+            <p:ph type="title"/>
+          </p:nvPr>
+        </p:nvSpPr>
+        <p:spPr/>
+        <p:txBody>
+          <a:bodyPr/>
+          <a:lstStyle/>
+          <a:p>
+            <a:r>
+              <a:rPr lang="da-DK" dirty="0" smtClean="0"/>
+              <a:t>Aflevering</a:t>
+            </a:r>
+            <a:endParaRPr lang="da-DK" dirty="0"/>
+          </a:p>
+        </p:txBody>
+      </p:sp>
+      <p:sp>
+        <p:nvSpPr>
+          <p:cNvPr id="3" name="Pladsholder til indhold 2"/>
+          <p:cNvSpPr>
+            <a:spLocks noGrp="1"/>
+          </p:cNvSpPr>
+          <p:nvPr>
+            <p:ph idx="1"/>
+          </p:nvPr>
+        </p:nvSpPr>
+        <p:spPr/>
+        <p:txBody>
+          <a:bodyPr/>
+          <a:lstStyle/>
+          <a:p>
+            <a:r>
+              <a:rPr lang="da-DK" dirty="0" smtClean="0"/>
+              <a:t>Arkitektur design som </a:t>
+            </a:r>
+            <a:r>
+              <a:rPr lang="da-DK" dirty="0" err="1" smtClean="0"/>
+              <a:t>SysML</a:t>
+            </a:r>
+            <a:r>
+              <a:rPr lang="da-DK" dirty="0" smtClean="0"/>
+              <a:t> diagrammer.</a:t>
+            </a:r>
+          </a:p>
+          <a:p>
+            <a:r>
+              <a:rPr lang="da-DK" dirty="0" smtClean="0"/>
+              <a:t>Evaluering af arkitektur </a:t>
+            </a:r>
+            <a:r>
+              <a:rPr lang="da-DK" dirty="0" err="1" smtClean="0"/>
+              <a:t>mapninger</a:t>
+            </a:r>
+            <a:r>
+              <a:rPr lang="da-DK" dirty="0" smtClean="0"/>
+              <a:t> med </a:t>
+            </a:r>
+            <a:r>
+              <a:rPr lang="da-DK" dirty="0" err="1" smtClean="0"/>
+              <a:t>SystemC</a:t>
+            </a:r>
+            <a:endParaRPr lang="da-DK" dirty="0" smtClean="0"/>
+          </a:p>
+          <a:p>
+            <a:r>
+              <a:rPr lang="da-DK" dirty="0" smtClean="0"/>
+              <a:t>Anbefalet </a:t>
+            </a:r>
+            <a:r>
+              <a:rPr lang="da-DK" dirty="0" err="1" smtClean="0"/>
+              <a:t>mapning</a:t>
+            </a:r>
+            <a:r>
+              <a:rPr lang="da-DK" dirty="0" smtClean="0"/>
+              <a:t> med rationale</a:t>
+            </a:r>
+          </a:p>
+          <a:p>
+            <a:r>
+              <a:rPr lang="da-DK" dirty="0" smtClean="0"/>
+              <a:t>Evaluering af </a:t>
+            </a:r>
+            <a:r>
+              <a:rPr lang="da-DK" dirty="0" err="1" smtClean="0"/>
+              <a:t>process</a:t>
+            </a:r>
+            <a:r>
+              <a:rPr lang="da-DK" dirty="0" smtClean="0"/>
+              <a:t> og metoder</a:t>
+            </a:r>
+          </a:p>
+          <a:p>
+            <a:r>
+              <a:rPr lang="da-DK" dirty="0" smtClean="0"/>
+              <a:t>Konklusion</a:t>
+            </a:r>
+            <a:endParaRPr lang="da-DK" dirty="0"/>
           </a:p>
         </p:txBody>
       </p:sp>

--- a/syseng_hwco/proj/Artifact/Presentations/Presentation_11_02_11.pptx
+++ b/syseng_hwco/proj/Artifact/Presentations/Presentation_11_02_11.pptx
@@ -3931,7 +3931,9 @@
         </p:nvSpPr>
         <p:spPr/>
         <p:txBody>
-          <a:bodyPr/>
+          <a:bodyPr>
+            <a:normAutofit/>
+          </a:bodyPr>
           <a:lstStyle/>
           <a:p>
             <a:pPr marL="514350" indent="-514350">
@@ -4006,11 +4008,11 @@
             </a:r>
             <a:r>
               <a:rPr lang="da-DK" dirty="0" err="1" smtClean="0"/>
-              <a:t>method</a:t>
-            </a:r>
-            <a:r>
-              <a:rPr lang="da-DK" dirty="0" smtClean="0"/>
-              <a:t> ???)</a:t>
+              <a:t>Pereto</a:t>
+            </a:r>
+            <a:r>
+              <a:rPr lang="da-DK" dirty="0" smtClean="0"/>
+              <a:t> points and ???)</a:t>
             </a:r>
           </a:p>
           <a:p>
@@ -4027,13 +4029,10 @@
               <a:t> til simulering og evaluering af alternative </a:t>
             </a:r>
             <a:r>
-              <a:rPr lang="da-DK" dirty="0" err="1" smtClean="0"/>
-              <a:t>arkitekture</a:t>
-            </a:r>
-            <a:r>
-              <a:rPr lang="da-DK" dirty="0" smtClean="0"/>
-              <a:t>.</a:t>
-            </a:r>
+              <a:rPr lang="da-DK" dirty="0" smtClean="0"/>
+              <a:t>arkitekturer.</a:t>
+            </a:r>
+            <a:endParaRPr lang="da-DK" dirty="0" smtClean="0"/>
           </a:p>
           <a:p>
             <a:pPr marL="514350" indent="-514350">

--- a/syseng_hwco/proj/Artifact/Presentations/Presentation_11_02_11.pptx
+++ b/syseng_hwco/proj/Artifact/Presentations/Presentation_11_02_11.pptx
@@ -23,92 +23,122 @@
     <a:defPPr>
       <a:defRPr lang="da-DK"/>
     </a:defPPr>
-    <a:lvl1pPr marL="0" algn="l" defTabSz="914400" rtl="0" eaLnBrk="1" latinLnBrk="0" hangingPunct="1">
-      <a:defRPr sz="1800" kern="1200">
+    <a:lvl1pPr algn="l" rtl="0" fontAlgn="base">
+      <a:spcBef>
+        <a:spcPct val="0"/>
+      </a:spcBef>
+      <a:spcAft>
+        <a:spcPct val="0"/>
+      </a:spcAft>
+      <a:defRPr kern="1200">
         <a:solidFill>
           <a:schemeClr val="tx1"/>
         </a:solidFill>
-        <a:latin typeface="+mn-lt"/>
+        <a:latin typeface="Arial" charset="0"/>
         <a:ea typeface="+mn-ea"/>
         <a:cs typeface="+mn-cs"/>
       </a:defRPr>
     </a:lvl1pPr>
-    <a:lvl2pPr marL="457200" algn="l" defTabSz="914400" rtl="0" eaLnBrk="1" latinLnBrk="0" hangingPunct="1">
-      <a:defRPr sz="1800" kern="1200">
+    <a:lvl2pPr marL="457200" algn="l" rtl="0" fontAlgn="base">
+      <a:spcBef>
+        <a:spcPct val="0"/>
+      </a:spcBef>
+      <a:spcAft>
+        <a:spcPct val="0"/>
+      </a:spcAft>
+      <a:defRPr kern="1200">
         <a:solidFill>
           <a:schemeClr val="tx1"/>
         </a:solidFill>
-        <a:latin typeface="+mn-lt"/>
+        <a:latin typeface="Arial" charset="0"/>
         <a:ea typeface="+mn-ea"/>
         <a:cs typeface="+mn-cs"/>
       </a:defRPr>
     </a:lvl2pPr>
-    <a:lvl3pPr marL="914400" algn="l" defTabSz="914400" rtl="0" eaLnBrk="1" latinLnBrk="0" hangingPunct="1">
-      <a:defRPr sz="1800" kern="1200">
+    <a:lvl3pPr marL="914400" algn="l" rtl="0" fontAlgn="base">
+      <a:spcBef>
+        <a:spcPct val="0"/>
+      </a:spcBef>
+      <a:spcAft>
+        <a:spcPct val="0"/>
+      </a:spcAft>
+      <a:defRPr kern="1200">
         <a:solidFill>
           <a:schemeClr val="tx1"/>
         </a:solidFill>
-        <a:latin typeface="+mn-lt"/>
+        <a:latin typeface="Arial" charset="0"/>
         <a:ea typeface="+mn-ea"/>
         <a:cs typeface="+mn-cs"/>
       </a:defRPr>
     </a:lvl3pPr>
-    <a:lvl4pPr marL="1371600" algn="l" defTabSz="914400" rtl="0" eaLnBrk="1" latinLnBrk="0" hangingPunct="1">
-      <a:defRPr sz="1800" kern="1200">
+    <a:lvl4pPr marL="1371600" algn="l" rtl="0" fontAlgn="base">
+      <a:spcBef>
+        <a:spcPct val="0"/>
+      </a:spcBef>
+      <a:spcAft>
+        <a:spcPct val="0"/>
+      </a:spcAft>
+      <a:defRPr kern="1200">
         <a:solidFill>
           <a:schemeClr val="tx1"/>
         </a:solidFill>
-        <a:latin typeface="+mn-lt"/>
+        <a:latin typeface="Arial" charset="0"/>
         <a:ea typeface="+mn-ea"/>
         <a:cs typeface="+mn-cs"/>
       </a:defRPr>
     </a:lvl4pPr>
-    <a:lvl5pPr marL="1828800" algn="l" defTabSz="914400" rtl="0" eaLnBrk="1" latinLnBrk="0" hangingPunct="1">
-      <a:defRPr sz="1800" kern="1200">
+    <a:lvl5pPr marL="1828800" algn="l" rtl="0" fontAlgn="base">
+      <a:spcBef>
+        <a:spcPct val="0"/>
+      </a:spcBef>
+      <a:spcAft>
+        <a:spcPct val="0"/>
+      </a:spcAft>
+      <a:defRPr kern="1200">
         <a:solidFill>
           <a:schemeClr val="tx1"/>
         </a:solidFill>
-        <a:latin typeface="+mn-lt"/>
+        <a:latin typeface="Arial" charset="0"/>
         <a:ea typeface="+mn-ea"/>
         <a:cs typeface="+mn-cs"/>
       </a:defRPr>
     </a:lvl5pPr>
     <a:lvl6pPr marL="2286000" algn="l" defTabSz="914400" rtl="0" eaLnBrk="1" latinLnBrk="0" hangingPunct="1">
-      <a:defRPr sz="1800" kern="1200">
+      <a:defRPr kern="1200">
         <a:solidFill>
           <a:schemeClr val="tx1"/>
         </a:solidFill>
-        <a:latin typeface="+mn-lt"/>
+        <a:latin typeface="Arial" charset="0"/>
         <a:ea typeface="+mn-ea"/>
         <a:cs typeface="+mn-cs"/>
       </a:defRPr>
     </a:lvl6pPr>
     <a:lvl7pPr marL="2743200" algn="l" defTabSz="914400" rtl="0" eaLnBrk="1" latinLnBrk="0" hangingPunct="1">
-      <a:defRPr sz="1800" kern="1200">
+      <a:defRPr kern="1200">
         <a:solidFill>
           <a:schemeClr val="tx1"/>
         </a:solidFill>
-        <a:latin typeface="+mn-lt"/>
+        <a:latin typeface="Arial" charset="0"/>
         <a:ea typeface="+mn-ea"/>
         <a:cs typeface="+mn-cs"/>
       </a:defRPr>
     </a:lvl7pPr>
     <a:lvl8pPr marL="3200400" algn="l" defTabSz="914400" rtl="0" eaLnBrk="1" latinLnBrk="0" hangingPunct="1">
-      <a:defRPr sz="1800" kern="1200">
+      <a:defRPr kern="1200">
         <a:solidFill>
           <a:schemeClr val="tx1"/>
         </a:solidFill>
-        <a:latin typeface="+mn-lt"/>
+        <a:latin typeface="Arial" charset="0"/>
         <a:ea typeface="+mn-ea"/>
         <a:cs typeface="+mn-cs"/>
       </a:defRPr>
     </a:lvl8pPr>
     <a:lvl9pPr marL="3657600" algn="l" defTabSz="914400" rtl="0" eaLnBrk="1" latinLnBrk="0" hangingPunct="1">
-      <a:defRPr sz="1800" kern="1200">
+      <a:defRPr kern="1200">
         <a:solidFill>
           <a:schemeClr val="tx1"/>
         </a:solidFill>
-        <a:latin typeface="+mn-lt"/>
+        <a:latin typeface="Arial" charset="0"/>
         <a:ea typeface="+mn-ea"/>
         <a:cs typeface="+mn-cs"/>
       </a:defRPr>
@@ -294,11 +324,20 @@
         <p:spPr/>
         <p:txBody>
           <a:bodyPr/>
-          <a:lstStyle/>
-          <a:p>
-            <a:fld id="{416418D9-DF11-407D-B96D-4C5DFC0F3360}" type="datetimeFigureOut">
-              <a:rPr lang="da-DK" smtClean="0"/>
-              <a:pPr/>
+          <a:lstStyle>
+            <a:lvl1pPr>
+              <a:defRPr/>
+            </a:lvl1pPr>
+          </a:lstStyle>
+          <a:p>
+            <a:pPr>
+              <a:defRPr/>
+            </a:pPr>
+            <a:fld id="{11EA080B-6E8D-441C-8BF2-827EDBB228D0}" type="datetimeFigureOut">
+              <a:rPr lang="da-DK"/>
+              <a:pPr>
+                <a:defRPr/>
+              </a:pPr>
               <a:t>09-02-2011</a:t>
             </a:fld>
             <a:endParaRPr lang="da-DK"/>
@@ -318,8 +357,15 @@
         <p:spPr/>
         <p:txBody>
           <a:bodyPr/>
-          <a:lstStyle/>
-          <a:p>
+          <a:lstStyle>
+            <a:lvl1pPr>
+              <a:defRPr/>
+            </a:lvl1pPr>
+          </a:lstStyle>
+          <a:p>
+            <a:pPr>
+              <a:defRPr/>
+            </a:pPr>
             <a:endParaRPr lang="da-DK"/>
           </a:p>
         </p:txBody>
@@ -337,12 +383,21 @@
         <p:spPr/>
         <p:txBody>
           <a:bodyPr/>
-          <a:lstStyle/>
-          <a:p>
-            <a:fld id="{1CDC00FD-6FF3-4FC2-B7C7-3502E03955D2}" type="slidenum">
-              <a:rPr lang="da-DK" smtClean="0"/>
-              <a:pPr/>
-              <a:t>‹nr.›</a:t>
+          <a:lstStyle>
+            <a:lvl1pPr>
+              <a:defRPr/>
+            </a:lvl1pPr>
+          </a:lstStyle>
+          <a:p>
+            <a:pPr>
+              <a:defRPr/>
+            </a:pPr>
+            <a:fld id="{13E08DC2-AF5B-4AD4-AF7B-5052D613982F}" type="slidenum">
+              <a:rPr lang="da-DK"/>
+              <a:pPr>
+                <a:defRPr/>
+              </a:pPr>
+              <a:t>‹#›</a:t>
             </a:fld>
             <a:endParaRPr lang="da-DK"/>
           </a:p>
@@ -461,11 +516,20 @@
         <p:spPr/>
         <p:txBody>
           <a:bodyPr/>
-          <a:lstStyle/>
-          <a:p>
-            <a:fld id="{416418D9-DF11-407D-B96D-4C5DFC0F3360}" type="datetimeFigureOut">
-              <a:rPr lang="da-DK" smtClean="0"/>
-              <a:pPr/>
+          <a:lstStyle>
+            <a:lvl1pPr>
+              <a:defRPr/>
+            </a:lvl1pPr>
+          </a:lstStyle>
+          <a:p>
+            <a:pPr>
+              <a:defRPr/>
+            </a:pPr>
+            <a:fld id="{8E0CEE42-3084-475F-ADAB-D64885A83AA6}" type="datetimeFigureOut">
+              <a:rPr lang="da-DK"/>
+              <a:pPr>
+                <a:defRPr/>
+              </a:pPr>
               <a:t>09-02-2011</a:t>
             </a:fld>
             <a:endParaRPr lang="da-DK"/>
@@ -485,8 +549,15 @@
         <p:spPr/>
         <p:txBody>
           <a:bodyPr/>
-          <a:lstStyle/>
-          <a:p>
+          <a:lstStyle>
+            <a:lvl1pPr>
+              <a:defRPr/>
+            </a:lvl1pPr>
+          </a:lstStyle>
+          <a:p>
+            <a:pPr>
+              <a:defRPr/>
+            </a:pPr>
             <a:endParaRPr lang="da-DK"/>
           </a:p>
         </p:txBody>
@@ -504,12 +575,21 @@
         <p:spPr/>
         <p:txBody>
           <a:bodyPr/>
-          <a:lstStyle/>
-          <a:p>
-            <a:fld id="{1CDC00FD-6FF3-4FC2-B7C7-3502E03955D2}" type="slidenum">
-              <a:rPr lang="da-DK" smtClean="0"/>
-              <a:pPr/>
-              <a:t>‹nr.›</a:t>
+          <a:lstStyle>
+            <a:lvl1pPr>
+              <a:defRPr/>
+            </a:lvl1pPr>
+          </a:lstStyle>
+          <a:p>
+            <a:pPr>
+              <a:defRPr/>
+            </a:pPr>
+            <a:fld id="{70D36A2B-4E42-4B6D-A787-E05C6F0F09A2}" type="slidenum">
+              <a:rPr lang="da-DK"/>
+              <a:pPr>
+                <a:defRPr/>
+              </a:pPr>
+              <a:t>‹#›</a:t>
             </a:fld>
             <a:endParaRPr lang="da-DK"/>
           </a:p>
@@ -638,11 +718,20 @@
         <p:spPr/>
         <p:txBody>
           <a:bodyPr/>
-          <a:lstStyle/>
-          <a:p>
-            <a:fld id="{416418D9-DF11-407D-B96D-4C5DFC0F3360}" type="datetimeFigureOut">
-              <a:rPr lang="da-DK" smtClean="0"/>
-              <a:pPr/>
+          <a:lstStyle>
+            <a:lvl1pPr>
+              <a:defRPr/>
+            </a:lvl1pPr>
+          </a:lstStyle>
+          <a:p>
+            <a:pPr>
+              <a:defRPr/>
+            </a:pPr>
+            <a:fld id="{D15E59A7-DEE1-4321-90E2-716B67388088}" type="datetimeFigureOut">
+              <a:rPr lang="da-DK"/>
+              <a:pPr>
+                <a:defRPr/>
+              </a:pPr>
               <a:t>09-02-2011</a:t>
             </a:fld>
             <a:endParaRPr lang="da-DK"/>
@@ -662,8 +751,15 @@
         <p:spPr/>
         <p:txBody>
           <a:bodyPr/>
-          <a:lstStyle/>
-          <a:p>
+          <a:lstStyle>
+            <a:lvl1pPr>
+              <a:defRPr/>
+            </a:lvl1pPr>
+          </a:lstStyle>
+          <a:p>
+            <a:pPr>
+              <a:defRPr/>
+            </a:pPr>
             <a:endParaRPr lang="da-DK"/>
           </a:p>
         </p:txBody>
@@ -681,12 +777,21 @@
         <p:spPr/>
         <p:txBody>
           <a:bodyPr/>
-          <a:lstStyle/>
-          <a:p>
-            <a:fld id="{1CDC00FD-6FF3-4FC2-B7C7-3502E03955D2}" type="slidenum">
-              <a:rPr lang="da-DK" smtClean="0"/>
-              <a:pPr/>
-              <a:t>‹nr.›</a:t>
+          <a:lstStyle>
+            <a:lvl1pPr>
+              <a:defRPr/>
+            </a:lvl1pPr>
+          </a:lstStyle>
+          <a:p>
+            <a:pPr>
+              <a:defRPr/>
+            </a:pPr>
+            <a:fld id="{4405ABE2-35C1-46A2-BDFB-8451F15CAFB7}" type="slidenum">
+              <a:rPr lang="da-DK"/>
+              <a:pPr>
+                <a:defRPr/>
+              </a:pPr>
+              <a:t>‹#›</a:t>
             </a:fld>
             <a:endParaRPr lang="da-DK"/>
           </a:p>
@@ -805,11 +910,20 @@
         <p:spPr/>
         <p:txBody>
           <a:bodyPr/>
-          <a:lstStyle/>
-          <a:p>
-            <a:fld id="{416418D9-DF11-407D-B96D-4C5DFC0F3360}" type="datetimeFigureOut">
-              <a:rPr lang="da-DK" smtClean="0"/>
-              <a:pPr/>
+          <a:lstStyle>
+            <a:lvl1pPr>
+              <a:defRPr/>
+            </a:lvl1pPr>
+          </a:lstStyle>
+          <a:p>
+            <a:pPr>
+              <a:defRPr/>
+            </a:pPr>
+            <a:fld id="{9CC47B57-EAFE-4DF6-95AD-361A52F4AEA6}" type="datetimeFigureOut">
+              <a:rPr lang="da-DK"/>
+              <a:pPr>
+                <a:defRPr/>
+              </a:pPr>
               <a:t>09-02-2011</a:t>
             </a:fld>
             <a:endParaRPr lang="da-DK"/>
@@ -829,8 +943,15 @@
         <p:spPr/>
         <p:txBody>
           <a:bodyPr/>
-          <a:lstStyle/>
-          <a:p>
+          <a:lstStyle>
+            <a:lvl1pPr>
+              <a:defRPr/>
+            </a:lvl1pPr>
+          </a:lstStyle>
+          <a:p>
+            <a:pPr>
+              <a:defRPr/>
+            </a:pPr>
             <a:endParaRPr lang="da-DK"/>
           </a:p>
         </p:txBody>
@@ -848,12 +969,21 @@
         <p:spPr/>
         <p:txBody>
           <a:bodyPr/>
-          <a:lstStyle/>
-          <a:p>
-            <a:fld id="{1CDC00FD-6FF3-4FC2-B7C7-3502E03955D2}" type="slidenum">
-              <a:rPr lang="da-DK" smtClean="0"/>
-              <a:pPr/>
-              <a:t>‹nr.›</a:t>
+          <a:lstStyle>
+            <a:lvl1pPr>
+              <a:defRPr/>
+            </a:lvl1pPr>
+          </a:lstStyle>
+          <a:p>
+            <a:pPr>
+              <a:defRPr/>
+            </a:pPr>
+            <a:fld id="{53B86381-8940-4191-9CA1-7087E1169B30}" type="slidenum">
+              <a:rPr lang="da-DK"/>
+              <a:pPr>
+                <a:defRPr/>
+              </a:pPr>
+              <a:t>‹#›</a:t>
             </a:fld>
             <a:endParaRPr lang="da-DK"/>
           </a:p>
@@ -1048,11 +1178,20 @@
         <p:spPr/>
         <p:txBody>
           <a:bodyPr/>
-          <a:lstStyle/>
-          <a:p>
-            <a:fld id="{416418D9-DF11-407D-B96D-4C5DFC0F3360}" type="datetimeFigureOut">
-              <a:rPr lang="da-DK" smtClean="0"/>
-              <a:pPr/>
+          <a:lstStyle>
+            <a:lvl1pPr>
+              <a:defRPr/>
+            </a:lvl1pPr>
+          </a:lstStyle>
+          <a:p>
+            <a:pPr>
+              <a:defRPr/>
+            </a:pPr>
+            <a:fld id="{38D8FB97-640A-4292-997D-31CB0F7B4B9B}" type="datetimeFigureOut">
+              <a:rPr lang="da-DK"/>
+              <a:pPr>
+                <a:defRPr/>
+              </a:pPr>
               <a:t>09-02-2011</a:t>
             </a:fld>
             <a:endParaRPr lang="da-DK"/>
@@ -1072,8 +1211,15 @@
         <p:spPr/>
         <p:txBody>
           <a:bodyPr/>
-          <a:lstStyle/>
-          <a:p>
+          <a:lstStyle>
+            <a:lvl1pPr>
+              <a:defRPr/>
+            </a:lvl1pPr>
+          </a:lstStyle>
+          <a:p>
+            <a:pPr>
+              <a:defRPr/>
+            </a:pPr>
             <a:endParaRPr lang="da-DK"/>
           </a:p>
         </p:txBody>
@@ -1091,12 +1237,21 @@
         <p:spPr/>
         <p:txBody>
           <a:bodyPr/>
-          <a:lstStyle/>
-          <a:p>
-            <a:fld id="{1CDC00FD-6FF3-4FC2-B7C7-3502E03955D2}" type="slidenum">
-              <a:rPr lang="da-DK" smtClean="0"/>
-              <a:pPr/>
-              <a:t>‹nr.›</a:t>
+          <a:lstStyle>
+            <a:lvl1pPr>
+              <a:defRPr/>
+            </a:lvl1pPr>
+          </a:lstStyle>
+          <a:p>
+            <a:pPr>
+              <a:defRPr/>
+            </a:pPr>
+            <a:fld id="{850A572A-68D0-456F-BF22-93E7F7166529}" type="slidenum">
+              <a:rPr lang="da-DK"/>
+              <a:pPr>
+                <a:defRPr/>
+              </a:pPr>
+              <a:t>‹#›</a:t>
             </a:fld>
             <a:endParaRPr lang="da-DK"/>
           </a:p>
@@ -1322,7 +1477,7 @@
       </p:sp>
       <p:sp>
         <p:nvSpPr>
-          <p:cNvPr id="5" name="Pladsholder til dato 4"/>
+          <p:cNvPr id="5" name="Pladsholder til dato 3"/>
           <p:cNvSpPr>
             <a:spLocks noGrp="1"/>
           </p:cNvSpPr>
@@ -1333,11 +1488,20 @@
         <p:spPr/>
         <p:txBody>
           <a:bodyPr/>
-          <a:lstStyle/>
-          <a:p>
-            <a:fld id="{416418D9-DF11-407D-B96D-4C5DFC0F3360}" type="datetimeFigureOut">
-              <a:rPr lang="da-DK" smtClean="0"/>
-              <a:pPr/>
+          <a:lstStyle>
+            <a:lvl1pPr>
+              <a:defRPr/>
+            </a:lvl1pPr>
+          </a:lstStyle>
+          <a:p>
+            <a:pPr>
+              <a:defRPr/>
+            </a:pPr>
+            <a:fld id="{C528328B-D0A3-4E6D-8FD4-261C20DA6478}" type="datetimeFigureOut">
+              <a:rPr lang="da-DK"/>
+              <a:pPr>
+                <a:defRPr/>
+              </a:pPr>
               <a:t>09-02-2011</a:t>
             </a:fld>
             <a:endParaRPr lang="da-DK"/>
@@ -1346,7 +1510,7 @@
       </p:sp>
       <p:sp>
         <p:nvSpPr>
-          <p:cNvPr id="6" name="Pladsholder til sidefod 5"/>
+          <p:cNvPr id="6" name="Pladsholder til sidefod 4"/>
           <p:cNvSpPr>
             <a:spLocks noGrp="1"/>
           </p:cNvSpPr>
@@ -1357,15 +1521,22 @@
         <p:spPr/>
         <p:txBody>
           <a:bodyPr/>
-          <a:lstStyle/>
-          <a:p>
-            <a:endParaRPr lang="da-DK"/>
-          </a:p>
-        </p:txBody>
-      </p:sp>
-      <p:sp>
-        <p:nvSpPr>
-          <p:cNvPr id="7" name="Pladsholder til diasnummer 6"/>
+          <a:lstStyle>
+            <a:lvl1pPr>
+              <a:defRPr/>
+            </a:lvl1pPr>
+          </a:lstStyle>
+          <a:p>
+            <a:pPr>
+              <a:defRPr/>
+            </a:pPr>
+            <a:endParaRPr lang="da-DK"/>
+          </a:p>
+        </p:txBody>
+      </p:sp>
+      <p:sp>
+        <p:nvSpPr>
+          <p:cNvPr id="7" name="Pladsholder til diasnummer 5"/>
           <p:cNvSpPr>
             <a:spLocks noGrp="1"/>
           </p:cNvSpPr>
@@ -1376,12 +1547,21 @@
         <p:spPr/>
         <p:txBody>
           <a:bodyPr/>
-          <a:lstStyle/>
-          <a:p>
-            <a:fld id="{1CDC00FD-6FF3-4FC2-B7C7-3502E03955D2}" type="slidenum">
-              <a:rPr lang="da-DK" smtClean="0"/>
-              <a:pPr/>
-              <a:t>‹nr.›</a:t>
+          <a:lstStyle>
+            <a:lvl1pPr>
+              <a:defRPr/>
+            </a:lvl1pPr>
+          </a:lstStyle>
+          <a:p>
+            <a:pPr>
+              <a:defRPr/>
+            </a:pPr>
+            <a:fld id="{FF7EB3E7-AD5D-4BC2-AE5F-286EC991C6C4}" type="slidenum">
+              <a:rPr lang="da-DK"/>
+              <a:pPr>
+                <a:defRPr/>
+              </a:pPr>
+              <a:t>‹#›</a:t>
             </a:fld>
             <a:endParaRPr lang="da-DK"/>
           </a:p>
@@ -1741,7 +1921,7 @@
       </p:sp>
       <p:sp>
         <p:nvSpPr>
-          <p:cNvPr id="7" name="Pladsholder til dato 6"/>
+          <p:cNvPr id="7" name="Pladsholder til dato 3"/>
           <p:cNvSpPr>
             <a:spLocks noGrp="1"/>
           </p:cNvSpPr>
@@ -1752,11 +1932,20 @@
         <p:spPr/>
         <p:txBody>
           <a:bodyPr/>
-          <a:lstStyle/>
-          <a:p>
-            <a:fld id="{416418D9-DF11-407D-B96D-4C5DFC0F3360}" type="datetimeFigureOut">
-              <a:rPr lang="da-DK" smtClean="0"/>
-              <a:pPr/>
+          <a:lstStyle>
+            <a:lvl1pPr>
+              <a:defRPr/>
+            </a:lvl1pPr>
+          </a:lstStyle>
+          <a:p>
+            <a:pPr>
+              <a:defRPr/>
+            </a:pPr>
+            <a:fld id="{FA89D207-DB3C-474E-A920-F4C2D31679FE}" type="datetimeFigureOut">
+              <a:rPr lang="da-DK"/>
+              <a:pPr>
+                <a:defRPr/>
+              </a:pPr>
               <a:t>09-02-2011</a:t>
             </a:fld>
             <a:endParaRPr lang="da-DK"/>
@@ -1765,7 +1954,7 @@
       </p:sp>
       <p:sp>
         <p:nvSpPr>
-          <p:cNvPr id="8" name="Pladsholder til sidefod 7"/>
+          <p:cNvPr id="8" name="Pladsholder til sidefod 4"/>
           <p:cNvSpPr>
             <a:spLocks noGrp="1"/>
           </p:cNvSpPr>
@@ -1776,15 +1965,22 @@
         <p:spPr/>
         <p:txBody>
           <a:bodyPr/>
-          <a:lstStyle/>
-          <a:p>
-            <a:endParaRPr lang="da-DK"/>
-          </a:p>
-        </p:txBody>
-      </p:sp>
-      <p:sp>
-        <p:nvSpPr>
-          <p:cNvPr id="9" name="Pladsholder til diasnummer 8"/>
+          <a:lstStyle>
+            <a:lvl1pPr>
+              <a:defRPr/>
+            </a:lvl1pPr>
+          </a:lstStyle>
+          <a:p>
+            <a:pPr>
+              <a:defRPr/>
+            </a:pPr>
+            <a:endParaRPr lang="da-DK"/>
+          </a:p>
+        </p:txBody>
+      </p:sp>
+      <p:sp>
+        <p:nvSpPr>
+          <p:cNvPr id="9" name="Pladsholder til diasnummer 5"/>
           <p:cNvSpPr>
             <a:spLocks noGrp="1"/>
           </p:cNvSpPr>
@@ -1795,12 +1991,21 @@
         <p:spPr/>
         <p:txBody>
           <a:bodyPr/>
-          <a:lstStyle/>
-          <a:p>
-            <a:fld id="{1CDC00FD-6FF3-4FC2-B7C7-3502E03955D2}" type="slidenum">
-              <a:rPr lang="da-DK" smtClean="0"/>
-              <a:pPr/>
-              <a:t>‹nr.›</a:t>
+          <a:lstStyle>
+            <a:lvl1pPr>
+              <a:defRPr/>
+            </a:lvl1pPr>
+          </a:lstStyle>
+          <a:p>
+            <a:pPr>
+              <a:defRPr/>
+            </a:pPr>
+            <a:fld id="{BB7AB08F-CE14-475B-9BF1-E2F2AA758F1F}" type="slidenum">
+              <a:rPr lang="da-DK"/>
+              <a:pPr>
+                <a:defRPr/>
+              </a:pPr>
+              <a:t>‹#›</a:t>
             </a:fld>
             <a:endParaRPr lang="da-DK"/>
           </a:p>
@@ -1856,7 +2061,7 @@
       </p:sp>
       <p:sp>
         <p:nvSpPr>
-          <p:cNvPr id="3" name="Pladsholder til dato 2"/>
+          <p:cNvPr id="3" name="Pladsholder til dato 3"/>
           <p:cNvSpPr>
             <a:spLocks noGrp="1"/>
           </p:cNvSpPr>
@@ -1867,11 +2072,20 @@
         <p:spPr/>
         <p:txBody>
           <a:bodyPr/>
-          <a:lstStyle/>
-          <a:p>
-            <a:fld id="{416418D9-DF11-407D-B96D-4C5DFC0F3360}" type="datetimeFigureOut">
-              <a:rPr lang="da-DK" smtClean="0"/>
-              <a:pPr/>
+          <a:lstStyle>
+            <a:lvl1pPr>
+              <a:defRPr/>
+            </a:lvl1pPr>
+          </a:lstStyle>
+          <a:p>
+            <a:pPr>
+              <a:defRPr/>
+            </a:pPr>
+            <a:fld id="{B94CF97B-CDCD-42D8-BD6B-29F0181A3B52}" type="datetimeFigureOut">
+              <a:rPr lang="da-DK"/>
+              <a:pPr>
+                <a:defRPr/>
+              </a:pPr>
               <a:t>09-02-2011</a:t>
             </a:fld>
             <a:endParaRPr lang="da-DK"/>
@@ -1880,7 +2094,7 @@
       </p:sp>
       <p:sp>
         <p:nvSpPr>
-          <p:cNvPr id="4" name="Pladsholder til sidefod 3"/>
+          <p:cNvPr id="4" name="Pladsholder til sidefod 4"/>
           <p:cNvSpPr>
             <a:spLocks noGrp="1"/>
           </p:cNvSpPr>
@@ -1891,15 +2105,22 @@
         <p:spPr/>
         <p:txBody>
           <a:bodyPr/>
-          <a:lstStyle/>
-          <a:p>
-            <a:endParaRPr lang="da-DK"/>
-          </a:p>
-        </p:txBody>
-      </p:sp>
-      <p:sp>
-        <p:nvSpPr>
-          <p:cNvPr id="5" name="Pladsholder til diasnummer 4"/>
+          <a:lstStyle>
+            <a:lvl1pPr>
+              <a:defRPr/>
+            </a:lvl1pPr>
+          </a:lstStyle>
+          <a:p>
+            <a:pPr>
+              <a:defRPr/>
+            </a:pPr>
+            <a:endParaRPr lang="da-DK"/>
+          </a:p>
+        </p:txBody>
+      </p:sp>
+      <p:sp>
+        <p:nvSpPr>
+          <p:cNvPr id="5" name="Pladsholder til diasnummer 5"/>
           <p:cNvSpPr>
             <a:spLocks noGrp="1"/>
           </p:cNvSpPr>
@@ -1910,12 +2131,21 @@
         <p:spPr/>
         <p:txBody>
           <a:bodyPr/>
-          <a:lstStyle/>
-          <a:p>
-            <a:fld id="{1CDC00FD-6FF3-4FC2-B7C7-3502E03955D2}" type="slidenum">
-              <a:rPr lang="da-DK" smtClean="0"/>
-              <a:pPr/>
-              <a:t>‹nr.›</a:t>
+          <a:lstStyle>
+            <a:lvl1pPr>
+              <a:defRPr/>
+            </a:lvl1pPr>
+          </a:lstStyle>
+          <a:p>
+            <a:pPr>
+              <a:defRPr/>
+            </a:pPr>
+            <a:fld id="{2FE58EFE-F09F-4EC9-BCD1-ED63E1510827}" type="slidenum">
+              <a:rPr lang="da-DK"/>
+              <a:pPr>
+                <a:defRPr/>
+              </a:pPr>
+              <a:t>‹#›</a:t>
             </a:fld>
             <a:endParaRPr lang="da-DK"/>
           </a:p>
@@ -1948,7 +2178,7 @@
       </p:grpSpPr>
       <p:sp>
         <p:nvSpPr>
-          <p:cNvPr id="2" name="Pladsholder til dato 1"/>
+          <p:cNvPr id="2" name="Pladsholder til dato 3"/>
           <p:cNvSpPr>
             <a:spLocks noGrp="1"/>
           </p:cNvSpPr>
@@ -1959,11 +2189,20 @@
         <p:spPr/>
         <p:txBody>
           <a:bodyPr/>
-          <a:lstStyle/>
-          <a:p>
-            <a:fld id="{416418D9-DF11-407D-B96D-4C5DFC0F3360}" type="datetimeFigureOut">
-              <a:rPr lang="da-DK" smtClean="0"/>
-              <a:pPr/>
+          <a:lstStyle>
+            <a:lvl1pPr>
+              <a:defRPr/>
+            </a:lvl1pPr>
+          </a:lstStyle>
+          <a:p>
+            <a:pPr>
+              <a:defRPr/>
+            </a:pPr>
+            <a:fld id="{0CB1178D-3285-46FF-BA0E-2E5AE5529C57}" type="datetimeFigureOut">
+              <a:rPr lang="da-DK"/>
+              <a:pPr>
+                <a:defRPr/>
+              </a:pPr>
               <a:t>09-02-2011</a:t>
             </a:fld>
             <a:endParaRPr lang="da-DK"/>
@@ -1972,7 +2211,7 @@
       </p:sp>
       <p:sp>
         <p:nvSpPr>
-          <p:cNvPr id="3" name="Pladsholder til sidefod 2"/>
+          <p:cNvPr id="3" name="Pladsholder til sidefod 4"/>
           <p:cNvSpPr>
             <a:spLocks noGrp="1"/>
           </p:cNvSpPr>
@@ -1983,15 +2222,22 @@
         <p:spPr/>
         <p:txBody>
           <a:bodyPr/>
-          <a:lstStyle/>
-          <a:p>
-            <a:endParaRPr lang="da-DK"/>
-          </a:p>
-        </p:txBody>
-      </p:sp>
-      <p:sp>
-        <p:nvSpPr>
-          <p:cNvPr id="4" name="Pladsholder til diasnummer 3"/>
+          <a:lstStyle>
+            <a:lvl1pPr>
+              <a:defRPr/>
+            </a:lvl1pPr>
+          </a:lstStyle>
+          <a:p>
+            <a:pPr>
+              <a:defRPr/>
+            </a:pPr>
+            <a:endParaRPr lang="da-DK"/>
+          </a:p>
+        </p:txBody>
+      </p:sp>
+      <p:sp>
+        <p:nvSpPr>
+          <p:cNvPr id="4" name="Pladsholder til diasnummer 5"/>
           <p:cNvSpPr>
             <a:spLocks noGrp="1"/>
           </p:cNvSpPr>
@@ -2002,12 +2248,21 @@
         <p:spPr/>
         <p:txBody>
           <a:bodyPr/>
-          <a:lstStyle/>
-          <a:p>
-            <a:fld id="{1CDC00FD-6FF3-4FC2-B7C7-3502E03955D2}" type="slidenum">
-              <a:rPr lang="da-DK" smtClean="0"/>
-              <a:pPr/>
-              <a:t>‹nr.›</a:t>
+          <a:lstStyle>
+            <a:lvl1pPr>
+              <a:defRPr/>
+            </a:lvl1pPr>
+          </a:lstStyle>
+          <a:p>
+            <a:pPr>
+              <a:defRPr/>
+            </a:pPr>
+            <a:fld id="{67A6C3AC-F2B4-4577-B157-1292CFFA785A}" type="slidenum">
+              <a:rPr lang="da-DK"/>
+              <a:pPr>
+                <a:defRPr/>
+              </a:pPr>
+              <a:t>‹#›</a:t>
             </a:fld>
             <a:endParaRPr lang="da-DK"/>
           </a:p>
@@ -2222,7 +2477,7 @@
       </p:sp>
       <p:sp>
         <p:nvSpPr>
-          <p:cNvPr id="5" name="Pladsholder til dato 4"/>
+          <p:cNvPr id="5" name="Pladsholder til dato 3"/>
           <p:cNvSpPr>
             <a:spLocks noGrp="1"/>
           </p:cNvSpPr>
@@ -2233,11 +2488,20 @@
         <p:spPr/>
         <p:txBody>
           <a:bodyPr/>
-          <a:lstStyle/>
-          <a:p>
-            <a:fld id="{416418D9-DF11-407D-B96D-4C5DFC0F3360}" type="datetimeFigureOut">
-              <a:rPr lang="da-DK" smtClean="0"/>
-              <a:pPr/>
+          <a:lstStyle>
+            <a:lvl1pPr>
+              <a:defRPr/>
+            </a:lvl1pPr>
+          </a:lstStyle>
+          <a:p>
+            <a:pPr>
+              <a:defRPr/>
+            </a:pPr>
+            <a:fld id="{E5D776D4-CD44-45FD-8537-3FCFF1692C47}" type="datetimeFigureOut">
+              <a:rPr lang="da-DK"/>
+              <a:pPr>
+                <a:defRPr/>
+              </a:pPr>
               <a:t>09-02-2011</a:t>
             </a:fld>
             <a:endParaRPr lang="da-DK"/>
@@ -2246,7 +2510,7 @@
       </p:sp>
       <p:sp>
         <p:nvSpPr>
-          <p:cNvPr id="6" name="Pladsholder til sidefod 5"/>
+          <p:cNvPr id="6" name="Pladsholder til sidefod 4"/>
           <p:cNvSpPr>
             <a:spLocks noGrp="1"/>
           </p:cNvSpPr>
@@ -2257,15 +2521,22 @@
         <p:spPr/>
         <p:txBody>
           <a:bodyPr/>
-          <a:lstStyle/>
-          <a:p>
-            <a:endParaRPr lang="da-DK"/>
-          </a:p>
-        </p:txBody>
-      </p:sp>
-      <p:sp>
-        <p:nvSpPr>
-          <p:cNvPr id="7" name="Pladsholder til diasnummer 6"/>
+          <a:lstStyle>
+            <a:lvl1pPr>
+              <a:defRPr/>
+            </a:lvl1pPr>
+          </a:lstStyle>
+          <a:p>
+            <a:pPr>
+              <a:defRPr/>
+            </a:pPr>
+            <a:endParaRPr lang="da-DK"/>
+          </a:p>
+        </p:txBody>
+      </p:sp>
+      <p:sp>
+        <p:nvSpPr>
+          <p:cNvPr id="7" name="Pladsholder til diasnummer 5"/>
           <p:cNvSpPr>
             <a:spLocks noGrp="1"/>
           </p:cNvSpPr>
@@ -2276,12 +2547,21 @@
         <p:spPr/>
         <p:txBody>
           <a:bodyPr/>
-          <a:lstStyle/>
-          <a:p>
-            <a:fld id="{1CDC00FD-6FF3-4FC2-B7C7-3502E03955D2}" type="slidenum">
-              <a:rPr lang="da-DK" smtClean="0"/>
-              <a:pPr/>
-              <a:t>‹nr.›</a:t>
+          <a:lstStyle>
+            <a:lvl1pPr>
+              <a:defRPr/>
+            </a:lvl1pPr>
+          </a:lstStyle>
+          <a:p>
+            <a:pPr>
+              <a:defRPr/>
+            </a:pPr>
+            <a:fld id="{0E473375-91D6-4D36-ACA8-2E60C73940F5}" type="slidenum">
+              <a:rPr lang="da-DK"/>
+              <a:pPr>
+                <a:defRPr/>
+              </a:pPr>
+              <a:t>‹#›</a:t>
             </a:fld>
             <a:endParaRPr lang="da-DK"/>
           </a:p>
@@ -2361,7 +2641,9 @@
           </a:xfrm>
         </p:spPr>
         <p:txBody>
-          <a:bodyPr/>
+          <a:bodyPr rtlCol="0">
+            <a:normAutofit/>
+          </a:bodyPr>
           <a:lstStyle>
             <a:lvl1pPr marL="0" indent="0">
               <a:buNone/>
@@ -2401,7 +2683,8 @@
             </a:lvl9pPr>
           </a:lstStyle>
           <a:p>
-            <a:endParaRPr lang="da-DK"/>
+            <a:pPr lvl="0"/>
+            <a:endParaRPr lang="da-DK" noProof="0"/>
           </a:p>
         </p:txBody>
       </p:sp>
@@ -2472,7 +2755,7 @@
       </p:sp>
       <p:sp>
         <p:nvSpPr>
-          <p:cNvPr id="5" name="Pladsholder til dato 4"/>
+          <p:cNvPr id="5" name="Pladsholder til dato 3"/>
           <p:cNvSpPr>
             <a:spLocks noGrp="1"/>
           </p:cNvSpPr>
@@ -2483,11 +2766,20 @@
         <p:spPr/>
         <p:txBody>
           <a:bodyPr/>
-          <a:lstStyle/>
-          <a:p>
-            <a:fld id="{416418D9-DF11-407D-B96D-4C5DFC0F3360}" type="datetimeFigureOut">
-              <a:rPr lang="da-DK" smtClean="0"/>
-              <a:pPr/>
+          <a:lstStyle>
+            <a:lvl1pPr>
+              <a:defRPr/>
+            </a:lvl1pPr>
+          </a:lstStyle>
+          <a:p>
+            <a:pPr>
+              <a:defRPr/>
+            </a:pPr>
+            <a:fld id="{1A41D533-3428-4077-86A2-7020B1444B88}" type="datetimeFigureOut">
+              <a:rPr lang="da-DK"/>
+              <a:pPr>
+                <a:defRPr/>
+              </a:pPr>
               <a:t>09-02-2011</a:t>
             </a:fld>
             <a:endParaRPr lang="da-DK"/>
@@ -2496,7 +2788,7 @@
       </p:sp>
       <p:sp>
         <p:nvSpPr>
-          <p:cNvPr id="6" name="Pladsholder til sidefod 5"/>
+          <p:cNvPr id="6" name="Pladsholder til sidefod 4"/>
           <p:cNvSpPr>
             <a:spLocks noGrp="1"/>
           </p:cNvSpPr>
@@ -2507,15 +2799,22 @@
         <p:spPr/>
         <p:txBody>
           <a:bodyPr/>
-          <a:lstStyle/>
-          <a:p>
-            <a:endParaRPr lang="da-DK"/>
-          </a:p>
-        </p:txBody>
-      </p:sp>
-      <p:sp>
-        <p:nvSpPr>
-          <p:cNvPr id="7" name="Pladsholder til diasnummer 6"/>
+          <a:lstStyle>
+            <a:lvl1pPr>
+              <a:defRPr/>
+            </a:lvl1pPr>
+          </a:lstStyle>
+          <a:p>
+            <a:pPr>
+              <a:defRPr/>
+            </a:pPr>
+            <a:endParaRPr lang="da-DK"/>
+          </a:p>
+        </p:txBody>
+      </p:sp>
+      <p:sp>
+        <p:nvSpPr>
+          <p:cNvPr id="7" name="Pladsholder til diasnummer 5"/>
           <p:cNvSpPr>
             <a:spLocks noGrp="1"/>
           </p:cNvSpPr>
@@ -2526,12 +2825,21 @@
         <p:spPr/>
         <p:txBody>
           <a:bodyPr/>
-          <a:lstStyle/>
-          <a:p>
-            <a:fld id="{1CDC00FD-6FF3-4FC2-B7C7-3502E03955D2}" type="slidenum">
-              <a:rPr lang="da-DK" smtClean="0"/>
-              <a:pPr/>
-              <a:t>‹nr.›</a:t>
+          <a:lstStyle>
+            <a:lvl1pPr>
+              <a:defRPr/>
+            </a:lvl1pPr>
+          </a:lstStyle>
+          <a:p>
+            <a:pPr>
+              <a:defRPr/>
+            </a:pPr>
+            <a:fld id="{B7B4CCE9-AFF0-42FC-AECE-2A446F8351C9}" type="slidenum">
+              <a:rPr lang="da-DK"/>
+              <a:pPr>
+                <a:defRPr/>
+              </a:pPr>
+              <a:t>‹#›</a:t>
             </a:fld>
             <a:endParaRPr lang="da-DK"/>
           </a:p>
@@ -2569,7 +2877,7 @@
       </p:grpSpPr>
       <p:sp>
         <p:nvSpPr>
-          <p:cNvPr id="2" name="Pladsholder til titel 1"/>
+          <p:cNvPr id="1026" name="Pladsholder til titel 1"/>
           <p:cNvSpPr>
             <a:spLocks noGrp="1"/>
           </p:cNvSpPr>
@@ -2577,7 +2885,7 @@
             <p:ph type="title"/>
           </p:nvPr>
         </p:nvSpPr>
-        <p:spPr>
+        <p:spPr bwMode="auto">
           <a:xfrm>
             <a:off x="457200" y="274638"/>
             <a:ext cx="8229600" cy="1143000"/>
@@ -2585,24 +2893,33 @@
           <a:prstGeom prst="rect">
             <a:avLst/>
           </a:prstGeom>
+          <a:noFill/>
+          <a:ln w="9525">
+            <a:noFill/>
+            <a:miter lim="800000"/>
+            <a:headEnd/>
+            <a:tailEnd/>
+          </a:ln>
         </p:spPr>
         <p:txBody>
-          <a:bodyPr vert="horz" lIns="91440" tIns="45720" rIns="91440" bIns="45720" rtlCol="0" anchor="ctr">
-            <a:normAutofit/>
+          <a:bodyPr vert="horz" wrap="square" lIns="91440" tIns="45720" rIns="91440" bIns="45720" numCol="1" anchor="ctr" anchorCtr="0" compatLnSpc="1">
+            <a:prstTxWarp prst="textNoShape">
+              <a:avLst/>
+            </a:prstTxWarp>
           </a:bodyPr>
           <a:lstStyle/>
           <a:p>
+            <a:pPr lvl="0"/>
             <a:r>
               <a:rPr lang="da-DK" smtClean="0"/>
               <a:t>Klik for at redigere titeltypografi i masteren</a:t>
             </a:r>
-            <a:endParaRPr lang="da-DK"/>
-          </a:p>
-        </p:txBody>
-      </p:sp>
-      <p:sp>
-        <p:nvSpPr>
-          <p:cNvPr id="3" name="Pladsholder til tekst 2"/>
+          </a:p>
+        </p:txBody>
+      </p:sp>
+      <p:sp>
+        <p:nvSpPr>
+          <p:cNvPr id="1027" name="Pladsholder til tekst 2"/>
           <p:cNvSpPr>
             <a:spLocks noGrp="1"/>
           </p:cNvSpPr>
@@ -2610,7 +2927,7 @@
             <p:ph type="body" idx="1"/>
           </p:nvPr>
         </p:nvSpPr>
-        <p:spPr>
+        <p:spPr bwMode="auto">
           <a:xfrm>
             <a:off x="457200" y="1600200"/>
             <a:ext cx="8229600" cy="4525963"/>
@@ -2618,10 +2935,19 @@
           <a:prstGeom prst="rect">
             <a:avLst/>
           </a:prstGeom>
+          <a:noFill/>
+          <a:ln w="9525">
+            <a:noFill/>
+            <a:miter lim="800000"/>
+            <a:headEnd/>
+            <a:tailEnd/>
+          </a:ln>
         </p:spPr>
         <p:txBody>
-          <a:bodyPr vert="horz" lIns="91440" tIns="45720" rIns="91440" bIns="45720" rtlCol="0">
-            <a:normAutofit/>
+          <a:bodyPr vert="horz" wrap="square" lIns="91440" tIns="45720" rIns="91440" bIns="45720" numCol="1" anchor="t" anchorCtr="0" compatLnSpc="1">
+            <a:prstTxWarp prst="textNoShape">
+              <a:avLst/>
+            </a:prstTxWarp>
           </a:bodyPr>
           <a:lstStyle/>
           <a:p>
@@ -2658,7 +2984,6 @@
               <a:rPr lang="da-DK" smtClean="0"/>
               <a:t>Femte niveau</a:t>
             </a:r>
-            <a:endParaRPr lang="da-DK"/>
           </a:p>
         </p:txBody>
       </p:sp>
@@ -2684,20 +3009,32 @@
         <p:txBody>
           <a:bodyPr vert="horz" lIns="91440" tIns="45720" rIns="91440" bIns="45720" rtlCol="0" anchor="ctr"/>
           <a:lstStyle>
-            <a:lvl1pPr algn="l">
-              <a:defRPr sz="1200">
+            <a:lvl1pPr algn="l" fontAlgn="auto">
+              <a:spcBef>
+                <a:spcPts val="0"/>
+              </a:spcBef>
+              <a:spcAft>
+                <a:spcPts val="0"/>
+              </a:spcAft>
+              <a:defRPr sz="1200" smtClean="0">
                 <a:solidFill>
                   <a:schemeClr val="tx1">
                     <a:tint val="75000"/>
                   </a:schemeClr>
                 </a:solidFill>
+                <a:latin typeface="+mn-lt"/>
               </a:defRPr>
             </a:lvl1pPr>
           </a:lstStyle>
           <a:p>
-            <a:fld id="{416418D9-DF11-407D-B96D-4C5DFC0F3360}" type="datetimeFigureOut">
-              <a:rPr lang="da-DK" smtClean="0"/>
-              <a:pPr/>
+            <a:pPr>
+              <a:defRPr/>
+            </a:pPr>
+            <a:fld id="{39639B59-432E-43E7-8A8E-71A45C2709BA}" type="datetimeFigureOut">
+              <a:rPr lang="da-DK"/>
+              <a:pPr>
+                <a:defRPr/>
+              </a:pPr>
               <a:t>09-02-2011</a:t>
             </a:fld>
             <a:endParaRPr lang="da-DK"/>
@@ -2726,17 +3063,27 @@
         <p:txBody>
           <a:bodyPr vert="horz" lIns="91440" tIns="45720" rIns="91440" bIns="45720" rtlCol="0" anchor="ctr"/>
           <a:lstStyle>
-            <a:lvl1pPr algn="ctr">
+            <a:lvl1pPr algn="ctr" fontAlgn="auto">
+              <a:spcBef>
+                <a:spcPts val="0"/>
+              </a:spcBef>
+              <a:spcAft>
+                <a:spcPts val="0"/>
+              </a:spcAft>
               <a:defRPr sz="1200">
                 <a:solidFill>
                   <a:schemeClr val="tx1">
                     <a:tint val="75000"/>
                   </a:schemeClr>
                 </a:solidFill>
+                <a:latin typeface="+mn-lt"/>
               </a:defRPr>
             </a:lvl1pPr>
           </a:lstStyle>
           <a:p>
+            <a:pPr>
+              <a:defRPr/>
+            </a:pPr>
             <a:endParaRPr lang="da-DK"/>
           </a:p>
         </p:txBody>
@@ -2763,21 +3110,33 @@
         <p:txBody>
           <a:bodyPr vert="horz" lIns="91440" tIns="45720" rIns="91440" bIns="45720" rtlCol="0" anchor="ctr"/>
           <a:lstStyle>
-            <a:lvl1pPr algn="r">
-              <a:defRPr sz="1200">
+            <a:lvl1pPr algn="r" fontAlgn="auto">
+              <a:spcBef>
+                <a:spcPts val="0"/>
+              </a:spcBef>
+              <a:spcAft>
+                <a:spcPts val="0"/>
+              </a:spcAft>
+              <a:defRPr sz="1200" smtClean="0">
                 <a:solidFill>
                   <a:schemeClr val="tx1">
                     <a:tint val="75000"/>
                   </a:schemeClr>
                 </a:solidFill>
+                <a:latin typeface="+mn-lt"/>
               </a:defRPr>
             </a:lvl1pPr>
           </a:lstStyle>
           <a:p>
-            <a:fld id="{1CDC00FD-6FF3-4FC2-B7C7-3502E03955D2}" type="slidenum">
-              <a:rPr lang="da-DK" smtClean="0"/>
-              <a:pPr/>
-              <a:t>‹nr.›</a:t>
+            <a:pPr>
+              <a:defRPr/>
+            </a:pPr>
+            <a:fld id="{6C699B2C-6551-43EA-98AA-14E64BF33989}" type="slidenum">
+              <a:rPr lang="da-DK"/>
+              <a:pPr>
+                <a:defRPr/>
+              </a:pPr>
+              <a:t>‹#›</a:t>
             </a:fld>
             <a:endParaRPr lang="da-DK"/>
           </a:p>
@@ -2801,11 +3160,13 @@
   </p:sldLayoutIdLst>
   <p:txStyles>
     <p:titleStyle>
-      <a:lvl1pPr algn="ctr" defTabSz="914400" rtl="0" eaLnBrk="1" latinLnBrk="0" hangingPunct="1">
+      <a:lvl1pPr algn="ctr" rtl="0" fontAlgn="base">
         <a:spcBef>
           <a:spcPct val="0"/>
         </a:spcBef>
-        <a:buNone/>
+        <a:spcAft>
+          <a:spcPct val="0"/>
+        </a:spcAft>
         <a:defRPr sz="4400" kern="1200">
           <a:solidFill>
             <a:schemeClr val="tx1"/>
@@ -2815,13 +3176,128 @@
           <a:cs typeface="+mj-cs"/>
         </a:defRPr>
       </a:lvl1pPr>
+      <a:lvl2pPr algn="ctr" rtl="0" fontAlgn="base">
+        <a:spcBef>
+          <a:spcPct val="0"/>
+        </a:spcBef>
+        <a:spcAft>
+          <a:spcPct val="0"/>
+        </a:spcAft>
+        <a:defRPr sz="4400">
+          <a:solidFill>
+            <a:schemeClr val="tx1"/>
+          </a:solidFill>
+          <a:latin typeface="Calibri" pitchFamily="34" charset="0"/>
+        </a:defRPr>
+      </a:lvl2pPr>
+      <a:lvl3pPr algn="ctr" rtl="0" fontAlgn="base">
+        <a:spcBef>
+          <a:spcPct val="0"/>
+        </a:spcBef>
+        <a:spcAft>
+          <a:spcPct val="0"/>
+        </a:spcAft>
+        <a:defRPr sz="4400">
+          <a:solidFill>
+            <a:schemeClr val="tx1"/>
+          </a:solidFill>
+          <a:latin typeface="Calibri" pitchFamily="34" charset="0"/>
+        </a:defRPr>
+      </a:lvl3pPr>
+      <a:lvl4pPr algn="ctr" rtl="0" fontAlgn="base">
+        <a:spcBef>
+          <a:spcPct val="0"/>
+        </a:spcBef>
+        <a:spcAft>
+          <a:spcPct val="0"/>
+        </a:spcAft>
+        <a:defRPr sz="4400">
+          <a:solidFill>
+            <a:schemeClr val="tx1"/>
+          </a:solidFill>
+          <a:latin typeface="Calibri" pitchFamily="34" charset="0"/>
+        </a:defRPr>
+      </a:lvl4pPr>
+      <a:lvl5pPr algn="ctr" rtl="0" fontAlgn="base">
+        <a:spcBef>
+          <a:spcPct val="0"/>
+        </a:spcBef>
+        <a:spcAft>
+          <a:spcPct val="0"/>
+        </a:spcAft>
+        <a:defRPr sz="4400">
+          <a:solidFill>
+            <a:schemeClr val="tx1"/>
+          </a:solidFill>
+          <a:latin typeface="Calibri" pitchFamily="34" charset="0"/>
+        </a:defRPr>
+      </a:lvl5pPr>
+      <a:lvl6pPr marL="457200" algn="ctr" rtl="0" fontAlgn="base">
+        <a:spcBef>
+          <a:spcPct val="0"/>
+        </a:spcBef>
+        <a:spcAft>
+          <a:spcPct val="0"/>
+        </a:spcAft>
+        <a:defRPr sz="4400">
+          <a:solidFill>
+            <a:schemeClr val="tx1"/>
+          </a:solidFill>
+          <a:latin typeface="Calibri" pitchFamily="34" charset="0"/>
+        </a:defRPr>
+      </a:lvl6pPr>
+      <a:lvl7pPr marL="914400" algn="ctr" rtl="0" fontAlgn="base">
+        <a:spcBef>
+          <a:spcPct val="0"/>
+        </a:spcBef>
+        <a:spcAft>
+          <a:spcPct val="0"/>
+        </a:spcAft>
+        <a:defRPr sz="4400">
+          <a:solidFill>
+            <a:schemeClr val="tx1"/>
+          </a:solidFill>
+          <a:latin typeface="Calibri" pitchFamily="34" charset="0"/>
+        </a:defRPr>
+      </a:lvl7pPr>
+      <a:lvl8pPr marL="1371600" algn="ctr" rtl="0" fontAlgn="base">
+        <a:spcBef>
+          <a:spcPct val="0"/>
+        </a:spcBef>
+        <a:spcAft>
+          <a:spcPct val="0"/>
+        </a:spcAft>
+        <a:defRPr sz="4400">
+          <a:solidFill>
+            <a:schemeClr val="tx1"/>
+          </a:solidFill>
+          <a:latin typeface="Calibri" pitchFamily="34" charset="0"/>
+        </a:defRPr>
+      </a:lvl8pPr>
+      <a:lvl9pPr marL="1828800" algn="ctr" rtl="0" fontAlgn="base">
+        <a:spcBef>
+          <a:spcPct val="0"/>
+        </a:spcBef>
+        <a:spcAft>
+          <a:spcPct val="0"/>
+        </a:spcAft>
+        <a:defRPr sz="4400">
+          <a:solidFill>
+            <a:schemeClr val="tx1"/>
+          </a:solidFill>
+          <a:latin typeface="Calibri" pitchFamily="34" charset="0"/>
+        </a:defRPr>
+      </a:lvl9pPr>
     </p:titleStyle>
     <p:bodyStyle>
-      <a:lvl1pPr marL="342900" indent="-342900" algn="l" defTabSz="914400" rtl="0" eaLnBrk="1" latinLnBrk="0" hangingPunct="1">
+      <a:lvl1pPr marL="342900" indent="-342900" algn="l" rtl="0" fontAlgn="base">
         <a:spcBef>
           <a:spcPct val="20000"/>
         </a:spcBef>
-        <a:buFont typeface="Arial" pitchFamily="34" charset="0"/>
+        <a:spcAft>
+          <a:spcPct val="0"/>
+        </a:spcAft>
+        <a:buFont typeface="Arial" charset="0"/>
         <a:buChar char="•"/>
         <a:defRPr sz="3200" kern="1200">
           <a:solidFill>
@@ -2832,11 +3308,14 @@
           <a:cs typeface="+mn-cs"/>
         </a:defRPr>
       </a:lvl1pPr>
-      <a:lvl2pPr marL="742950" indent="-285750" algn="l" defTabSz="914400" rtl="0" eaLnBrk="1" latinLnBrk="0" hangingPunct="1">
+      <a:lvl2pPr marL="742950" indent="-285750" algn="l" rtl="0" fontAlgn="base">
         <a:spcBef>
           <a:spcPct val="20000"/>
         </a:spcBef>
-        <a:buFont typeface="Arial" pitchFamily="34" charset="0"/>
+        <a:spcAft>
+          <a:spcPct val="0"/>
+        </a:spcAft>
+        <a:buFont typeface="Arial" charset="0"/>
         <a:buChar char="–"/>
         <a:defRPr sz="2800" kern="1200">
           <a:solidFill>
@@ -2847,11 +3326,14 @@
           <a:cs typeface="+mn-cs"/>
         </a:defRPr>
       </a:lvl2pPr>
-      <a:lvl3pPr marL="1143000" indent="-228600" algn="l" defTabSz="914400" rtl="0" eaLnBrk="1" latinLnBrk="0" hangingPunct="1">
+      <a:lvl3pPr marL="1143000" indent="-228600" algn="l" rtl="0" fontAlgn="base">
         <a:spcBef>
           <a:spcPct val="20000"/>
         </a:spcBef>
-        <a:buFont typeface="Arial" pitchFamily="34" charset="0"/>
+        <a:spcAft>
+          <a:spcPct val="0"/>
+        </a:spcAft>
+        <a:buFont typeface="Arial" charset="0"/>
         <a:buChar char="•"/>
         <a:defRPr sz="2400" kern="1200">
           <a:solidFill>
@@ -2862,11 +3344,14 @@
           <a:cs typeface="+mn-cs"/>
         </a:defRPr>
       </a:lvl3pPr>
-      <a:lvl4pPr marL="1600200" indent="-228600" algn="l" defTabSz="914400" rtl="0" eaLnBrk="1" latinLnBrk="0" hangingPunct="1">
+      <a:lvl4pPr marL="1600200" indent="-228600" algn="l" rtl="0" fontAlgn="base">
         <a:spcBef>
           <a:spcPct val="20000"/>
         </a:spcBef>
-        <a:buFont typeface="Arial" pitchFamily="34" charset="0"/>
+        <a:spcAft>
+          <a:spcPct val="0"/>
+        </a:spcAft>
+        <a:buFont typeface="Arial" charset="0"/>
         <a:buChar char="–"/>
         <a:defRPr sz="2000" kern="1200">
           <a:solidFill>
@@ -2877,11 +3362,14 @@
           <a:cs typeface="+mn-cs"/>
         </a:defRPr>
       </a:lvl4pPr>
-      <a:lvl5pPr marL="2057400" indent="-228600" algn="l" defTabSz="914400" rtl="0" eaLnBrk="1" latinLnBrk="0" hangingPunct="1">
+      <a:lvl5pPr marL="2057400" indent="-228600" algn="l" rtl="0" fontAlgn="base">
         <a:spcBef>
           <a:spcPct val="20000"/>
         </a:spcBef>
-        <a:buFont typeface="Arial" pitchFamily="34" charset="0"/>
+        <a:spcAft>
+          <a:spcPct val="0"/>
+        </a:spcAft>
+        <a:buFont typeface="Arial" charset="0"/>
         <a:buChar char="»"/>
         <a:defRPr sz="2000" kern="1200">
           <a:solidFill>
@@ -3071,7 +3559,7 @@
       </p:grpSpPr>
       <p:sp>
         <p:nvSpPr>
-          <p:cNvPr id="2" name="Titel 1"/>
+          <p:cNvPr id="13313" name="Titel 1"/>
           <p:cNvSpPr>
             <a:spLocks noGrp="1"/>
           </p:cNvSpPr>
@@ -3085,26 +3573,9 @@
           <a:lstStyle/>
           <a:p>
             <a:r>
-              <a:rPr lang="da-DK" dirty="0" err="1" smtClean="0"/>
-              <a:t>Emergency</a:t>
-            </a:r>
-            <a:r>
-              <a:rPr lang="da-DK" dirty="0" smtClean="0"/>
-              <a:t> </a:t>
-            </a:r>
-            <a:r>
-              <a:rPr lang="da-DK" dirty="0" err="1" smtClean="0"/>
-              <a:t>call</a:t>
-            </a:r>
-            <a:r>
-              <a:rPr lang="da-DK" dirty="0" smtClean="0"/>
-              <a:t> </a:t>
-            </a:r>
-            <a:r>
-              <a:rPr lang="da-DK" dirty="0" err="1" smtClean="0"/>
-              <a:t>button</a:t>
-            </a:r>
-            <a:endParaRPr lang="da-DK" dirty="0"/>
+              <a:rPr lang="da-DK" smtClean="0"/>
+              <a:t>Emergency call button</a:t>
+            </a:r>
           </a:p>
         </p:txBody>
       </p:sp>
@@ -3120,9 +3591,19 @@
         </p:nvSpPr>
         <p:spPr/>
         <p:txBody>
-          <a:bodyPr/>
+          <a:bodyPr rtlCol="0">
+            <a:normAutofit/>
+          </a:bodyPr>
           <a:lstStyle/>
           <a:p>
+            <a:pPr fontAlgn="auto">
+              <a:spcAft>
+                <a:spcPts val="0"/>
+              </a:spcAft>
+              <a:buFont typeface="Arial" pitchFamily="34" charset="0"/>
+              <a:buNone/>
+              <a:defRPr/>
+            </a:pPr>
             <a:r>
               <a:rPr lang="da-DK" dirty="0" smtClean="0"/>
               <a:t>Stabilt og simpelt</a:t>
@@ -3157,7 +3638,7 @@
       </p:grpSpPr>
       <p:sp>
         <p:nvSpPr>
-          <p:cNvPr id="2" name="Titel 1"/>
+          <p:cNvPr id="22529" name="Titel 1"/>
           <p:cNvSpPr>
             <a:spLocks noGrp="1"/>
           </p:cNvSpPr>
@@ -3171,16 +3652,15 @@
           <a:lstStyle/>
           <a:p>
             <a:r>
-              <a:rPr lang="da-DK" dirty="0" err="1" smtClean="0"/>
+              <a:rPr lang="da-DK" smtClean="0"/>
               <a:t>Læringsmålet</a:t>
             </a:r>
-            <a:endParaRPr lang="da-DK" dirty="0"/>
-          </a:p>
-        </p:txBody>
-      </p:sp>
-      <p:sp>
-        <p:nvSpPr>
-          <p:cNvPr id="3" name="Pladsholder til indhold 2"/>
+          </a:p>
+        </p:txBody>
+      </p:sp>
+      <p:sp>
+        <p:nvSpPr>
+          <p:cNvPr id="22530" name="Pladsholder til indhold 2"/>
           <p:cNvSpPr>
             <a:spLocks noGrp="1"/>
           </p:cNvSpPr>
@@ -3194,10 +3674,12 @@
           <a:lstStyle/>
           <a:p>
             <a:r>
-              <a:rPr lang="da-DK" dirty="0" smtClean="0"/>
-              <a:t>???</a:t>
-            </a:r>
-            <a:endParaRPr lang="da-DK" dirty="0"/>
+              <a:rPr lang="da-DK" smtClean="0"/>
+              <a:t>Synthesis SysML/UML til SystemC simulation</a:t>
+            </a:r>
+          </a:p>
+          <a:p>
+            <a:endParaRPr lang="da-DK" smtClean="0"/>
           </a:p>
         </p:txBody>
       </p:sp>
@@ -3228,7 +3710,7 @@
       </p:grpSpPr>
       <p:sp>
         <p:nvSpPr>
-          <p:cNvPr id="2" name="Titel 1"/>
+          <p:cNvPr id="23553" name="Titel 1"/>
           <p:cNvSpPr>
             <a:spLocks noGrp="1"/>
           </p:cNvSpPr>
@@ -3242,16 +3724,15 @@
           <a:lstStyle/>
           <a:p>
             <a:r>
-              <a:rPr lang="da-DK" dirty="0" smtClean="0"/>
+              <a:rPr lang="da-DK" smtClean="0"/>
               <a:t>Status</a:t>
             </a:r>
-            <a:endParaRPr lang="da-DK" dirty="0"/>
-          </a:p>
-        </p:txBody>
-      </p:sp>
-      <p:sp>
-        <p:nvSpPr>
-          <p:cNvPr id="3" name="Pladsholder til indhold 2"/>
+          </a:p>
+        </p:txBody>
+      </p:sp>
+      <p:sp>
+        <p:nvSpPr>
+          <p:cNvPr id="23554" name="Pladsholder til indhold 2"/>
           <p:cNvSpPr>
             <a:spLocks noGrp="1"/>
           </p:cNvSpPr>
@@ -3265,34 +3746,18 @@
           <a:lstStyle/>
           <a:p>
             <a:r>
-              <a:rPr lang="da-DK" dirty="0" smtClean="0"/>
-              <a:t>Krav færdige (se </a:t>
-            </a:r>
-            <a:r>
-              <a:rPr lang="da-DK" dirty="0" err="1" smtClean="0"/>
-              <a:t>use-case</a:t>
-            </a:r>
-            <a:r>
-              <a:rPr lang="da-DK" dirty="0" smtClean="0"/>
-              <a:t> diagram på næste slide)</a:t>
-            </a:r>
-          </a:p>
-          <a:p>
-            <a:r>
-              <a:rPr lang="da-DK" dirty="0" smtClean="0"/>
-              <a:t>Arkitektur design undervejs (se diagrammer </a:t>
-            </a:r>
-            <a:r>
-              <a:rPr lang="da-DK" smtClean="0"/>
-              <a:t>på efterfølgende </a:t>
-            </a:r>
-            <a:r>
-              <a:rPr lang="da-DK" dirty="0" smtClean="0"/>
-              <a:t>slides)</a:t>
-            </a:r>
-          </a:p>
-          <a:p>
-            <a:endParaRPr lang="da-DK" dirty="0"/>
+              <a:rPr lang="da-DK" smtClean="0"/>
+              <a:t>Krav færdige (se use-case diagram på næste slide)</a:t>
+            </a:r>
+          </a:p>
+          <a:p>
+            <a:r>
+              <a:rPr lang="da-DK" smtClean="0"/>
+              <a:t>Arkitektur design undervejs (se diagrammer på efterfølgende slides)</a:t>
+            </a:r>
+          </a:p>
+          <a:p>
+            <a:endParaRPr lang="da-DK" smtClean="0"/>
           </a:p>
         </p:txBody>
       </p:sp>
@@ -3323,7 +3788,7 @@
       </p:grpSpPr>
       <p:sp>
         <p:nvSpPr>
-          <p:cNvPr id="2" name="Titel 1"/>
+          <p:cNvPr id="14337" name="Titel 1"/>
           <p:cNvSpPr>
             <a:spLocks noGrp="1"/>
           </p:cNvSpPr>
@@ -3337,23 +3802,22 @@
           <a:lstStyle/>
           <a:p>
             <a:r>
-              <a:rPr lang="da-DK" dirty="0" smtClean="0"/>
+              <a:rPr lang="da-DK" smtClean="0"/>
               <a:t>I dag</a:t>
             </a:r>
-            <a:endParaRPr lang="da-DK" dirty="0"/>
           </a:p>
         </p:txBody>
       </p:sp>
       <p:pic>
         <p:nvPicPr>
-          <p:cNvPr id="1027" name="Picture 3"/>
+          <p:cNvPr id="14338" name="Picture 3"/>
           <p:cNvPicPr>
             <a:picLocks noChangeAspect="1" noChangeArrowheads="1"/>
           </p:cNvPicPr>
           <p:nvPr/>
         </p:nvPicPr>
         <p:blipFill>
-          <a:blip r:embed="rId2" cstate="print"/>
+          <a:blip r:embed="rId2"/>
           <a:srcRect/>
           <a:stretch>
             <a:fillRect/>
@@ -3361,8 +3825,8 @@
         </p:blipFill>
         <p:spPr bwMode="auto">
           <a:xfrm>
-            <a:off x="885825" y="1344885"/>
-            <a:ext cx="7372350" cy="4892427"/>
+            <a:off x="885825" y="1344613"/>
+            <a:ext cx="7372350" cy="4892675"/>
           </a:xfrm>
           <a:prstGeom prst="rect">
             <a:avLst/>
@@ -3403,7 +3867,7 @@
       </p:grpSpPr>
       <p:sp>
         <p:nvSpPr>
-          <p:cNvPr id="2" name="Titel 1"/>
+          <p:cNvPr id="15361" name="Titel 1"/>
           <p:cNvSpPr>
             <a:spLocks noGrp="1"/>
           </p:cNvSpPr>
@@ -3417,16 +3881,15 @@
           <a:lstStyle/>
           <a:p>
             <a:r>
-              <a:rPr lang="da-DK" dirty="0" smtClean="0"/>
+              <a:rPr lang="da-DK" smtClean="0"/>
               <a:t>Problemer?</a:t>
             </a:r>
-            <a:endParaRPr lang="da-DK" dirty="0"/>
-          </a:p>
-        </p:txBody>
-      </p:sp>
-      <p:sp>
-        <p:nvSpPr>
-          <p:cNvPr id="3" name="Pladsholder til indhold 2"/>
+          </a:p>
+        </p:txBody>
+      </p:sp>
+      <p:sp>
+        <p:nvSpPr>
+          <p:cNvPr id="15362" name="Pladsholder til indhold 2"/>
           <p:cNvSpPr>
             <a:spLocks noGrp="1"/>
           </p:cNvSpPr>
@@ -3440,21 +3903,22 @@
           <a:lstStyle/>
           <a:p>
             <a:r>
-              <a:rPr lang="da-DK" dirty="0" smtClean="0"/>
+              <a:rPr lang="da-DK" smtClean="0"/>
               <a:t>Højtaler/mikrofon er ikke i samme rum som personen der har brug for hjælp</a:t>
             </a:r>
           </a:p>
           <a:p>
             <a:r>
-              <a:rPr lang="da-DK" dirty="0" smtClean="0"/>
+              <a:rPr lang="da-DK" smtClean="0"/>
               <a:t>Systemet kræver en fastnet forbindelse (dyr)</a:t>
             </a:r>
           </a:p>
           <a:p>
             <a:pPr>
-              <a:buNone/>
-            </a:pPr>
-            <a:endParaRPr lang="da-DK" dirty="0"/>
+              <a:buFont typeface="Arial" charset="0"/>
+              <a:buNone/>
+            </a:pPr>
+            <a:endParaRPr lang="da-DK" smtClean="0"/>
           </a:p>
         </p:txBody>
       </p:sp>
@@ -3485,7 +3949,7 @@
       </p:grpSpPr>
       <p:sp>
         <p:nvSpPr>
-          <p:cNvPr id="2" name="Titel 1"/>
+          <p:cNvPr id="16385" name="Titel 1"/>
           <p:cNvSpPr>
             <a:spLocks noGrp="1"/>
           </p:cNvSpPr>
@@ -3499,16 +3963,15 @@
           <a:lstStyle/>
           <a:p>
             <a:r>
-              <a:rPr lang="da-DK" dirty="0" smtClean="0"/>
+              <a:rPr lang="da-DK" smtClean="0"/>
               <a:t>Løsning</a:t>
             </a:r>
-            <a:endParaRPr lang="da-DK" dirty="0"/>
-          </a:p>
-        </p:txBody>
-      </p:sp>
-      <p:sp>
-        <p:nvSpPr>
-          <p:cNvPr id="3" name="Pladsholder til indhold 2"/>
+          </a:p>
+        </p:txBody>
+      </p:sp>
+      <p:sp>
+        <p:nvSpPr>
+          <p:cNvPr id="16386" name="Pladsholder til indhold 2"/>
           <p:cNvSpPr>
             <a:spLocks noGrp="1"/>
           </p:cNvSpPr>
@@ -3522,24 +3985,15 @@
           <a:lstStyle/>
           <a:p>
             <a:r>
-              <a:rPr lang="da-DK" dirty="0" smtClean="0"/>
+              <a:rPr lang="da-DK" smtClean="0"/>
               <a:t>Flyt højtaler og mikrofon til ”knappen”.</a:t>
             </a:r>
           </a:p>
           <a:p>
             <a:r>
-              <a:rPr lang="da-DK" dirty="0" smtClean="0"/>
-              <a:t>Anvend en alternativ (eksisterende) </a:t>
-            </a:r>
-            <a:r>
-              <a:rPr lang="da-DK" dirty="0" err="1" smtClean="0"/>
-              <a:t>kommunikationslinie</a:t>
-            </a:r>
-            <a:r>
-              <a:rPr lang="da-DK" dirty="0" smtClean="0"/>
-              <a:t>.</a:t>
-            </a:r>
-            <a:endParaRPr lang="da-DK" dirty="0"/>
+              <a:rPr lang="da-DK" smtClean="0"/>
+              <a:t>Anvend en alternativ (eksisterende) kommunikationslinie.</a:t>
+            </a:r>
           </a:p>
         </p:txBody>
       </p:sp>
@@ -3570,7 +4024,7 @@
       </p:grpSpPr>
       <p:sp>
         <p:nvSpPr>
-          <p:cNvPr id="2" name="Titel 1"/>
+          <p:cNvPr id="17409" name="Titel 1"/>
           <p:cNvSpPr>
             <a:spLocks noGrp="1"/>
           </p:cNvSpPr>
@@ -3584,48 +4038,31 @@
           <a:lstStyle/>
           <a:p>
             <a:r>
-              <a:rPr lang="da-DK" dirty="0" err="1" smtClean="0"/>
-              <a:t>Emergency</a:t>
-            </a:r>
-            <a:r>
-              <a:rPr lang="da-DK" dirty="0" smtClean="0"/>
-              <a:t> </a:t>
-            </a:r>
-            <a:r>
-              <a:rPr lang="da-DK" dirty="0" err="1" smtClean="0"/>
-              <a:t>call</a:t>
-            </a:r>
-            <a:r>
-              <a:rPr lang="da-DK" dirty="0" smtClean="0"/>
-              <a:t> </a:t>
-            </a:r>
-            <a:r>
-              <a:rPr lang="da-DK" dirty="0" err="1" smtClean="0"/>
-              <a:t>button</a:t>
-            </a:r>
-            <a:endParaRPr lang="da-DK" dirty="0"/>
+              <a:rPr lang="da-DK" smtClean="0"/>
+              <a:t>Emergency call button</a:t>
+            </a:r>
           </a:p>
         </p:txBody>
       </p:sp>
       <p:pic>
         <p:nvPicPr>
-          <p:cNvPr id="2052" name="Picture 4"/>
+          <p:cNvPr id="17410" name="Picture 4"/>
           <p:cNvPicPr>
             <a:picLocks noChangeAspect="1" noChangeArrowheads="1"/>
           </p:cNvPicPr>
           <p:nvPr/>
         </p:nvPicPr>
         <p:blipFill>
-          <a:blip r:embed="rId2" cstate="print"/>
-          <a:srcRect t="20414"/>
+          <a:blip r:embed="rId2"/>
+          <a:srcRect t="20415"/>
           <a:stretch>
             <a:fillRect/>
           </a:stretch>
         </p:blipFill>
         <p:spPr bwMode="auto">
           <a:xfrm>
-            <a:off x="1547664" y="1484784"/>
-            <a:ext cx="6096000" cy="4912202"/>
+            <a:off x="1547813" y="1484313"/>
+            <a:ext cx="6096000" cy="4913312"/>
           </a:xfrm>
           <a:prstGeom prst="rect">
             <a:avLst/>
@@ -3666,7 +4103,7 @@
       </p:grpSpPr>
       <p:sp>
         <p:nvSpPr>
-          <p:cNvPr id="2" name="Titel 1"/>
+          <p:cNvPr id="18433" name="Titel 1"/>
           <p:cNvSpPr>
             <a:spLocks noGrp="1"/>
           </p:cNvSpPr>
@@ -3680,10 +4117,9 @@
           <a:lstStyle/>
           <a:p>
             <a:r>
-              <a:rPr lang="da-DK" dirty="0" err="1" smtClean="0"/>
+              <a:rPr lang="da-DK" smtClean="0"/>
               <a:t>Challenges</a:t>
             </a:r>
-            <a:endParaRPr lang="da-DK" dirty="0"/>
           </a:p>
         </p:txBody>
       </p:sp>
@@ -3699,11 +4135,19 @@
         </p:nvSpPr>
         <p:spPr/>
         <p:txBody>
-          <a:bodyPr>
+          <a:bodyPr rtlCol="0">
             <a:normAutofit lnSpcReduction="10000"/>
           </a:bodyPr>
           <a:lstStyle/>
           <a:p>
+            <a:pPr fontAlgn="auto">
+              <a:spcAft>
+                <a:spcPts val="0"/>
+              </a:spcAft>
+              <a:buFont typeface="Arial" pitchFamily="34" charset="0"/>
+              <a:buChar char="•"/>
+              <a:defRPr/>
+            </a:pPr>
             <a:r>
               <a:rPr lang="da-DK" dirty="0" smtClean="0"/>
               <a:t>Batteriet skal kunne håndtere </a:t>
@@ -3723,25 +4167,56 @@
             <a:endParaRPr lang="da-DK" dirty="0" smtClean="0"/>
           </a:p>
           <a:p>
-            <a:pPr lvl="1"/>
+            <a:pPr lvl="1" fontAlgn="auto">
+              <a:spcAft>
+                <a:spcPts val="0"/>
+              </a:spcAft>
+              <a:buFont typeface="Arial" pitchFamily="34" charset="0"/>
+              <a:buChar char="–"/>
+              <a:defRPr/>
+            </a:pPr>
             <a:r>
               <a:rPr lang="da-DK" dirty="0" smtClean="0"/>
               <a:t>Den gammeldags type holder mindst 5 år på 1 batteri</a:t>
             </a:r>
           </a:p>
           <a:p>
+            <a:pPr fontAlgn="auto">
+              <a:spcAft>
+                <a:spcPts val="0"/>
+              </a:spcAft>
+              <a:buFont typeface="Arial" pitchFamily="34" charset="0"/>
+              <a:buChar char="•"/>
+              <a:defRPr/>
+            </a:pPr>
             <a:r>
               <a:rPr lang="da-DK" dirty="0" smtClean="0"/>
               <a:t>Ældre og specielt demente kan have svært ved at huske at genoplade batterierne.</a:t>
             </a:r>
           </a:p>
           <a:p>
+            <a:pPr fontAlgn="auto">
+              <a:spcAft>
+                <a:spcPts val="0"/>
+              </a:spcAft>
+              <a:buFont typeface="Arial" pitchFamily="34" charset="0"/>
+              <a:buChar char="•"/>
+              <a:defRPr/>
+            </a:pPr>
             <a:r>
               <a:rPr lang="da-DK" dirty="0" smtClean="0"/>
               <a:t>Det skal være meget enkelt at oplade ”knappen”</a:t>
             </a:r>
           </a:p>
           <a:p>
+            <a:pPr fontAlgn="auto">
+              <a:spcAft>
+                <a:spcPts val="0"/>
+              </a:spcAft>
+              <a:buFont typeface="Arial" pitchFamily="34" charset="0"/>
+              <a:buChar char="•"/>
+              <a:defRPr/>
+            </a:pPr>
             <a:r>
               <a:rPr lang="da-DK" dirty="0" smtClean="0"/>
               <a:t>Højtalerne skal være stærke nok til at lyden kan høres af de ældre.</a:t>
@@ -3776,7 +4251,7 @@
       </p:grpSpPr>
       <p:sp>
         <p:nvSpPr>
-          <p:cNvPr id="2" name="Titel 1"/>
+          <p:cNvPr id="19457" name="Titel 1"/>
           <p:cNvSpPr>
             <a:spLocks noGrp="1"/>
           </p:cNvSpPr>
@@ -3790,16 +4265,15 @@
           <a:lstStyle/>
           <a:p>
             <a:r>
-              <a:rPr lang="da-DK" dirty="0" smtClean="0"/>
+              <a:rPr lang="da-DK" smtClean="0"/>
               <a:t>Projektets mål</a:t>
             </a:r>
-            <a:endParaRPr lang="da-DK" dirty="0"/>
-          </a:p>
-        </p:txBody>
-      </p:sp>
-      <p:sp>
-        <p:nvSpPr>
-          <p:cNvPr id="3" name="Pladsholder til indhold 2"/>
+          </a:p>
+        </p:txBody>
+      </p:sp>
+      <p:sp>
+        <p:nvSpPr>
+          <p:cNvPr id="19458" name="Pladsholder til indhold 2"/>
           <p:cNvSpPr>
             <a:spLocks noGrp="1"/>
           </p:cNvSpPr>
@@ -3813,61 +4287,24 @@
           <a:lstStyle/>
           <a:p>
             <a:r>
-              <a:rPr lang="da-DK" dirty="0" err="1" smtClean="0"/>
+              <a:rPr lang="da-DK" smtClean="0"/>
               <a:t>Proof-of-concept</a:t>
             </a:r>
-            <a:endParaRPr lang="da-DK" dirty="0" smtClean="0"/>
-          </a:p>
-          <a:p>
-            <a:r>
-              <a:rPr lang="da-DK" dirty="0" smtClean="0"/>
-              <a:t>Arkitektur design (</a:t>
-            </a:r>
-            <a:r>
-              <a:rPr lang="da-DK" dirty="0" err="1" smtClean="0"/>
-              <a:t>reccomended</a:t>
-            </a:r>
-            <a:r>
-              <a:rPr lang="da-DK" dirty="0" smtClean="0"/>
-              <a:t> </a:t>
-            </a:r>
-            <a:r>
-              <a:rPr lang="da-DK" dirty="0" err="1" smtClean="0"/>
-              <a:t>mapping</a:t>
-            </a:r>
-            <a:r>
-              <a:rPr lang="da-DK" dirty="0" smtClean="0"/>
-              <a:t>)</a:t>
-            </a:r>
-          </a:p>
-          <a:p>
-            <a:r>
-              <a:rPr lang="da-DK" dirty="0" err="1" smtClean="0"/>
-              <a:t>Battery</a:t>
-            </a:r>
-            <a:r>
-              <a:rPr lang="da-DK" dirty="0" smtClean="0"/>
-              <a:t> </a:t>
-            </a:r>
-            <a:r>
-              <a:rPr lang="da-DK" dirty="0" err="1" smtClean="0"/>
-              <a:t>life</a:t>
-            </a:r>
-            <a:r>
-              <a:rPr lang="da-DK" dirty="0" smtClean="0"/>
-              <a:t> </a:t>
-            </a:r>
-            <a:r>
-              <a:rPr lang="da-DK" dirty="0" err="1" smtClean="0"/>
-              <a:t>evaluation</a:t>
-            </a:r>
-            <a:r>
-              <a:rPr lang="da-DK" dirty="0" smtClean="0"/>
-              <a:t>.</a:t>
-            </a:r>
-          </a:p>
-          <a:p>
-            <a:endParaRPr lang="da-DK" dirty="0"/>
+          </a:p>
+          <a:p>
+            <a:r>
+              <a:rPr lang="da-DK" smtClean="0"/>
+              <a:t>Arkitektur design (reccomended mapping)</a:t>
+            </a:r>
+          </a:p>
+          <a:p>
+            <a:r>
+              <a:rPr lang="da-DK" smtClean="0"/>
+              <a:t>Battery life evaluation.</a:t>
+            </a:r>
+          </a:p>
+          <a:p>
+            <a:endParaRPr lang="da-DK" smtClean="0"/>
           </a:p>
         </p:txBody>
       </p:sp>
@@ -3898,7 +4335,7 @@
       </p:grpSpPr>
       <p:sp>
         <p:nvSpPr>
-          <p:cNvPr id="2" name="Titel 1"/>
+          <p:cNvPr id="20481" name="Titel 1"/>
           <p:cNvSpPr>
             <a:spLocks noGrp="1"/>
           </p:cNvSpPr>
@@ -3912,16 +4349,15 @@
           <a:lstStyle/>
           <a:p>
             <a:r>
-              <a:rPr lang="da-DK" dirty="0" smtClean="0"/>
+              <a:rPr lang="da-DK" smtClean="0"/>
               <a:t>Hvordan når vi vores mål?</a:t>
             </a:r>
-            <a:endParaRPr lang="da-DK" dirty="0"/>
-          </a:p>
-        </p:txBody>
-      </p:sp>
-      <p:sp>
-        <p:nvSpPr>
-          <p:cNvPr id="3" name="Pladsholder til indhold 2"/>
+          </a:p>
+        </p:txBody>
+      </p:sp>
+      <p:sp>
+        <p:nvSpPr>
+          <p:cNvPr id="20482" name="Pladsholder til indhold 2"/>
           <p:cNvSpPr>
             <a:spLocks noGrp="1"/>
           </p:cNvSpPr>
@@ -3931,125 +4367,74 @@
         </p:nvSpPr>
         <p:spPr/>
         <p:txBody>
-          <a:bodyPr>
-            <a:normAutofit/>
-          </a:bodyPr>
+          <a:bodyPr/>
           <a:lstStyle/>
           <a:p>
             <a:pPr marL="514350" indent="-514350">
-              <a:buFont typeface="+mj-lt"/>
+              <a:buFont typeface="Calibri" pitchFamily="34" charset="0"/>
               <a:buAutoNum type="arabicPeriod"/>
             </a:pPr>
             <a:r>
-              <a:rPr lang="da-DK" dirty="0" smtClean="0"/>
+              <a:rPr lang="da-DK" smtClean="0"/>
               <a:t>Projektoplæg.</a:t>
             </a:r>
           </a:p>
           <a:p>
             <a:pPr marL="514350" indent="-514350">
-              <a:buFont typeface="+mj-lt"/>
+              <a:buFont typeface="Calibri" pitchFamily="34" charset="0"/>
               <a:buAutoNum type="arabicPeriod"/>
             </a:pPr>
             <a:r>
-              <a:rPr lang="da-DK" dirty="0" err="1" smtClean="0"/>
-              <a:t>Use</a:t>
-            </a:r>
-            <a:r>
-              <a:rPr lang="da-DK" dirty="0" smtClean="0"/>
-              <a:t> case krav og </a:t>
-            </a:r>
-            <a:r>
-              <a:rPr lang="da-DK" dirty="0" err="1" smtClean="0"/>
-              <a:t>non-funktionel</a:t>
-            </a:r>
-            <a:r>
-              <a:rPr lang="da-DK" dirty="0" smtClean="0"/>
-              <a:t> tabel.</a:t>
+              <a:rPr lang="da-DK" smtClean="0"/>
+              <a:t>Use case krav og non-funktionel tabel.</a:t>
             </a:r>
           </a:p>
           <a:p>
             <a:pPr marL="514350" indent="-514350">
-              <a:buFont typeface="+mj-lt"/>
+              <a:buFont typeface="Calibri" pitchFamily="34" charset="0"/>
               <a:buAutoNum type="arabicPeriod"/>
             </a:pPr>
             <a:r>
-              <a:rPr lang="da-DK" dirty="0" err="1" smtClean="0"/>
-              <a:t>SysML</a:t>
-            </a:r>
-            <a:r>
-              <a:rPr lang="da-DK" dirty="0" smtClean="0"/>
-              <a:t> til arkitektur design.</a:t>
+              <a:rPr lang="da-DK" smtClean="0"/>
+              <a:t>SysML til arkitektur design.</a:t>
             </a:r>
           </a:p>
           <a:p>
             <a:pPr marL="514350" indent="-514350">
-              <a:buFont typeface="+mj-lt"/>
+              <a:buFont typeface="Calibri" pitchFamily="34" charset="0"/>
               <a:buAutoNum type="arabicPeriod"/>
             </a:pPr>
             <a:r>
-              <a:rPr lang="da-DK" dirty="0" smtClean="0"/>
-              <a:t>Alternative </a:t>
-            </a:r>
-            <a:r>
-              <a:rPr lang="da-DK" dirty="0" err="1" smtClean="0"/>
-              <a:t>mapninger</a:t>
-            </a:r>
-            <a:r>
-              <a:rPr lang="da-DK" dirty="0" smtClean="0"/>
-              <a:t> af </a:t>
-            </a:r>
-            <a:r>
-              <a:rPr lang="da-DK" dirty="0" err="1" smtClean="0"/>
-              <a:t>arkitekture</a:t>
-            </a:r>
-            <a:r>
-              <a:rPr lang="da-DK" dirty="0" smtClean="0"/>
-              <a:t> (</a:t>
-            </a:r>
-            <a:r>
-              <a:rPr lang="da-DK" dirty="0" err="1" smtClean="0"/>
-              <a:t>Pereto</a:t>
-            </a:r>
-            <a:r>
-              <a:rPr lang="da-DK" dirty="0" smtClean="0"/>
-              <a:t> points and ???)</a:t>
+              <a:rPr lang="da-DK" smtClean="0"/>
+              <a:t>Alternative mapninger af arkitekture (Pereto points and ???)</a:t>
             </a:r>
           </a:p>
           <a:p>
             <a:pPr marL="514350" indent="-514350">
-              <a:buFont typeface="+mj-lt"/>
+              <a:buFont typeface="Calibri" pitchFamily="34" charset="0"/>
               <a:buAutoNum type="arabicPeriod"/>
             </a:pPr>
             <a:r>
-              <a:rPr lang="da-DK" dirty="0" err="1" smtClean="0"/>
-              <a:t>SystemC</a:t>
-            </a:r>
-            <a:r>
-              <a:rPr lang="da-DK" dirty="0" smtClean="0"/>
-              <a:t> til simulering og evaluering af alternative </a:t>
-            </a:r>
-            <a:r>
-              <a:rPr lang="da-DK" dirty="0" smtClean="0"/>
-              <a:t>arkitekturer.</a:t>
-            </a:r>
-            <a:endParaRPr lang="da-DK" dirty="0" smtClean="0"/>
+              <a:rPr lang="da-DK" smtClean="0"/>
+              <a:t>SystemC til simulering og evaluering af alternative arkitekturer.</a:t>
+            </a:r>
           </a:p>
           <a:p>
             <a:pPr marL="514350" indent="-514350">
-              <a:buFont typeface="+mj-lt"/>
+              <a:buFont typeface="Calibri" pitchFamily="34" charset="0"/>
               <a:buAutoNum type="arabicPeriod"/>
             </a:pPr>
             <a:r>
-              <a:rPr lang="da-DK" dirty="0" smtClean="0"/>
+              <a:rPr lang="da-DK" smtClean="0"/>
               <a:t>Konklusion</a:t>
             </a:r>
           </a:p>
           <a:p>
             <a:pPr marL="514350" indent="-514350">
-              <a:buFont typeface="+mj-lt"/>
+              <a:buFont typeface="Calibri" pitchFamily="34" charset="0"/>
               <a:buAutoNum type="arabicPeriod"/>
             </a:pPr>
-            <a:endParaRPr lang="da-DK" dirty="0"/>
+            <a:endParaRPr lang="da-DK" smtClean="0"/>
           </a:p>
         </p:txBody>
       </p:sp>
@@ -4080,7 +4465,7 @@
       </p:grpSpPr>
       <p:sp>
         <p:nvSpPr>
-          <p:cNvPr id="2" name="Titel 1"/>
+          <p:cNvPr id="21505" name="Titel 1"/>
           <p:cNvSpPr>
             <a:spLocks noGrp="1"/>
           </p:cNvSpPr>
@@ -4094,16 +4479,15 @@
           <a:lstStyle/>
           <a:p>
             <a:r>
-              <a:rPr lang="da-DK" dirty="0" smtClean="0"/>
+              <a:rPr lang="da-DK" smtClean="0"/>
               <a:t>Aflevering</a:t>
             </a:r>
-            <a:endParaRPr lang="da-DK" dirty="0"/>
-          </a:p>
-        </p:txBody>
-      </p:sp>
-      <p:sp>
-        <p:nvSpPr>
-          <p:cNvPr id="3" name="Pladsholder til indhold 2"/>
+          </a:p>
+        </p:txBody>
+      </p:sp>
+      <p:sp>
+        <p:nvSpPr>
+          <p:cNvPr id="21506" name="Pladsholder til indhold 2"/>
           <p:cNvSpPr>
             <a:spLocks noGrp="1"/>
           </p:cNvSpPr>
@@ -4117,71 +4501,33 @@
           <a:lstStyle/>
           <a:p>
             <a:r>
-              <a:rPr lang="da-DK" dirty="0" smtClean="0"/>
-              <a:t>Arkitektur design som </a:t>
-            </a:r>
-            <a:r>
-              <a:rPr lang="da-DK" dirty="0" err="1" smtClean="0"/>
-              <a:t>SysML</a:t>
-            </a:r>
-            <a:r>
-              <a:rPr lang="da-DK" dirty="0" smtClean="0"/>
-              <a:t> diagrammer.</a:t>
-            </a:r>
-          </a:p>
-          <a:p>
-            <a:r>
-              <a:rPr lang="da-DK" dirty="0" smtClean="0"/>
-              <a:t>Evaluering af arkitektur </a:t>
-            </a:r>
-            <a:r>
-              <a:rPr lang="da-DK" dirty="0" err="1" smtClean="0"/>
-              <a:t>mapninger</a:t>
-            </a:r>
-            <a:r>
-              <a:rPr lang="da-DK" dirty="0" smtClean="0"/>
-              <a:t> med </a:t>
-            </a:r>
-            <a:r>
-              <a:rPr lang="da-DK" dirty="0" err="1" smtClean="0"/>
-              <a:t>SystemC</a:t>
-            </a:r>
-            <a:endParaRPr lang="da-DK" dirty="0" smtClean="0"/>
-          </a:p>
-          <a:p>
-            <a:r>
-              <a:rPr lang="da-DK" dirty="0" smtClean="0"/>
-              <a:t>Anbefalet </a:t>
-            </a:r>
-            <a:r>
-              <a:rPr lang="da-DK" dirty="0" err="1" smtClean="0"/>
-              <a:t>mapning</a:t>
-            </a:r>
-            <a:r>
-              <a:rPr lang="da-DK" dirty="0" smtClean="0"/>
-              <a:t> med rationale</a:t>
-            </a:r>
-          </a:p>
-          <a:p>
-            <a:r>
-              <a:rPr lang="da-DK" dirty="0" smtClean="0"/>
-              <a:t>Evaluering af </a:t>
-            </a:r>
-            <a:r>
-              <a:rPr lang="da-DK" dirty="0" err="1" smtClean="0"/>
-              <a:t>process</a:t>
-            </a:r>
-            <a:r>
-              <a:rPr lang="da-DK" dirty="0" smtClean="0"/>
-              <a:t> og metoder</a:t>
-            </a:r>
-          </a:p>
-          <a:p>
-            <a:r>
-              <a:rPr lang="da-DK" dirty="0" smtClean="0"/>
+              <a:rPr lang="da-DK" smtClean="0"/>
+              <a:t>Arkitektur design som SysML diagrammer.</a:t>
+            </a:r>
+          </a:p>
+          <a:p>
+            <a:r>
+              <a:rPr lang="da-DK" smtClean="0"/>
+              <a:t>Evaluering af arkitektur mapninger med SystemC</a:t>
+            </a:r>
+          </a:p>
+          <a:p>
+            <a:r>
+              <a:rPr lang="da-DK" smtClean="0"/>
+              <a:t>Anbefalet mapning med rationale</a:t>
+            </a:r>
+          </a:p>
+          <a:p>
+            <a:r>
+              <a:rPr lang="da-DK" smtClean="0"/>
+              <a:t>Evaluering af process og metoder</a:t>
+            </a:r>
+          </a:p>
+          <a:p>
+            <a:r>
+              <a:rPr lang="da-DK" smtClean="0"/>
               <a:t>Konklusion</a:t>
             </a:r>
-            <a:endParaRPr lang="da-DK" dirty="0"/>
           </a:p>
         </p:txBody>
       </p:sp>

--- a/syseng_hwco/proj/Artifact/Presentations/Presentation_11_02_11.pptx
+++ b/syseng_hwco/proj/Artifact/Presentations/Presentation_11_02_11.pptx
@@ -397,7 +397,7 @@
               <a:pPr>
                 <a:defRPr/>
               </a:pPr>
-              <a:t>‹#›</a:t>
+              <a:t>‹nr.›</a:t>
             </a:fld>
             <a:endParaRPr lang="da-DK"/>
           </a:p>
@@ -589,7 +589,7 @@
               <a:pPr>
                 <a:defRPr/>
               </a:pPr>
-              <a:t>‹#›</a:t>
+              <a:t>‹nr.›</a:t>
             </a:fld>
             <a:endParaRPr lang="da-DK"/>
           </a:p>
@@ -791,7 +791,7 @@
               <a:pPr>
                 <a:defRPr/>
               </a:pPr>
-              <a:t>‹#›</a:t>
+              <a:t>‹nr.›</a:t>
             </a:fld>
             <a:endParaRPr lang="da-DK"/>
           </a:p>
@@ -983,7 +983,7 @@
               <a:pPr>
                 <a:defRPr/>
               </a:pPr>
-              <a:t>‹#›</a:t>
+              <a:t>‹nr.›</a:t>
             </a:fld>
             <a:endParaRPr lang="da-DK"/>
           </a:p>
@@ -1251,7 +1251,7 @@
               <a:pPr>
                 <a:defRPr/>
               </a:pPr>
-              <a:t>‹#›</a:t>
+              <a:t>‹nr.›</a:t>
             </a:fld>
             <a:endParaRPr lang="da-DK"/>
           </a:p>
@@ -1561,7 +1561,7 @@
               <a:pPr>
                 <a:defRPr/>
               </a:pPr>
-              <a:t>‹#›</a:t>
+              <a:t>‹nr.›</a:t>
             </a:fld>
             <a:endParaRPr lang="da-DK"/>
           </a:p>
@@ -2005,7 +2005,7 @@
               <a:pPr>
                 <a:defRPr/>
               </a:pPr>
-              <a:t>‹#›</a:t>
+              <a:t>‹nr.›</a:t>
             </a:fld>
             <a:endParaRPr lang="da-DK"/>
           </a:p>
@@ -2145,7 +2145,7 @@
               <a:pPr>
                 <a:defRPr/>
               </a:pPr>
-              <a:t>‹#›</a:t>
+              <a:t>‹nr.›</a:t>
             </a:fld>
             <a:endParaRPr lang="da-DK"/>
           </a:p>
@@ -2262,7 +2262,7 @@
               <a:pPr>
                 <a:defRPr/>
               </a:pPr>
-              <a:t>‹#›</a:t>
+              <a:t>‹nr.›</a:t>
             </a:fld>
             <a:endParaRPr lang="da-DK"/>
           </a:p>
@@ -2561,7 +2561,7 @@
               <a:pPr>
                 <a:defRPr/>
               </a:pPr>
-              <a:t>‹#›</a:t>
+              <a:t>‹nr.›</a:t>
             </a:fld>
             <a:endParaRPr lang="da-DK"/>
           </a:p>
@@ -2839,7 +2839,7 @@
               <a:pPr>
                 <a:defRPr/>
               </a:pPr>
-              <a:t>‹#›</a:t>
+              <a:t>‹nr.›</a:t>
             </a:fld>
             <a:endParaRPr lang="da-DK"/>
           </a:p>
@@ -3136,7 +3136,7 @@
               <a:pPr>
                 <a:defRPr/>
               </a:pPr>
-              <a:t>‹#›</a:t>
+              <a:t>‹nr.›</a:t>
             </a:fld>
             <a:endParaRPr lang="da-DK"/>
           </a:p>
@@ -3674,12 +3674,92 @@
           <a:lstStyle/>
           <a:p>
             <a:r>
-              <a:rPr lang="da-DK" smtClean="0"/>
-              <a:t>Synthesis SysML/UML til SystemC simulation</a:t>
-            </a:r>
-          </a:p>
-          <a:p>
-            <a:endParaRPr lang="da-DK" smtClean="0"/>
+              <a:rPr lang="da-DK" dirty="0" smtClean="0"/>
+              <a:t>Forundersøgelse (SRS, </a:t>
+            </a:r>
+            <a:r>
+              <a:rPr lang="da-DK" i="1" dirty="0" smtClean="0"/>
+              <a:t>DDD</a:t>
+            </a:r>
+            <a:r>
+              <a:rPr lang="da-DK" dirty="0" smtClean="0"/>
+              <a:t>)</a:t>
+            </a:r>
+          </a:p>
+          <a:p>
+            <a:r>
+              <a:rPr lang="da-DK" dirty="0" err="1" smtClean="0"/>
+              <a:t>Risk</a:t>
+            </a:r>
+            <a:r>
+              <a:rPr lang="da-DK" dirty="0" smtClean="0"/>
+              <a:t> </a:t>
+            </a:r>
+            <a:r>
+              <a:rPr lang="da-DK" dirty="0" err="1" smtClean="0"/>
+              <a:t>level</a:t>
+            </a:r>
+            <a:r>
+              <a:rPr lang="da-DK" dirty="0" smtClean="0"/>
+              <a:t> </a:t>
+            </a:r>
+            <a:r>
+              <a:rPr lang="da-DK" dirty="0" smtClean="0"/>
+              <a:t>management</a:t>
+            </a:r>
+            <a:endParaRPr lang="da-DK" dirty="0" smtClean="0"/>
+          </a:p>
+          <a:p>
+            <a:r>
+              <a:rPr lang="da-DK" dirty="0" err="1" smtClean="0"/>
+              <a:t>Synthesis</a:t>
+            </a:r>
+            <a:r>
+              <a:rPr lang="da-DK" dirty="0" smtClean="0"/>
+              <a:t> </a:t>
+            </a:r>
+            <a:r>
+              <a:rPr lang="da-DK" dirty="0" err="1" smtClean="0"/>
+              <a:t>SysML/UML</a:t>
+            </a:r>
+            <a:r>
+              <a:rPr lang="da-DK" dirty="0" smtClean="0"/>
+              <a:t> til </a:t>
+            </a:r>
+            <a:r>
+              <a:rPr lang="da-DK" dirty="0" err="1" smtClean="0"/>
+              <a:t>SystemC</a:t>
+            </a:r>
+            <a:r>
+              <a:rPr lang="da-DK" dirty="0" smtClean="0"/>
+              <a:t> </a:t>
+            </a:r>
+            <a:r>
+              <a:rPr lang="da-DK" dirty="0" smtClean="0"/>
+              <a:t>simulation</a:t>
+            </a:r>
+          </a:p>
+          <a:p>
+            <a:r>
+              <a:rPr lang="da-DK" dirty="0" smtClean="0"/>
+              <a:t>Mest optimal </a:t>
+            </a:r>
+            <a:r>
+              <a:rPr lang="da-DK" dirty="0" err="1" smtClean="0"/>
+              <a:t>mapning</a:t>
+            </a:r>
+            <a:r>
+              <a:rPr lang="da-DK" dirty="0" smtClean="0"/>
+              <a:t> i forhold til </a:t>
+            </a:r>
+            <a:r>
+              <a:rPr lang="da-DK" dirty="0" err="1" smtClean="0"/>
+              <a:t>metric</a:t>
+            </a:r>
+            <a:endParaRPr lang="da-DK" dirty="0" smtClean="0"/>
+          </a:p>
+          <a:p>
+            <a:endParaRPr lang="da-DK" dirty="0" smtClean="0"/>
           </a:p>
         </p:txBody>
       </p:sp>
@@ -3817,7 +3897,7 @@
           <p:nvPr/>
         </p:nvPicPr>
         <p:blipFill>
-          <a:blip r:embed="rId2"/>
+          <a:blip r:embed="rId2" cstate="print"/>
           <a:srcRect/>
           <a:stretch>
             <a:fillRect/>
@@ -4053,7 +4133,7 @@
           <p:nvPr/>
         </p:nvPicPr>
         <p:blipFill>
-          <a:blip r:embed="rId2"/>
+          <a:blip r:embed="rId2" cstate="print"/>
           <a:srcRect t="20415"/>
           <a:stretch>
             <a:fillRect/>
@@ -4287,24 +4367,191 @@
           <a:lstStyle/>
           <a:p>
             <a:r>
-              <a:rPr lang="da-DK" smtClean="0"/>
+              <a:rPr lang="da-DK" dirty="0" smtClean="0"/>
+              <a:t>System arkitektur beskrevet i </a:t>
+            </a:r>
+            <a:r>
+              <a:rPr lang="da-DK" dirty="0" err="1" smtClean="0"/>
+              <a:t>SysML</a:t>
+            </a:r>
+            <a:endParaRPr lang="da-DK" dirty="0" smtClean="0"/>
+          </a:p>
+          <a:p>
+            <a:pPr lvl="1"/>
+            <a:r>
+              <a:rPr lang="da-DK" dirty="0" smtClean="0"/>
+              <a:t>Simulering i </a:t>
+            </a:r>
+            <a:r>
+              <a:rPr lang="da-DK" dirty="0" err="1" smtClean="0"/>
+              <a:t>SystemC</a:t>
+            </a:r>
+            <a:endParaRPr lang="da-DK" dirty="0" smtClean="0"/>
+          </a:p>
+          <a:p>
+            <a:pPr lvl="1"/>
+            <a:r>
+              <a:rPr lang="da-DK" dirty="0" err="1" smtClean="0"/>
+              <a:t>Mapning</a:t>
+            </a:r>
+            <a:r>
+              <a:rPr lang="da-DK" dirty="0" smtClean="0"/>
+              <a:t> af arkitektur </a:t>
+            </a:r>
+            <a:r>
+              <a:rPr lang="da-DK" dirty="0" err="1" smtClean="0"/>
+              <a:t>udfra</a:t>
+            </a:r>
+            <a:r>
+              <a:rPr lang="da-DK" dirty="0" smtClean="0"/>
+              <a:t> simulering (</a:t>
+            </a:r>
+            <a:r>
+              <a:rPr lang="da-DK" dirty="0" err="1" smtClean="0"/>
+              <a:t>pireto/design</a:t>
+            </a:r>
+            <a:r>
+              <a:rPr lang="da-DK" dirty="0" smtClean="0"/>
+              <a:t> </a:t>
+            </a:r>
+            <a:r>
+              <a:rPr lang="da-DK" dirty="0" err="1" smtClean="0"/>
+              <a:t>space</a:t>
+            </a:r>
+            <a:r>
+              <a:rPr lang="da-DK" dirty="0" smtClean="0"/>
+              <a:t> </a:t>
+            </a:r>
+            <a:r>
+              <a:rPr lang="da-DK" dirty="0" err="1" smtClean="0"/>
+              <a:t>exploration/profilling</a:t>
+            </a:r>
+            <a:r>
+              <a:rPr lang="da-DK" dirty="0" smtClean="0"/>
+              <a:t>) </a:t>
+            </a:r>
+          </a:p>
+          <a:p>
+            <a:pPr lvl="1"/>
+            <a:r>
+              <a:rPr lang="da-DK" dirty="0" err="1" smtClean="0"/>
+              <a:t>Mapning</a:t>
+            </a:r>
+            <a:r>
+              <a:rPr lang="da-DK" dirty="0" smtClean="0"/>
+              <a:t> i forhold til </a:t>
+            </a:r>
+            <a:r>
+              <a:rPr lang="da-DK" dirty="0" err="1" smtClean="0"/>
+              <a:t>Metrics</a:t>
+            </a:r>
+            <a:r>
+              <a:rPr lang="da-DK" dirty="0" smtClean="0"/>
+              <a:t> (</a:t>
+            </a:r>
+            <a:r>
+              <a:rPr lang="da-DK" dirty="0" err="1" smtClean="0"/>
+              <a:t>quality</a:t>
+            </a:r>
+            <a:r>
+              <a:rPr lang="da-DK" dirty="0" smtClean="0"/>
+              <a:t> </a:t>
+            </a:r>
+            <a:r>
+              <a:rPr lang="da-DK" dirty="0" err="1" smtClean="0"/>
+              <a:t>attributes</a:t>
+            </a:r>
+            <a:r>
+              <a:rPr lang="da-DK" dirty="0" smtClean="0"/>
+              <a:t>)</a:t>
+            </a:r>
+          </a:p>
+          <a:p>
+            <a:r>
+              <a:rPr lang="da-DK" dirty="0" err="1" smtClean="0">
+                <a:solidFill>
+                  <a:srgbClr val="FFFF00"/>
+                </a:solidFill>
+              </a:rPr>
               <a:t>Proof-of-concept</a:t>
             </a:r>
-          </a:p>
-          <a:p>
-            <a:r>
-              <a:rPr lang="da-DK" smtClean="0"/>
-              <a:t>Arkitektur design (reccomended mapping)</a:t>
-            </a:r>
-          </a:p>
-          <a:p>
-            <a:r>
-              <a:rPr lang="da-DK" smtClean="0"/>
-              <a:t>Battery life evaluation.</a:t>
-            </a:r>
-          </a:p>
-          <a:p>
-            <a:endParaRPr lang="da-DK" smtClean="0"/>
+            <a:r>
+              <a:rPr lang="da-DK" dirty="0" smtClean="0"/>
+              <a:t> ligger det ikke i overstående</a:t>
+            </a:r>
+          </a:p>
+          <a:p>
+            <a:r>
+              <a:rPr lang="da-DK" dirty="0" err="1" smtClean="0"/>
+              <a:t>Risk</a:t>
+            </a:r>
+            <a:r>
+              <a:rPr lang="da-DK" dirty="0" smtClean="0"/>
+              <a:t> </a:t>
+            </a:r>
+            <a:r>
+              <a:rPr lang="da-DK" dirty="0" err="1" smtClean="0"/>
+              <a:t>level</a:t>
+            </a:r>
+            <a:r>
+              <a:rPr lang="da-DK" dirty="0" smtClean="0"/>
+              <a:t> management (</a:t>
+            </a:r>
+            <a:r>
+              <a:rPr lang="da-DK" dirty="0" err="1" smtClean="0"/>
+              <a:t>Can</a:t>
+            </a:r>
+            <a:r>
+              <a:rPr lang="da-DK" dirty="0" smtClean="0"/>
+              <a:t> </a:t>
+            </a:r>
+            <a:r>
+              <a:rPr lang="da-DK" dirty="0" err="1" smtClean="0"/>
+              <a:t>we</a:t>
+            </a:r>
+            <a:r>
+              <a:rPr lang="da-DK" dirty="0" smtClean="0"/>
+              <a:t> deliver, Time to </a:t>
+            </a:r>
+            <a:r>
+              <a:rPr lang="da-DK" dirty="0" err="1" smtClean="0"/>
+              <a:t>market</a:t>
+            </a:r>
+            <a:r>
+              <a:rPr lang="da-DK" dirty="0" smtClean="0"/>
+              <a:t>)</a:t>
+            </a:r>
+            <a:endParaRPr lang="da-DK" dirty="0" smtClean="0"/>
+          </a:p>
+          <a:p>
+            <a:r>
+              <a:rPr lang="da-DK" dirty="0" err="1" smtClean="0"/>
+              <a:t>Battery</a:t>
+            </a:r>
+            <a:r>
+              <a:rPr lang="da-DK" dirty="0" smtClean="0"/>
+              <a:t> </a:t>
+            </a:r>
+            <a:r>
+              <a:rPr lang="da-DK" dirty="0" err="1" smtClean="0"/>
+              <a:t>life</a:t>
+            </a:r>
+            <a:r>
+              <a:rPr lang="da-DK" dirty="0" smtClean="0"/>
+              <a:t> </a:t>
+            </a:r>
+            <a:r>
+              <a:rPr lang="da-DK" dirty="0" err="1" smtClean="0"/>
+              <a:t>evaluation</a:t>
+            </a:r>
+            <a:r>
+              <a:rPr lang="da-DK" dirty="0" smtClean="0"/>
+              <a:t>.</a:t>
+            </a:r>
+            <a:endParaRPr lang="da-DK" dirty="0" smtClean="0"/>
+          </a:p>
+          <a:p>
+            <a:endParaRPr lang="da-DK" dirty="0" smtClean="0"/>
           </a:p>
         </p:txBody>
       </p:sp>
@@ -4375,7 +4622,7 @@
               <a:buAutoNum type="arabicPeriod"/>
             </a:pPr>
             <a:r>
-              <a:rPr lang="da-DK" smtClean="0"/>
+              <a:rPr lang="da-DK" dirty="0" smtClean="0"/>
               <a:t>Projektoplæg.</a:t>
             </a:r>
           </a:p>
@@ -4385,8 +4632,20 @@
               <a:buAutoNum type="arabicPeriod"/>
             </a:pPr>
             <a:r>
-              <a:rPr lang="da-DK" smtClean="0"/>
-              <a:t>Use case krav og non-funktionel tabel.</a:t>
+              <a:rPr lang="da-DK" dirty="0" err="1" smtClean="0"/>
+              <a:t>Use</a:t>
+            </a:r>
+            <a:r>
+              <a:rPr lang="da-DK" dirty="0" smtClean="0"/>
+              <a:t> case krav og </a:t>
+            </a:r>
+            <a:r>
+              <a:rPr lang="da-DK" dirty="0" err="1" smtClean="0"/>
+              <a:t>non-funktionel</a:t>
+            </a:r>
+            <a:r>
+              <a:rPr lang="da-DK" dirty="0" smtClean="0"/>
+              <a:t> tabel.</a:t>
             </a:r>
           </a:p>
           <a:p>
@@ -4395,8 +4654,12 @@
               <a:buAutoNum type="arabicPeriod"/>
             </a:pPr>
             <a:r>
-              <a:rPr lang="da-DK" smtClean="0"/>
-              <a:t>SysML til arkitektur design.</a:t>
+              <a:rPr lang="da-DK" dirty="0" err="1" smtClean="0"/>
+              <a:t>SysML</a:t>
+            </a:r>
+            <a:r>
+              <a:rPr lang="da-DK" dirty="0" smtClean="0"/>
+              <a:t> til arkitektur design.</a:t>
             </a:r>
           </a:p>
           <a:p>
@@ -4405,9 +4668,54 @@
               <a:buAutoNum type="arabicPeriod"/>
             </a:pPr>
             <a:r>
-              <a:rPr lang="da-DK" smtClean="0"/>
-              <a:t>Alternative mapninger af arkitekture (Pereto points and ???)</a:t>
-            </a:r>
+              <a:rPr lang="da-DK" dirty="0" smtClean="0"/>
+              <a:t>Alternative </a:t>
+            </a:r>
+            <a:r>
+              <a:rPr lang="da-DK" dirty="0" err="1" smtClean="0"/>
+              <a:t>mapninger</a:t>
+            </a:r>
+            <a:r>
+              <a:rPr lang="da-DK" dirty="0" smtClean="0"/>
+              <a:t> af </a:t>
+            </a:r>
+            <a:r>
+              <a:rPr lang="da-DK" dirty="0" err="1" smtClean="0"/>
+              <a:t>arkitekture</a:t>
+            </a:r>
+            <a:r>
+              <a:rPr lang="da-DK" dirty="0" smtClean="0"/>
+              <a:t> (</a:t>
+            </a:r>
+            <a:r>
+              <a:rPr lang="da-DK" dirty="0" err="1" smtClean="0"/>
+              <a:t>Pereto</a:t>
+            </a:r>
+            <a:r>
+              <a:rPr lang="da-DK" dirty="0" smtClean="0"/>
+              <a:t> points and </a:t>
+            </a:r>
+            <a:r>
+              <a:rPr lang="da-DK" dirty="0" smtClean="0"/>
+              <a:t>design </a:t>
+            </a:r>
+            <a:r>
+              <a:rPr lang="da-DK" dirty="0" err="1" smtClean="0"/>
+              <a:t>space</a:t>
+            </a:r>
+            <a:r>
+              <a:rPr lang="da-DK" dirty="0" smtClean="0"/>
+              <a:t> </a:t>
+            </a:r>
+            <a:r>
+              <a:rPr lang="da-DK" dirty="0" err="1" smtClean="0"/>
+              <a:t>exploration</a:t>
+            </a:r>
+            <a:r>
+              <a:rPr lang="da-DK" dirty="0" smtClean="0"/>
+              <a:t>)</a:t>
+            </a:r>
+            <a:endParaRPr lang="da-DK" dirty="0" smtClean="0"/>
           </a:p>
           <a:p>
             <a:pPr marL="514350" indent="-514350">
@@ -4415,8 +4723,20 @@
               <a:buAutoNum type="arabicPeriod"/>
             </a:pPr>
             <a:r>
-              <a:rPr lang="da-DK" smtClean="0"/>
-              <a:t>SystemC til simulering og evaluering af alternative arkitekturer.</a:t>
+              <a:rPr lang="da-DK" dirty="0" err="1" smtClean="0"/>
+              <a:t>SystemC</a:t>
+            </a:r>
+            <a:r>
+              <a:rPr lang="da-DK" dirty="0" smtClean="0"/>
+              <a:t> til </a:t>
+            </a:r>
+            <a:r>
+              <a:rPr lang="da-DK" dirty="0" smtClean="0"/>
+              <a:t>simulering </a:t>
+            </a:r>
+            <a:r>
+              <a:rPr lang="da-DK" dirty="0" smtClean="0"/>
+              <a:t>og evaluering af alternative arkitekturer.</a:t>
             </a:r>
           </a:p>
           <a:p>
@@ -4425,7 +4745,7 @@
               <a:buAutoNum type="arabicPeriod"/>
             </a:pPr>
             <a:r>
-              <a:rPr lang="da-DK" smtClean="0"/>
+              <a:rPr lang="da-DK" dirty="0" smtClean="0"/>
               <a:t>Konklusion</a:t>
             </a:r>
           </a:p>
@@ -4434,7 +4754,7 @@
               <a:buFont typeface="Calibri" pitchFamily="34" charset="0"/>
               <a:buAutoNum type="arabicPeriod"/>
             </a:pPr>
-            <a:endParaRPr lang="da-DK" smtClean="0"/>
+            <a:endParaRPr lang="da-DK" dirty="0" smtClean="0"/>
           </a:p>
         </p:txBody>
       </p:sp>

--- a/syseng_hwco/proj/Artifact/Presentations/Presentation_11_02_11.pptx
+++ b/syseng_hwco/proj/Artifact/Presentations/Presentation_11_02_11.pptx
@@ -338,7 +338,7 @@
               <a:pPr>
                 <a:defRPr/>
               </a:pPr>
-              <a:t>09-02-2011</a:t>
+              <a:t>10-02-2011</a:t>
             </a:fld>
             <a:endParaRPr lang="da-DK"/>
           </a:p>
@@ -530,7 +530,7 @@
               <a:pPr>
                 <a:defRPr/>
               </a:pPr>
-              <a:t>09-02-2011</a:t>
+              <a:t>10-02-2011</a:t>
             </a:fld>
             <a:endParaRPr lang="da-DK"/>
           </a:p>
@@ -732,7 +732,7 @@
               <a:pPr>
                 <a:defRPr/>
               </a:pPr>
-              <a:t>09-02-2011</a:t>
+              <a:t>10-02-2011</a:t>
             </a:fld>
             <a:endParaRPr lang="da-DK"/>
           </a:p>
@@ -924,7 +924,7 @@
               <a:pPr>
                 <a:defRPr/>
               </a:pPr>
-              <a:t>09-02-2011</a:t>
+              <a:t>10-02-2011</a:t>
             </a:fld>
             <a:endParaRPr lang="da-DK"/>
           </a:p>
@@ -1192,7 +1192,7 @@
               <a:pPr>
                 <a:defRPr/>
               </a:pPr>
-              <a:t>09-02-2011</a:t>
+              <a:t>10-02-2011</a:t>
             </a:fld>
             <a:endParaRPr lang="da-DK"/>
           </a:p>
@@ -1502,7 +1502,7 @@
               <a:pPr>
                 <a:defRPr/>
               </a:pPr>
-              <a:t>09-02-2011</a:t>
+              <a:t>10-02-2011</a:t>
             </a:fld>
             <a:endParaRPr lang="da-DK"/>
           </a:p>
@@ -1946,7 +1946,7 @@
               <a:pPr>
                 <a:defRPr/>
               </a:pPr>
-              <a:t>09-02-2011</a:t>
+              <a:t>10-02-2011</a:t>
             </a:fld>
             <a:endParaRPr lang="da-DK"/>
           </a:p>
@@ -2086,7 +2086,7 @@
               <a:pPr>
                 <a:defRPr/>
               </a:pPr>
-              <a:t>09-02-2011</a:t>
+              <a:t>10-02-2011</a:t>
             </a:fld>
             <a:endParaRPr lang="da-DK"/>
           </a:p>
@@ -2203,7 +2203,7 @@
               <a:pPr>
                 <a:defRPr/>
               </a:pPr>
-              <a:t>09-02-2011</a:t>
+              <a:t>10-02-2011</a:t>
             </a:fld>
             <a:endParaRPr lang="da-DK"/>
           </a:p>
@@ -2502,7 +2502,7 @@
               <a:pPr>
                 <a:defRPr/>
               </a:pPr>
-              <a:t>09-02-2011</a:t>
+              <a:t>10-02-2011</a:t>
             </a:fld>
             <a:endParaRPr lang="da-DK"/>
           </a:p>
@@ -2780,7 +2780,7 @@
               <a:pPr>
                 <a:defRPr/>
               </a:pPr>
-              <a:t>09-02-2011</a:t>
+              <a:t>10-02-2011</a:t>
             </a:fld>
             <a:endParaRPr lang="da-DK"/>
           </a:p>
@@ -3035,7 +3035,7 @@
               <a:pPr>
                 <a:defRPr/>
               </a:pPr>
-              <a:t>09-02-2011</a:t>
+              <a:t>10-02-2011</a:t>
             </a:fld>
             <a:endParaRPr lang="da-DK"/>
           </a:p>
@@ -3701,13 +3701,8 @@
             </a:r>
             <a:r>
               <a:rPr lang="da-DK" dirty="0" smtClean="0"/>
-              <a:t> </a:t>
-            </a:r>
-            <a:r>
-              <a:rPr lang="da-DK" dirty="0" smtClean="0"/>
-              <a:t>management</a:t>
-            </a:r>
-            <a:endParaRPr lang="da-DK" dirty="0" smtClean="0"/>
+              <a:t> management</a:t>
+            </a:r>
           </a:p>
           <a:p>
             <a:r>
@@ -3732,11 +3727,7 @@
             </a:r>
             <a:r>
               <a:rPr lang="da-DK" dirty="0" smtClean="0"/>
-              <a:t> </a:t>
-            </a:r>
-            <a:r>
-              <a:rPr lang="da-DK" dirty="0" smtClean="0"/>
-              <a:t>simulation</a:t>
+              <a:t> simulation</a:t>
             </a:r>
           </a:p>
           <a:p>
@@ -4374,6 +4365,26 @@
               <a:rPr lang="da-DK" dirty="0" err="1" smtClean="0"/>
               <a:t>SysML</a:t>
             </a:r>
+            <a:r>
+              <a:rPr lang="da-DK" dirty="0" smtClean="0"/>
+              <a:t> (</a:t>
+            </a:r>
+            <a:r>
+              <a:rPr lang="da-DK" dirty="0" err="1" smtClean="0"/>
+              <a:t>Proof</a:t>
+            </a:r>
+            <a:r>
+              <a:rPr lang="da-DK" dirty="0" smtClean="0"/>
+              <a:t> of </a:t>
+            </a:r>
+            <a:r>
+              <a:rPr lang="da-DK" dirty="0" err="1" smtClean="0"/>
+              <a:t>concept</a:t>
+            </a:r>
+            <a:r>
+              <a:rPr lang="da-DK" dirty="0" smtClean="0"/>
+              <a:t>)</a:t>
+            </a:r>
             <a:endParaRPr lang="da-DK" dirty="0" smtClean="0"/>
           </a:p>
           <a:p>
@@ -4468,20 +4479,6 @@
           </a:p>
           <a:p>
             <a:r>
-              <a:rPr lang="da-DK" dirty="0" err="1" smtClean="0">
-                <a:solidFill>
-                  <a:srgbClr val="FFFF00"/>
-                </a:solidFill>
-              </a:rPr>
-              <a:t>Proof-of-concept</a:t>
-            </a:r>
-            <a:r>
-              <a:rPr lang="da-DK" dirty="0" smtClean="0"/>
-              <a:t> ligger det ikke i overstående</a:t>
-            </a:r>
-          </a:p>
-          <a:p>
-            <a:r>
               <a:rPr lang="da-DK" dirty="0" err="1" smtClean="0"/>
               <a:t>Risk</a:t>
             </a:r>
@@ -4521,7 +4518,6 @@
               <a:rPr lang="da-DK" dirty="0" smtClean="0"/>
               <a:t>)</a:t>
             </a:r>
-            <a:endParaRPr lang="da-DK" dirty="0" smtClean="0"/>
           </a:p>
           <a:p>
             <a:r>
@@ -4548,7 +4544,6 @@
               <a:rPr lang="da-DK" dirty="0" smtClean="0"/>
               <a:t>.</a:t>
             </a:r>
-            <a:endParaRPr lang="da-DK" dirty="0" smtClean="0"/>
           </a:p>
           <a:p>
             <a:endParaRPr lang="da-DK" dirty="0" smtClean="0"/>
@@ -4693,11 +4688,7 @@
             </a:r>
             <a:r>
               <a:rPr lang="da-DK" dirty="0" smtClean="0"/>
-              <a:t> points and </a:t>
-            </a:r>
-            <a:r>
-              <a:rPr lang="da-DK" dirty="0" smtClean="0"/>
-              <a:t>design </a:t>
+              <a:t> points and design </a:t>
             </a:r>
             <a:r>
               <a:rPr lang="da-DK" dirty="0" err="1" smtClean="0"/>
@@ -4715,7 +4706,6 @@
               <a:rPr lang="da-DK" dirty="0" smtClean="0"/>
               <a:t>)</a:t>
             </a:r>
-            <a:endParaRPr lang="da-DK" dirty="0" smtClean="0"/>
           </a:p>
           <a:p>
             <a:pPr marL="514350" indent="-514350">
@@ -4728,15 +4718,7 @@
             </a:r>
             <a:r>
               <a:rPr lang="da-DK" dirty="0" smtClean="0"/>
-              <a:t> til </a:t>
-            </a:r>
-            <a:r>
-              <a:rPr lang="da-DK" dirty="0" smtClean="0"/>
-              <a:t>simulering </a:t>
-            </a:r>
-            <a:r>
-              <a:rPr lang="da-DK" dirty="0" smtClean="0"/>
-              <a:t>og evaluering af alternative arkitekturer.</a:t>
+              <a:t> til simulering og evaluering af alternative arkitekturer.</a:t>
             </a:r>
           </a:p>
           <a:p>

--- a/syseng_hwco/proj/Artifact/Presentations/Presentation_11_02_11.pptx
+++ b/syseng_hwco/proj/Artifact/Presentations/Presentation_11_02_11.pptx
@@ -16,6 +16,13 @@
     <p:sldId id="264" r:id="rId10"/>
     <p:sldId id="265" r:id="rId11"/>
     <p:sldId id="266" r:id="rId12"/>
+    <p:sldId id="268" r:id="rId13"/>
+    <p:sldId id="269" r:id="rId14"/>
+    <p:sldId id="267" r:id="rId15"/>
+    <p:sldId id="271" r:id="rId16"/>
+    <p:sldId id="270" r:id="rId17"/>
+    <p:sldId id="273" r:id="rId18"/>
+    <p:sldId id="272" r:id="rId19"/>
   </p:sldIdLst>
   <p:sldSz cx="9144000" cy="6858000" type="screen4x3"/>
   <p:notesSz cx="6858000" cy="9144000"/>
@@ -333,7 +340,7 @@
             <a:pPr>
               <a:defRPr/>
             </a:pPr>
-            <a:fld id="{11EA080B-6E8D-441C-8BF2-827EDBB228D0}" type="datetimeFigureOut">
+            <a:fld id="{E085FBFA-F6C5-4624-A899-24A22AE18124}" type="datetimeFigureOut">
               <a:rPr lang="da-DK"/>
               <a:pPr>
                 <a:defRPr/>
@@ -392,12 +399,12 @@
             <a:pPr>
               <a:defRPr/>
             </a:pPr>
-            <a:fld id="{13E08DC2-AF5B-4AD4-AF7B-5052D613982F}" type="slidenum">
+            <a:fld id="{E181E20A-8375-48E2-9685-7D25B74B2B1B}" type="slidenum">
               <a:rPr lang="da-DK"/>
               <a:pPr>
                 <a:defRPr/>
               </a:pPr>
-              <a:t>‹nr.›</a:t>
+              <a:t>‹#›</a:t>
             </a:fld>
             <a:endParaRPr lang="da-DK"/>
           </a:p>
@@ -525,7 +532,7 @@
             <a:pPr>
               <a:defRPr/>
             </a:pPr>
-            <a:fld id="{8E0CEE42-3084-475F-ADAB-D64885A83AA6}" type="datetimeFigureOut">
+            <a:fld id="{8D6E8C13-FCCD-4D09-85BC-1940E660A1E8}" type="datetimeFigureOut">
               <a:rPr lang="da-DK"/>
               <a:pPr>
                 <a:defRPr/>
@@ -584,12 +591,12 @@
             <a:pPr>
               <a:defRPr/>
             </a:pPr>
-            <a:fld id="{70D36A2B-4E42-4B6D-A787-E05C6F0F09A2}" type="slidenum">
+            <a:fld id="{98A15187-D1D1-4BBA-921E-12E256626425}" type="slidenum">
               <a:rPr lang="da-DK"/>
               <a:pPr>
                 <a:defRPr/>
               </a:pPr>
-              <a:t>‹nr.›</a:t>
+              <a:t>‹#›</a:t>
             </a:fld>
             <a:endParaRPr lang="da-DK"/>
           </a:p>
@@ -727,7 +734,7 @@
             <a:pPr>
               <a:defRPr/>
             </a:pPr>
-            <a:fld id="{D15E59A7-DEE1-4321-90E2-716B67388088}" type="datetimeFigureOut">
+            <a:fld id="{38C3A825-CC70-4EF2-9712-FBDD18EF5AFD}" type="datetimeFigureOut">
               <a:rPr lang="da-DK"/>
               <a:pPr>
                 <a:defRPr/>
@@ -786,12 +793,806 @@
             <a:pPr>
               <a:defRPr/>
             </a:pPr>
-            <a:fld id="{4405ABE2-35C1-46A2-BDFB-8451F15CAFB7}" type="slidenum">
+            <a:fld id="{25F7B943-872E-4C57-B415-EFC652748E98}" type="slidenum">
               <a:rPr lang="da-DK"/>
               <a:pPr>
                 <a:defRPr/>
               </a:pPr>
-              <a:t>‹nr.›</a:t>
+              <a:t>‹#›</a:t>
+            </a:fld>
+            <a:endParaRPr lang="da-DK"/>
+          </a:p>
+        </p:txBody>
+      </p:sp>
+    </p:spTree>
+  </p:cSld>
+  <p:clrMapOvr>
+    <a:masterClrMapping/>
+  </p:clrMapOvr>
+</p:sldLayout>
+</file>
+
+<file path=ppt/slideLayouts/slideLayout12.xml><?xml version="1.0" encoding="utf-8"?>
+<p:sldLayout xmlns:a="http://schemas.openxmlformats.org/drawingml/2006/main" xmlns:r="http://schemas.openxmlformats.org/officeDocument/2006/relationships" xmlns:p="http://schemas.openxmlformats.org/presentationml/2006/main" type="txAndTwoObj" preserve="1">
+  <p:cSld name="Title, Text, and 2 Content">
+    <p:spTree>
+      <p:nvGrpSpPr>
+        <p:cNvPr id="1" name=""/>
+        <p:cNvGrpSpPr/>
+        <p:nvPr/>
+      </p:nvGrpSpPr>
+      <p:grpSpPr>
+        <a:xfrm>
+          <a:off x="0" y="0"/>
+          <a:ext cx="0" cy="0"/>
+          <a:chOff x="0" y="0"/>
+          <a:chExt cx="0" cy="0"/>
+        </a:xfrm>
+      </p:grpSpPr>
+      <p:sp>
+        <p:nvSpPr>
+          <p:cNvPr id="2" name="Title 1"/>
+          <p:cNvSpPr>
+            <a:spLocks noGrp="1"/>
+          </p:cNvSpPr>
+          <p:nvPr>
+            <p:ph type="title"/>
+          </p:nvPr>
+        </p:nvSpPr>
+        <p:spPr>
+          <a:xfrm>
+            <a:off x="457200" y="274638"/>
+            <a:ext cx="8229600" cy="1143000"/>
+          </a:xfrm>
+        </p:spPr>
+        <p:txBody>
+          <a:bodyPr/>
+          <a:lstStyle/>
+          <a:p>
+            <a:r>
+              <a:rPr lang="en-US"/>
+              <a:t>Click to edit Master title style</a:t>
+            </a:r>
+            <a:endParaRPr lang="da-DK"/>
+          </a:p>
+        </p:txBody>
+      </p:sp>
+      <p:sp>
+        <p:nvSpPr>
+          <p:cNvPr id="3" name="Text Placeholder 2"/>
+          <p:cNvSpPr>
+            <a:spLocks noGrp="1"/>
+          </p:cNvSpPr>
+          <p:nvPr>
+            <p:ph type="body" sz="half" idx="1"/>
+          </p:nvPr>
+        </p:nvSpPr>
+        <p:spPr>
+          <a:xfrm>
+            <a:off x="457200" y="1600200"/>
+            <a:ext cx="4038600" cy="4525963"/>
+          </a:xfrm>
+        </p:spPr>
+        <p:txBody>
+          <a:bodyPr/>
+          <a:lstStyle/>
+          <a:p>
+            <a:pPr lvl="0"/>
+            <a:r>
+              <a:rPr lang="en-US"/>
+              <a:t>Click to edit Master text styles</a:t>
+            </a:r>
+          </a:p>
+          <a:p>
+            <a:pPr lvl="1"/>
+            <a:r>
+              <a:rPr lang="en-US"/>
+              <a:t>Second level</a:t>
+            </a:r>
+          </a:p>
+          <a:p>
+            <a:pPr lvl="2"/>
+            <a:r>
+              <a:rPr lang="en-US"/>
+              <a:t>Third level</a:t>
+            </a:r>
+          </a:p>
+          <a:p>
+            <a:pPr lvl="3"/>
+            <a:r>
+              <a:rPr lang="en-US"/>
+              <a:t>Fourth level</a:t>
+            </a:r>
+          </a:p>
+          <a:p>
+            <a:pPr lvl="4"/>
+            <a:r>
+              <a:rPr lang="en-US"/>
+              <a:t>Fifth level</a:t>
+            </a:r>
+            <a:endParaRPr lang="da-DK"/>
+          </a:p>
+        </p:txBody>
+      </p:sp>
+      <p:sp>
+        <p:nvSpPr>
+          <p:cNvPr id="4" name="Content Placeholder 3"/>
+          <p:cNvSpPr>
+            <a:spLocks noGrp="1"/>
+          </p:cNvSpPr>
+          <p:nvPr>
+            <p:ph sz="quarter" idx="2"/>
+          </p:nvPr>
+        </p:nvSpPr>
+        <p:spPr>
+          <a:xfrm>
+            <a:off x="4648200" y="1600200"/>
+            <a:ext cx="4038600" cy="2185988"/>
+          </a:xfrm>
+        </p:spPr>
+        <p:txBody>
+          <a:bodyPr/>
+          <a:lstStyle/>
+          <a:p>
+            <a:pPr lvl="0"/>
+            <a:r>
+              <a:rPr lang="en-US"/>
+              <a:t>Click to edit Master text styles</a:t>
+            </a:r>
+          </a:p>
+          <a:p>
+            <a:pPr lvl="1"/>
+            <a:r>
+              <a:rPr lang="en-US"/>
+              <a:t>Second level</a:t>
+            </a:r>
+          </a:p>
+          <a:p>
+            <a:pPr lvl="2"/>
+            <a:r>
+              <a:rPr lang="en-US"/>
+              <a:t>Third level</a:t>
+            </a:r>
+          </a:p>
+          <a:p>
+            <a:pPr lvl="3"/>
+            <a:r>
+              <a:rPr lang="en-US"/>
+              <a:t>Fourth level</a:t>
+            </a:r>
+          </a:p>
+          <a:p>
+            <a:pPr lvl="4"/>
+            <a:r>
+              <a:rPr lang="en-US"/>
+              <a:t>Fifth level</a:t>
+            </a:r>
+            <a:endParaRPr lang="da-DK"/>
+          </a:p>
+        </p:txBody>
+      </p:sp>
+      <p:sp>
+        <p:nvSpPr>
+          <p:cNvPr id="5" name="Content Placeholder 4"/>
+          <p:cNvSpPr>
+            <a:spLocks noGrp="1"/>
+          </p:cNvSpPr>
+          <p:nvPr>
+            <p:ph sz="quarter" idx="3"/>
+          </p:nvPr>
+        </p:nvSpPr>
+        <p:spPr>
+          <a:xfrm>
+            <a:off x="4648200" y="3938588"/>
+            <a:ext cx="4038600" cy="2187575"/>
+          </a:xfrm>
+        </p:spPr>
+        <p:txBody>
+          <a:bodyPr/>
+          <a:lstStyle/>
+          <a:p>
+            <a:pPr lvl="0"/>
+            <a:r>
+              <a:rPr lang="en-US"/>
+              <a:t>Click to edit Master text styles</a:t>
+            </a:r>
+          </a:p>
+          <a:p>
+            <a:pPr lvl="1"/>
+            <a:r>
+              <a:rPr lang="en-US"/>
+              <a:t>Second level</a:t>
+            </a:r>
+          </a:p>
+          <a:p>
+            <a:pPr lvl="2"/>
+            <a:r>
+              <a:rPr lang="en-US"/>
+              <a:t>Third level</a:t>
+            </a:r>
+          </a:p>
+          <a:p>
+            <a:pPr lvl="3"/>
+            <a:r>
+              <a:rPr lang="en-US"/>
+              <a:t>Fourth level</a:t>
+            </a:r>
+          </a:p>
+          <a:p>
+            <a:pPr lvl="4"/>
+            <a:r>
+              <a:rPr lang="en-US"/>
+              <a:t>Fifth level</a:t>
+            </a:r>
+            <a:endParaRPr lang="da-DK"/>
+          </a:p>
+        </p:txBody>
+      </p:sp>
+      <p:sp>
+        <p:nvSpPr>
+          <p:cNvPr id="6" name="Date Placeholder 5"/>
+          <p:cNvSpPr>
+            <a:spLocks noGrp="1"/>
+          </p:cNvSpPr>
+          <p:nvPr>
+            <p:ph type="dt" sz="half" idx="10"/>
+          </p:nvPr>
+        </p:nvSpPr>
+        <p:spPr>
+          <a:xfrm>
+            <a:off x="457200" y="6356350"/>
+            <a:ext cx="2133600" cy="365125"/>
+          </a:xfrm>
+        </p:spPr>
+        <p:txBody>
+          <a:bodyPr/>
+          <a:lstStyle>
+            <a:lvl1pPr>
+              <a:defRPr/>
+            </a:lvl1pPr>
+          </a:lstStyle>
+          <a:p>
+            <a:pPr>
+              <a:defRPr/>
+            </a:pPr>
+            <a:fld id="{E4E585A5-871E-49BE-834C-12F2EBF42A8D}" type="datetimeFigureOut">
+              <a:rPr lang="da-DK"/>
+              <a:pPr>
+                <a:defRPr/>
+              </a:pPr>
+              <a:t>10-02-2011</a:t>
+            </a:fld>
+            <a:endParaRPr lang="da-DK"/>
+          </a:p>
+        </p:txBody>
+      </p:sp>
+      <p:sp>
+        <p:nvSpPr>
+          <p:cNvPr id="7" name="Footer Placeholder 6"/>
+          <p:cNvSpPr>
+            <a:spLocks noGrp="1"/>
+          </p:cNvSpPr>
+          <p:nvPr>
+            <p:ph type="ftr" sz="quarter" idx="11"/>
+          </p:nvPr>
+        </p:nvSpPr>
+        <p:spPr>
+          <a:xfrm>
+            <a:off x="3124200" y="6356350"/>
+            <a:ext cx="2895600" cy="365125"/>
+          </a:xfrm>
+        </p:spPr>
+        <p:txBody>
+          <a:bodyPr/>
+          <a:lstStyle>
+            <a:lvl1pPr>
+              <a:defRPr/>
+            </a:lvl1pPr>
+          </a:lstStyle>
+          <a:p>
+            <a:pPr>
+              <a:defRPr/>
+            </a:pPr>
+            <a:endParaRPr lang="da-DK"/>
+          </a:p>
+        </p:txBody>
+      </p:sp>
+      <p:sp>
+        <p:nvSpPr>
+          <p:cNvPr id="8" name="Slide Number Placeholder 7"/>
+          <p:cNvSpPr>
+            <a:spLocks noGrp="1"/>
+          </p:cNvSpPr>
+          <p:nvPr>
+            <p:ph type="sldNum" sz="quarter" idx="12"/>
+          </p:nvPr>
+        </p:nvSpPr>
+        <p:spPr>
+          <a:xfrm>
+            <a:off x="6553200" y="6356350"/>
+            <a:ext cx="2133600" cy="365125"/>
+          </a:xfrm>
+        </p:spPr>
+        <p:txBody>
+          <a:bodyPr/>
+          <a:lstStyle>
+            <a:lvl1pPr>
+              <a:defRPr/>
+            </a:lvl1pPr>
+          </a:lstStyle>
+          <a:p>
+            <a:pPr>
+              <a:defRPr/>
+            </a:pPr>
+            <a:fld id="{2250788E-BC70-4CF1-80C1-6BF200B43927}" type="slidenum">
+              <a:rPr lang="da-DK"/>
+              <a:pPr>
+                <a:defRPr/>
+              </a:pPr>
+              <a:t>‹#›</a:t>
+            </a:fld>
+            <a:endParaRPr lang="da-DK"/>
+          </a:p>
+        </p:txBody>
+      </p:sp>
+    </p:spTree>
+  </p:cSld>
+  <p:clrMapOvr>
+    <a:masterClrMapping/>
+  </p:clrMapOvr>
+</p:sldLayout>
+</file>
+
+<file path=ppt/slideLayouts/slideLayout13.xml><?xml version="1.0" encoding="utf-8"?>
+<p:sldLayout xmlns:a="http://schemas.openxmlformats.org/drawingml/2006/main" xmlns:r="http://schemas.openxmlformats.org/officeDocument/2006/relationships" xmlns:p="http://schemas.openxmlformats.org/presentationml/2006/main" type="txAndObj" preserve="1">
+  <p:cSld name="Title, Text, and Content">
+    <p:spTree>
+      <p:nvGrpSpPr>
+        <p:cNvPr id="1" name=""/>
+        <p:cNvGrpSpPr/>
+        <p:nvPr/>
+      </p:nvGrpSpPr>
+      <p:grpSpPr>
+        <a:xfrm>
+          <a:off x="0" y="0"/>
+          <a:ext cx="0" cy="0"/>
+          <a:chOff x="0" y="0"/>
+          <a:chExt cx="0" cy="0"/>
+        </a:xfrm>
+      </p:grpSpPr>
+      <p:sp>
+        <p:nvSpPr>
+          <p:cNvPr id="2" name="Title 1"/>
+          <p:cNvSpPr>
+            <a:spLocks noGrp="1"/>
+          </p:cNvSpPr>
+          <p:nvPr>
+            <p:ph type="title"/>
+          </p:nvPr>
+        </p:nvSpPr>
+        <p:spPr>
+          <a:xfrm>
+            <a:off x="457200" y="274638"/>
+            <a:ext cx="8229600" cy="1143000"/>
+          </a:xfrm>
+        </p:spPr>
+        <p:txBody>
+          <a:bodyPr/>
+          <a:lstStyle/>
+          <a:p>
+            <a:r>
+              <a:rPr lang="en-US"/>
+              <a:t>Click to edit Master title style</a:t>
+            </a:r>
+            <a:endParaRPr lang="da-DK"/>
+          </a:p>
+        </p:txBody>
+      </p:sp>
+      <p:sp>
+        <p:nvSpPr>
+          <p:cNvPr id="3" name="Text Placeholder 2"/>
+          <p:cNvSpPr>
+            <a:spLocks noGrp="1"/>
+          </p:cNvSpPr>
+          <p:nvPr>
+            <p:ph type="body" sz="half" idx="1"/>
+          </p:nvPr>
+        </p:nvSpPr>
+        <p:spPr>
+          <a:xfrm>
+            <a:off x="457200" y="1600200"/>
+            <a:ext cx="4038600" cy="4525963"/>
+          </a:xfrm>
+        </p:spPr>
+        <p:txBody>
+          <a:bodyPr/>
+          <a:lstStyle/>
+          <a:p>
+            <a:pPr lvl="0"/>
+            <a:r>
+              <a:rPr lang="en-US"/>
+              <a:t>Click to edit Master text styles</a:t>
+            </a:r>
+          </a:p>
+          <a:p>
+            <a:pPr lvl="1"/>
+            <a:r>
+              <a:rPr lang="en-US"/>
+              <a:t>Second level</a:t>
+            </a:r>
+          </a:p>
+          <a:p>
+            <a:pPr lvl="2"/>
+            <a:r>
+              <a:rPr lang="en-US"/>
+              <a:t>Third level</a:t>
+            </a:r>
+          </a:p>
+          <a:p>
+            <a:pPr lvl="3"/>
+            <a:r>
+              <a:rPr lang="en-US"/>
+              <a:t>Fourth level</a:t>
+            </a:r>
+          </a:p>
+          <a:p>
+            <a:pPr lvl="4"/>
+            <a:r>
+              <a:rPr lang="en-US"/>
+              <a:t>Fifth level</a:t>
+            </a:r>
+            <a:endParaRPr lang="da-DK"/>
+          </a:p>
+        </p:txBody>
+      </p:sp>
+      <p:sp>
+        <p:nvSpPr>
+          <p:cNvPr id="4" name="Content Placeholder 3"/>
+          <p:cNvSpPr>
+            <a:spLocks noGrp="1"/>
+          </p:cNvSpPr>
+          <p:nvPr>
+            <p:ph sz="half" idx="2"/>
+          </p:nvPr>
+        </p:nvSpPr>
+        <p:spPr>
+          <a:xfrm>
+            <a:off x="4648200" y="1600200"/>
+            <a:ext cx="4038600" cy="4525963"/>
+          </a:xfrm>
+        </p:spPr>
+        <p:txBody>
+          <a:bodyPr/>
+          <a:lstStyle/>
+          <a:p>
+            <a:pPr lvl="0"/>
+            <a:r>
+              <a:rPr lang="en-US"/>
+              <a:t>Click to edit Master text styles</a:t>
+            </a:r>
+          </a:p>
+          <a:p>
+            <a:pPr lvl="1"/>
+            <a:r>
+              <a:rPr lang="en-US"/>
+              <a:t>Second level</a:t>
+            </a:r>
+          </a:p>
+          <a:p>
+            <a:pPr lvl="2"/>
+            <a:r>
+              <a:rPr lang="en-US"/>
+              <a:t>Third level</a:t>
+            </a:r>
+          </a:p>
+          <a:p>
+            <a:pPr lvl="3"/>
+            <a:r>
+              <a:rPr lang="en-US"/>
+              <a:t>Fourth level</a:t>
+            </a:r>
+          </a:p>
+          <a:p>
+            <a:pPr lvl="4"/>
+            <a:r>
+              <a:rPr lang="en-US"/>
+              <a:t>Fifth level</a:t>
+            </a:r>
+            <a:endParaRPr lang="da-DK"/>
+          </a:p>
+        </p:txBody>
+      </p:sp>
+      <p:sp>
+        <p:nvSpPr>
+          <p:cNvPr id="5" name="Date Placeholder 4"/>
+          <p:cNvSpPr>
+            <a:spLocks noGrp="1"/>
+          </p:cNvSpPr>
+          <p:nvPr>
+            <p:ph type="dt" sz="half" idx="10"/>
+          </p:nvPr>
+        </p:nvSpPr>
+        <p:spPr>
+          <a:xfrm>
+            <a:off x="457200" y="6356350"/>
+            <a:ext cx="2133600" cy="365125"/>
+          </a:xfrm>
+        </p:spPr>
+        <p:txBody>
+          <a:bodyPr/>
+          <a:lstStyle>
+            <a:lvl1pPr>
+              <a:defRPr/>
+            </a:lvl1pPr>
+          </a:lstStyle>
+          <a:p>
+            <a:pPr>
+              <a:defRPr/>
+            </a:pPr>
+            <a:fld id="{091D5921-CC2A-4C18-BF1F-24319BCD3062}" type="datetimeFigureOut">
+              <a:rPr lang="da-DK"/>
+              <a:pPr>
+                <a:defRPr/>
+              </a:pPr>
+              <a:t>10-02-2011</a:t>
+            </a:fld>
+            <a:endParaRPr lang="da-DK"/>
+          </a:p>
+        </p:txBody>
+      </p:sp>
+      <p:sp>
+        <p:nvSpPr>
+          <p:cNvPr id="6" name="Footer Placeholder 5"/>
+          <p:cNvSpPr>
+            <a:spLocks noGrp="1"/>
+          </p:cNvSpPr>
+          <p:nvPr>
+            <p:ph type="ftr" sz="quarter" idx="11"/>
+          </p:nvPr>
+        </p:nvSpPr>
+        <p:spPr>
+          <a:xfrm>
+            <a:off x="3124200" y="6356350"/>
+            <a:ext cx="2895600" cy="365125"/>
+          </a:xfrm>
+        </p:spPr>
+        <p:txBody>
+          <a:bodyPr/>
+          <a:lstStyle>
+            <a:lvl1pPr>
+              <a:defRPr/>
+            </a:lvl1pPr>
+          </a:lstStyle>
+          <a:p>
+            <a:pPr>
+              <a:defRPr/>
+            </a:pPr>
+            <a:endParaRPr lang="da-DK"/>
+          </a:p>
+        </p:txBody>
+      </p:sp>
+      <p:sp>
+        <p:nvSpPr>
+          <p:cNvPr id="7" name="Slide Number Placeholder 6"/>
+          <p:cNvSpPr>
+            <a:spLocks noGrp="1"/>
+          </p:cNvSpPr>
+          <p:nvPr>
+            <p:ph type="sldNum" sz="quarter" idx="12"/>
+          </p:nvPr>
+        </p:nvSpPr>
+        <p:spPr>
+          <a:xfrm>
+            <a:off x="6553200" y="6356350"/>
+            <a:ext cx="2133600" cy="365125"/>
+          </a:xfrm>
+        </p:spPr>
+        <p:txBody>
+          <a:bodyPr/>
+          <a:lstStyle>
+            <a:lvl1pPr>
+              <a:defRPr/>
+            </a:lvl1pPr>
+          </a:lstStyle>
+          <a:p>
+            <a:pPr>
+              <a:defRPr/>
+            </a:pPr>
+            <a:fld id="{C591659B-80D1-485F-8A4C-336D270947E1}" type="slidenum">
+              <a:rPr lang="da-DK"/>
+              <a:pPr>
+                <a:defRPr/>
+              </a:pPr>
+              <a:t>‹#›</a:t>
+            </a:fld>
+            <a:endParaRPr lang="da-DK"/>
+          </a:p>
+        </p:txBody>
+      </p:sp>
+    </p:spTree>
+  </p:cSld>
+  <p:clrMapOvr>
+    <a:masterClrMapping/>
+  </p:clrMapOvr>
+</p:sldLayout>
+</file>
+
+<file path=ppt/slideLayouts/slideLayout14.xml><?xml version="1.0" encoding="utf-8"?>
+<p:sldLayout xmlns:a="http://schemas.openxmlformats.org/drawingml/2006/main" xmlns:r="http://schemas.openxmlformats.org/officeDocument/2006/relationships" xmlns:p="http://schemas.openxmlformats.org/presentationml/2006/main" type="objOnly" preserve="1">
+  <p:cSld name="Content">
+    <p:spTree>
+      <p:nvGrpSpPr>
+        <p:cNvPr id="1" name=""/>
+        <p:cNvGrpSpPr/>
+        <p:nvPr/>
+      </p:nvGrpSpPr>
+      <p:grpSpPr>
+        <a:xfrm>
+          <a:off x="0" y="0"/>
+          <a:ext cx="0" cy="0"/>
+          <a:chOff x="0" y="0"/>
+          <a:chExt cx="0" cy="0"/>
+        </a:xfrm>
+      </p:grpSpPr>
+      <p:sp>
+        <p:nvSpPr>
+          <p:cNvPr id="2" name="Content Placeholder 1"/>
+          <p:cNvSpPr>
+            <a:spLocks noGrp="1"/>
+          </p:cNvSpPr>
+          <p:nvPr>
+            <p:ph/>
+          </p:nvPr>
+        </p:nvSpPr>
+        <p:spPr>
+          <a:xfrm>
+            <a:off x="457200" y="274638"/>
+            <a:ext cx="8229600" cy="5851525"/>
+          </a:xfrm>
+        </p:spPr>
+        <p:txBody>
+          <a:bodyPr/>
+          <a:lstStyle/>
+          <a:p>
+            <a:pPr lvl="0"/>
+            <a:r>
+              <a:rPr lang="en-US"/>
+              <a:t>Click to edit Master text styles</a:t>
+            </a:r>
+          </a:p>
+          <a:p>
+            <a:pPr lvl="1"/>
+            <a:r>
+              <a:rPr lang="en-US"/>
+              <a:t>Second level</a:t>
+            </a:r>
+          </a:p>
+          <a:p>
+            <a:pPr lvl="2"/>
+            <a:r>
+              <a:rPr lang="en-US"/>
+              <a:t>Third level</a:t>
+            </a:r>
+          </a:p>
+          <a:p>
+            <a:pPr lvl="3"/>
+            <a:r>
+              <a:rPr lang="en-US"/>
+              <a:t>Fourth level</a:t>
+            </a:r>
+          </a:p>
+          <a:p>
+            <a:pPr lvl="4"/>
+            <a:r>
+              <a:rPr lang="en-US"/>
+              <a:t>Fifth level</a:t>
+            </a:r>
+            <a:endParaRPr lang="da-DK"/>
+          </a:p>
+        </p:txBody>
+      </p:sp>
+      <p:sp>
+        <p:nvSpPr>
+          <p:cNvPr id="3" name="Date Placeholder 2"/>
+          <p:cNvSpPr>
+            <a:spLocks noGrp="1"/>
+          </p:cNvSpPr>
+          <p:nvPr>
+            <p:ph type="dt" sz="half" idx="10"/>
+          </p:nvPr>
+        </p:nvSpPr>
+        <p:spPr>
+          <a:xfrm>
+            <a:off x="457200" y="6356350"/>
+            <a:ext cx="2133600" cy="365125"/>
+          </a:xfrm>
+        </p:spPr>
+        <p:txBody>
+          <a:bodyPr/>
+          <a:lstStyle>
+            <a:lvl1pPr>
+              <a:defRPr/>
+            </a:lvl1pPr>
+          </a:lstStyle>
+          <a:p>
+            <a:pPr>
+              <a:defRPr/>
+            </a:pPr>
+            <a:fld id="{A00C734B-6FE6-45C2-8689-3A5FDB48A282}" type="datetimeFigureOut">
+              <a:rPr lang="da-DK"/>
+              <a:pPr>
+                <a:defRPr/>
+              </a:pPr>
+              <a:t>10-02-2011</a:t>
+            </a:fld>
+            <a:endParaRPr lang="da-DK"/>
+          </a:p>
+        </p:txBody>
+      </p:sp>
+      <p:sp>
+        <p:nvSpPr>
+          <p:cNvPr id="4" name="Footer Placeholder 3"/>
+          <p:cNvSpPr>
+            <a:spLocks noGrp="1"/>
+          </p:cNvSpPr>
+          <p:nvPr>
+            <p:ph type="ftr" sz="quarter" idx="11"/>
+          </p:nvPr>
+        </p:nvSpPr>
+        <p:spPr>
+          <a:xfrm>
+            <a:off x="3124200" y="6356350"/>
+            <a:ext cx="2895600" cy="365125"/>
+          </a:xfrm>
+        </p:spPr>
+        <p:txBody>
+          <a:bodyPr/>
+          <a:lstStyle>
+            <a:lvl1pPr>
+              <a:defRPr/>
+            </a:lvl1pPr>
+          </a:lstStyle>
+          <a:p>
+            <a:pPr>
+              <a:defRPr/>
+            </a:pPr>
+            <a:endParaRPr lang="da-DK"/>
+          </a:p>
+        </p:txBody>
+      </p:sp>
+      <p:sp>
+        <p:nvSpPr>
+          <p:cNvPr id="5" name="Slide Number Placeholder 4"/>
+          <p:cNvSpPr>
+            <a:spLocks noGrp="1"/>
+          </p:cNvSpPr>
+          <p:nvPr>
+            <p:ph type="sldNum" sz="quarter" idx="12"/>
+          </p:nvPr>
+        </p:nvSpPr>
+        <p:spPr>
+          <a:xfrm>
+            <a:off x="6553200" y="6356350"/>
+            <a:ext cx="2133600" cy="365125"/>
+          </a:xfrm>
+        </p:spPr>
+        <p:txBody>
+          <a:bodyPr/>
+          <a:lstStyle>
+            <a:lvl1pPr>
+              <a:defRPr/>
+            </a:lvl1pPr>
+          </a:lstStyle>
+          <a:p>
+            <a:pPr>
+              <a:defRPr/>
+            </a:pPr>
+            <a:fld id="{D5EDC695-4B4C-452F-B459-FAEF82DAF0CD}" type="slidenum">
+              <a:rPr lang="da-DK"/>
+              <a:pPr>
+                <a:defRPr/>
+              </a:pPr>
+              <a:t>‹#›</a:t>
             </a:fld>
             <a:endParaRPr lang="da-DK"/>
           </a:p>
@@ -919,7 +1720,7 @@
             <a:pPr>
               <a:defRPr/>
             </a:pPr>
-            <a:fld id="{9CC47B57-EAFE-4DF6-95AD-361A52F4AEA6}" type="datetimeFigureOut">
+            <a:fld id="{81878995-614D-4BFD-8BB6-E39D14912A44}" type="datetimeFigureOut">
               <a:rPr lang="da-DK"/>
               <a:pPr>
                 <a:defRPr/>
@@ -978,12 +1779,12 @@
             <a:pPr>
               <a:defRPr/>
             </a:pPr>
-            <a:fld id="{53B86381-8940-4191-9CA1-7087E1169B30}" type="slidenum">
+            <a:fld id="{1C1F49BF-4C66-4C2E-A93F-CA819985C369}" type="slidenum">
               <a:rPr lang="da-DK"/>
               <a:pPr>
                 <a:defRPr/>
               </a:pPr>
-              <a:t>‹nr.›</a:t>
+              <a:t>‹#›</a:t>
             </a:fld>
             <a:endParaRPr lang="da-DK"/>
           </a:p>
@@ -1187,7 +1988,7 @@
             <a:pPr>
               <a:defRPr/>
             </a:pPr>
-            <a:fld id="{38D8FB97-640A-4292-997D-31CB0F7B4B9B}" type="datetimeFigureOut">
+            <a:fld id="{95E10A75-C298-4F95-B9A6-19BA5046E4D0}" type="datetimeFigureOut">
               <a:rPr lang="da-DK"/>
               <a:pPr>
                 <a:defRPr/>
@@ -1246,12 +2047,12 @@
             <a:pPr>
               <a:defRPr/>
             </a:pPr>
-            <a:fld id="{850A572A-68D0-456F-BF22-93E7F7166529}" type="slidenum">
+            <a:fld id="{A5C81236-0ED5-4BCF-BAC1-1DC3C721B385}" type="slidenum">
               <a:rPr lang="da-DK"/>
               <a:pPr>
                 <a:defRPr/>
               </a:pPr>
-              <a:t>‹nr.›</a:t>
+              <a:t>‹#›</a:t>
             </a:fld>
             <a:endParaRPr lang="da-DK"/>
           </a:p>
@@ -1497,7 +2298,7 @@
             <a:pPr>
               <a:defRPr/>
             </a:pPr>
-            <a:fld id="{C528328B-D0A3-4E6D-8FD4-261C20DA6478}" type="datetimeFigureOut">
+            <a:fld id="{F600574A-C61A-40A9-9E21-6B92FA13CD59}" type="datetimeFigureOut">
               <a:rPr lang="da-DK"/>
               <a:pPr>
                 <a:defRPr/>
@@ -1556,12 +2357,12 @@
             <a:pPr>
               <a:defRPr/>
             </a:pPr>
-            <a:fld id="{FF7EB3E7-AD5D-4BC2-AE5F-286EC991C6C4}" type="slidenum">
+            <a:fld id="{84C21144-7751-4995-B359-90D4F2131C71}" type="slidenum">
               <a:rPr lang="da-DK"/>
               <a:pPr>
                 <a:defRPr/>
               </a:pPr>
-              <a:t>‹nr.›</a:t>
+              <a:t>‹#›</a:t>
             </a:fld>
             <a:endParaRPr lang="da-DK"/>
           </a:p>
@@ -1941,7 +2742,7 @@
             <a:pPr>
               <a:defRPr/>
             </a:pPr>
-            <a:fld id="{FA89D207-DB3C-474E-A920-F4C2D31679FE}" type="datetimeFigureOut">
+            <a:fld id="{1D31058D-65F7-4E45-AA4E-09E6EBEA1609}" type="datetimeFigureOut">
               <a:rPr lang="da-DK"/>
               <a:pPr>
                 <a:defRPr/>
@@ -2000,12 +2801,12 @@
             <a:pPr>
               <a:defRPr/>
             </a:pPr>
-            <a:fld id="{BB7AB08F-CE14-475B-9BF1-E2F2AA758F1F}" type="slidenum">
+            <a:fld id="{9F00F99B-662C-4575-9B2D-D4E19B353EE3}" type="slidenum">
               <a:rPr lang="da-DK"/>
               <a:pPr>
                 <a:defRPr/>
               </a:pPr>
-              <a:t>‹nr.›</a:t>
+              <a:t>‹#›</a:t>
             </a:fld>
             <a:endParaRPr lang="da-DK"/>
           </a:p>
@@ -2081,7 +2882,7 @@
             <a:pPr>
               <a:defRPr/>
             </a:pPr>
-            <a:fld id="{B94CF97B-CDCD-42D8-BD6B-29F0181A3B52}" type="datetimeFigureOut">
+            <a:fld id="{C839B1E6-B46A-4F43-829B-4CB302F47B9D}" type="datetimeFigureOut">
               <a:rPr lang="da-DK"/>
               <a:pPr>
                 <a:defRPr/>
@@ -2140,12 +2941,12 @@
             <a:pPr>
               <a:defRPr/>
             </a:pPr>
-            <a:fld id="{2FE58EFE-F09F-4EC9-BCD1-ED63E1510827}" type="slidenum">
+            <a:fld id="{F7040FCF-9AAB-4B08-95A7-AECB8EAF711C}" type="slidenum">
               <a:rPr lang="da-DK"/>
               <a:pPr>
                 <a:defRPr/>
               </a:pPr>
-              <a:t>‹nr.›</a:t>
+              <a:t>‹#›</a:t>
             </a:fld>
             <a:endParaRPr lang="da-DK"/>
           </a:p>
@@ -2198,7 +2999,7 @@
             <a:pPr>
               <a:defRPr/>
             </a:pPr>
-            <a:fld id="{0CB1178D-3285-46FF-BA0E-2E5AE5529C57}" type="datetimeFigureOut">
+            <a:fld id="{BF50DBDC-0F39-4857-BC78-77CC95D480F8}" type="datetimeFigureOut">
               <a:rPr lang="da-DK"/>
               <a:pPr>
                 <a:defRPr/>
@@ -2257,12 +3058,12 @@
             <a:pPr>
               <a:defRPr/>
             </a:pPr>
-            <a:fld id="{67A6C3AC-F2B4-4577-B157-1292CFFA785A}" type="slidenum">
+            <a:fld id="{704A7813-0732-4CDF-AB19-C6B70047F5E2}" type="slidenum">
               <a:rPr lang="da-DK"/>
               <a:pPr>
                 <a:defRPr/>
               </a:pPr>
-              <a:t>‹nr.›</a:t>
+              <a:t>‹#›</a:t>
             </a:fld>
             <a:endParaRPr lang="da-DK"/>
           </a:p>
@@ -2497,7 +3298,7 @@
             <a:pPr>
               <a:defRPr/>
             </a:pPr>
-            <a:fld id="{E5D776D4-CD44-45FD-8537-3FCFF1692C47}" type="datetimeFigureOut">
+            <a:fld id="{CDA4858A-AE2A-4D1F-80B8-252E34510FD4}" type="datetimeFigureOut">
               <a:rPr lang="da-DK"/>
               <a:pPr>
                 <a:defRPr/>
@@ -2556,12 +3357,12 @@
             <a:pPr>
               <a:defRPr/>
             </a:pPr>
-            <a:fld id="{0E473375-91D6-4D36-ACA8-2E60C73940F5}" type="slidenum">
+            <a:fld id="{8D861E1E-C1C4-4370-B90D-EFA7C006FFCF}" type="slidenum">
               <a:rPr lang="da-DK"/>
               <a:pPr>
                 <a:defRPr/>
               </a:pPr>
-              <a:t>‹nr.›</a:t>
+              <a:t>‹#›</a:t>
             </a:fld>
             <a:endParaRPr lang="da-DK"/>
           </a:p>
@@ -2775,7 +3576,7 @@
             <a:pPr>
               <a:defRPr/>
             </a:pPr>
-            <a:fld id="{1A41D533-3428-4077-86A2-7020B1444B88}" type="datetimeFigureOut">
+            <a:fld id="{2696D564-FC26-4767-A6E4-765B30B6ED7E}" type="datetimeFigureOut">
               <a:rPr lang="da-DK"/>
               <a:pPr>
                 <a:defRPr/>
@@ -2834,12 +3635,12 @@
             <a:pPr>
               <a:defRPr/>
             </a:pPr>
-            <a:fld id="{B7B4CCE9-AFF0-42FC-AECE-2A446F8351C9}" type="slidenum">
+            <a:fld id="{53A634B5-BA62-4648-A9AA-1482682262AC}" type="slidenum">
               <a:rPr lang="da-DK"/>
               <a:pPr>
                 <a:defRPr/>
               </a:pPr>
-              <a:t>‹nr.›</a:t>
+              <a:t>‹#›</a:t>
             </a:fld>
             <a:endParaRPr lang="da-DK"/>
           </a:p>
@@ -3016,7 +3817,7 @@
               <a:spcAft>
                 <a:spcPts val="0"/>
               </a:spcAft>
-              <a:defRPr sz="1200" smtClean="0">
+              <a:defRPr sz="1200">
                 <a:solidFill>
                   <a:schemeClr val="tx1">
                     <a:tint val="75000"/>
@@ -3030,7 +3831,7 @@
             <a:pPr>
               <a:defRPr/>
             </a:pPr>
-            <a:fld id="{39639B59-432E-43E7-8A8E-71A45C2709BA}" type="datetimeFigureOut">
+            <a:fld id="{684D89FD-24A5-4CBB-B00D-EF970FE51FAF}" type="datetimeFigureOut">
               <a:rPr lang="da-DK"/>
               <a:pPr>
                 <a:defRPr/>
@@ -3117,7 +3918,7 @@
               <a:spcAft>
                 <a:spcPts val="0"/>
               </a:spcAft>
-              <a:defRPr sz="1200" smtClean="0">
+              <a:defRPr sz="1200">
                 <a:solidFill>
                   <a:schemeClr val="tx1">
                     <a:tint val="75000"/>
@@ -3131,12 +3932,12 @@
             <a:pPr>
               <a:defRPr/>
             </a:pPr>
-            <a:fld id="{6C699B2C-6551-43EA-98AA-14E64BF33989}" type="slidenum">
+            <a:fld id="{C1667EAC-3530-410F-A933-493376770715}" type="slidenum">
               <a:rPr lang="da-DK"/>
               <a:pPr>
                 <a:defRPr/>
               </a:pPr>
-              <a:t>‹nr.›</a:t>
+              <a:t>‹#›</a:t>
             </a:fld>
             <a:endParaRPr lang="da-DK"/>
           </a:p>
@@ -3157,10 +3958,13 @@
     <p:sldLayoutId id="2147483657" r:id="rId9"/>
     <p:sldLayoutId id="2147483658" r:id="rId10"/>
     <p:sldLayoutId id="2147483659" r:id="rId11"/>
+    <p:sldLayoutId id="2147483660" r:id="rId12"/>
+    <p:sldLayoutId id="2147483661" r:id="rId13"/>
+    <p:sldLayoutId id="2147483662" r:id="rId14"/>
   </p:sldLayoutIdLst>
   <p:txStyles>
     <p:titleStyle>
-      <a:lvl1pPr algn="ctr" rtl="0" fontAlgn="base">
+      <a:lvl1pPr algn="ctr" rtl="0" eaLnBrk="0" fontAlgn="base" hangingPunct="0">
         <a:spcBef>
           <a:spcPct val="0"/>
         </a:spcBef>
@@ -3176,7 +3980,7 @@
           <a:cs typeface="+mj-cs"/>
         </a:defRPr>
       </a:lvl1pPr>
-      <a:lvl2pPr algn="ctr" rtl="0" fontAlgn="base">
+      <a:lvl2pPr algn="ctr" rtl="0" eaLnBrk="0" fontAlgn="base" hangingPunct="0">
         <a:spcBef>
           <a:spcPct val="0"/>
         </a:spcBef>
@@ -3190,7 +3994,7 @@
           <a:latin typeface="Calibri" pitchFamily="34" charset="0"/>
         </a:defRPr>
       </a:lvl2pPr>
-      <a:lvl3pPr algn="ctr" rtl="0" fontAlgn="base">
+      <a:lvl3pPr algn="ctr" rtl="0" eaLnBrk="0" fontAlgn="base" hangingPunct="0">
         <a:spcBef>
           <a:spcPct val="0"/>
         </a:spcBef>
@@ -3204,7 +4008,7 @@
           <a:latin typeface="Calibri" pitchFamily="34" charset="0"/>
         </a:defRPr>
       </a:lvl3pPr>
-      <a:lvl4pPr algn="ctr" rtl="0" fontAlgn="base">
+      <a:lvl4pPr algn="ctr" rtl="0" eaLnBrk="0" fontAlgn="base" hangingPunct="0">
         <a:spcBef>
           <a:spcPct val="0"/>
         </a:spcBef>
@@ -3218,7 +4022,7 @@
           <a:latin typeface="Calibri" pitchFamily="34" charset="0"/>
         </a:defRPr>
       </a:lvl4pPr>
-      <a:lvl5pPr algn="ctr" rtl="0" fontAlgn="base">
+      <a:lvl5pPr algn="ctr" rtl="0" eaLnBrk="0" fontAlgn="base" hangingPunct="0">
         <a:spcBef>
           <a:spcPct val="0"/>
         </a:spcBef>
@@ -3290,7 +4094,7 @@
       </a:lvl9pPr>
     </p:titleStyle>
     <p:bodyStyle>
-      <a:lvl1pPr marL="342900" indent="-342900" algn="l" rtl="0" fontAlgn="base">
+      <a:lvl1pPr marL="342900" indent="-342900" algn="l" rtl="0" eaLnBrk="0" fontAlgn="base" hangingPunct="0">
         <a:spcBef>
           <a:spcPct val="20000"/>
         </a:spcBef>
@@ -3308,7 +4112,7 @@
           <a:cs typeface="+mn-cs"/>
         </a:defRPr>
       </a:lvl1pPr>
-      <a:lvl2pPr marL="742950" indent="-285750" algn="l" rtl="0" fontAlgn="base">
+      <a:lvl2pPr marL="742950" indent="-285750" algn="l" rtl="0" eaLnBrk="0" fontAlgn="base" hangingPunct="0">
         <a:spcBef>
           <a:spcPct val="20000"/>
         </a:spcBef>
@@ -3326,7 +4130,7 @@
           <a:cs typeface="+mn-cs"/>
         </a:defRPr>
       </a:lvl2pPr>
-      <a:lvl3pPr marL="1143000" indent="-228600" algn="l" rtl="0" fontAlgn="base">
+      <a:lvl3pPr marL="1143000" indent="-228600" algn="l" rtl="0" eaLnBrk="0" fontAlgn="base" hangingPunct="0">
         <a:spcBef>
           <a:spcPct val="20000"/>
         </a:spcBef>
@@ -3344,7 +4148,7 @@
           <a:cs typeface="+mn-cs"/>
         </a:defRPr>
       </a:lvl3pPr>
-      <a:lvl4pPr marL="1600200" indent="-228600" algn="l" rtl="0" fontAlgn="base">
+      <a:lvl4pPr marL="1600200" indent="-228600" algn="l" rtl="0" eaLnBrk="0" fontAlgn="base" hangingPunct="0">
         <a:spcBef>
           <a:spcPct val="20000"/>
         </a:spcBef>
@@ -3362,7 +4166,7 @@
           <a:cs typeface="+mn-cs"/>
         </a:defRPr>
       </a:lvl4pPr>
-      <a:lvl5pPr marL="2057400" indent="-228600" algn="l" rtl="0" fontAlgn="base">
+      <a:lvl5pPr marL="2057400" indent="-228600" algn="l" rtl="0" eaLnBrk="0" fontAlgn="base" hangingPunct="0">
         <a:spcBef>
           <a:spcPct val="20000"/>
         </a:spcBef>
@@ -3572,6 +4376,7 @@
           <a:bodyPr/>
           <a:lstStyle/>
           <a:p>
+            <a:pPr eaLnBrk="1" hangingPunct="1"/>
             <a:r>
               <a:rPr lang="da-DK" smtClean="0"/>
               <a:t>Emergency call button</a:t>
@@ -3596,7 +4401,7 @@
           </a:bodyPr>
           <a:lstStyle/>
           <a:p>
-            <a:pPr fontAlgn="auto">
+            <a:pPr eaLnBrk="1" fontAlgn="auto" hangingPunct="1">
               <a:spcAft>
                 <a:spcPts val="0"/>
               </a:spcAft>
@@ -3651,6 +4456,7 @@
           <a:bodyPr/>
           <a:lstStyle/>
           <a:p>
+            <a:pPr eaLnBrk="1" hangingPunct="1"/>
             <a:r>
               <a:rPr lang="da-DK" smtClean="0"/>
               <a:t>Læringsmålet</a:t>
@@ -3673,84 +4479,44 @@
           <a:bodyPr/>
           <a:lstStyle/>
           <a:p>
-            <a:r>
-              <a:rPr lang="da-DK" dirty="0" smtClean="0"/>
+            <a:pPr eaLnBrk="1" hangingPunct="1"/>
+            <a:r>
+              <a:rPr lang="da-DK" smtClean="0"/>
               <a:t>Forundersøgelse (SRS, </a:t>
             </a:r>
             <a:r>
-              <a:rPr lang="da-DK" i="1" dirty="0" smtClean="0"/>
+              <a:rPr lang="da-DK" i="1" smtClean="0"/>
               <a:t>DDD</a:t>
             </a:r>
             <a:r>
-              <a:rPr lang="da-DK" dirty="0" smtClean="0"/>
+              <a:rPr lang="da-DK" smtClean="0"/>
               <a:t>)</a:t>
             </a:r>
           </a:p>
           <a:p>
-            <a:r>
-              <a:rPr lang="da-DK" dirty="0" err="1" smtClean="0"/>
-              <a:t>Risk</a:t>
-            </a:r>
-            <a:r>
-              <a:rPr lang="da-DK" dirty="0" smtClean="0"/>
-              <a:t> </a:t>
-            </a:r>
-            <a:r>
-              <a:rPr lang="da-DK" dirty="0" err="1" smtClean="0"/>
-              <a:t>level</a:t>
-            </a:r>
-            <a:r>
-              <a:rPr lang="da-DK" dirty="0" smtClean="0"/>
-              <a:t> management</a:t>
-            </a:r>
-          </a:p>
-          <a:p>
-            <a:r>
-              <a:rPr lang="da-DK" dirty="0" err="1" smtClean="0"/>
-              <a:t>Synthesis</a:t>
-            </a:r>
-            <a:r>
-              <a:rPr lang="da-DK" dirty="0" smtClean="0"/>
-              <a:t> </a:t>
-            </a:r>
-            <a:r>
-              <a:rPr lang="da-DK" dirty="0" err="1" smtClean="0"/>
-              <a:t>SysML/UML</a:t>
-            </a:r>
-            <a:r>
-              <a:rPr lang="da-DK" dirty="0" smtClean="0"/>
-              <a:t> til </a:t>
-            </a:r>
-            <a:r>
-              <a:rPr lang="da-DK" dirty="0" err="1" smtClean="0"/>
-              <a:t>SystemC</a:t>
-            </a:r>
-            <a:r>
-              <a:rPr lang="da-DK" dirty="0" smtClean="0"/>
-              <a:t> simulation</a:t>
-            </a:r>
-          </a:p>
-          <a:p>
-            <a:r>
-              <a:rPr lang="da-DK" dirty="0" smtClean="0"/>
-              <a:t>Mest optimal </a:t>
-            </a:r>
-            <a:r>
-              <a:rPr lang="da-DK" dirty="0" err="1" smtClean="0"/>
-              <a:t>mapning</a:t>
-            </a:r>
-            <a:r>
-              <a:rPr lang="da-DK" dirty="0" smtClean="0"/>
-              <a:t> i forhold til </a:t>
-            </a:r>
-            <a:r>
-              <a:rPr lang="da-DK" dirty="0" err="1" smtClean="0"/>
-              <a:t>metric</a:t>
-            </a:r>
-            <a:endParaRPr lang="da-DK" dirty="0" smtClean="0"/>
-          </a:p>
-          <a:p>
-            <a:endParaRPr lang="da-DK" dirty="0" smtClean="0"/>
+            <a:pPr eaLnBrk="1" hangingPunct="1"/>
+            <a:r>
+              <a:rPr lang="da-DK" smtClean="0"/>
+              <a:t>Risk level management</a:t>
+            </a:r>
+          </a:p>
+          <a:p>
+            <a:pPr eaLnBrk="1" hangingPunct="1"/>
+            <a:r>
+              <a:rPr lang="da-DK" smtClean="0"/>
+              <a:t>Synthesis SysML/UML til SystemC simulation</a:t>
+            </a:r>
+          </a:p>
+          <a:p>
+            <a:pPr eaLnBrk="1" hangingPunct="1"/>
+            <a:r>
+              <a:rPr lang="da-DK" smtClean="0"/>
+              <a:t>Mest optimal mapning i forhold til metric</a:t>
+            </a:r>
+          </a:p>
+          <a:p>
+            <a:pPr eaLnBrk="1" hangingPunct="1"/>
+            <a:endParaRPr lang="da-DK" smtClean="0"/>
           </a:p>
         </p:txBody>
       </p:sp>
@@ -3794,6 +4560,7 @@
           <a:bodyPr/>
           <a:lstStyle/>
           <a:p>
+            <a:pPr eaLnBrk="1" hangingPunct="1"/>
             <a:r>
               <a:rPr lang="da-DK" smtClean="0"/>
               <a:t>Status</a:t>
@@ -3816,22 +4583,571 @@
           <a:bodyPr/>
           <a:lstStyle/>
           <a:p>
+            <a:pPr eaLnBrk="1" hangingPunct="1"/>
             <a:r>
               <a:rPr lang="da-DK" smtClean="0"/>
               <a:t>Krav færdige (se use-case diagram på næste slide)</a:t>
             </a:r>
           </a:p>
           <a:p>
+            <a:pPr eaLnBrk="1" hangingPunct="1"/>
             <a:r>
               <a:rPr lang="da-DK" smtClean="0"/>
               <a:t>Arkitektur design undervejs (se diagrammer på efterfølgende slides)</a:t>
             </a:r>
           </a:p>
           <a:p>
+            <a:pPr eaLnBrk="1" hangingPunct="1"/>
             <a:endParaRPr lang="da-DK" smtClean="0"/>
           </a:p>
         </p:txBody>
       </p:sp>
+    </p:spTree>
+  </p:cSld>
+  <p:clrMapOvr>
+    <a:masterClrMapping/>
+  </p:clrMapOvr>
+</p:sld>
+</file>
+
+<file path=ppt/slides/slide12.xml><?xml version="1.0" encoding="utf-8"?>
+<p:sld xmlns:a="http://schemas.openxmlformats.org/drawingml/2006/main" xmlns:r="http://schemas.openxmlformats.org/officeDocument/2006/relationships" xmlns:p="http://schemas.openxmlformats.org/presentationml/2006/main">
+  <p:cSld>
+    <p:spTree>
+      <p:nvGrpSpPr>
+        <p:cNvPr id="1" name=""/>
+        <p:cNvGrpSpPr/>
+        <p:nvPr/>
+      </p:nvGrpSpPr>
+      <p:grpSpPr>
+        <a:xfrm>
+          <a:off x="0" y="0"/>
+          <a:ext cx="0" cy="0"/>
+          <a:chOff x="0" y="0"/>
+          <a:chExt cx="0" cy="0"/>
+        </a:xfrm>
+      </p:grpSpPr>
+      <p:sp>
+        <p:nvSpPr>
+          <p:cNvPr id="25602" name="Rectangle 2"/>
+          <p:cNvSpPr>
+            <a:spLocks noGrp="1"/>
+          </p:cNvSpPr>
+          <p:nvPr>
+            <p:ph type="title"/>
+          </p:nvPr>
+        </p:nvSpPr>
+        <p:spPr/>
+        <p:txBody>
+          <a:bodyPr/>
+          <a:lstStyle/>
+          <a:p>
+            <a:r>
+              <a:rPr lang="da-DK" sz="4000" smtClean="0"/>
+              <a:t>System Engineering metode</a:t>
+            </a:r>
+            <a:br>
+              <a:rPr lang="da-DK" sz="4000" smtClean="0"/>
+            </a:br>
+            <a:r>
+              <a:rPr lang="da-DK" sz="4000" smtClean="0"/>
+              <a:t>INCOSE</a:t>
+            </a:r>
+          </a:p>
+        </p:txBody>
+      </p:sp>
+      <p:sp>
+        <p:nvSpPr>
+          <p:cNvPr id="25603" name="Rectangle 3"/>
+          <p:cNvSpPr>
+            <a:spLocks noGrp="1"/>
+          </p:cNvSpPr>
+          <p:nvPr>
+            <p:ph type="body" sz="half" idx="1"/>
+          </p:nvPr>
+        </p:nvSpPr>
+        <p:spPr>
+          <a:xfrm>
+            <a:off x="457200" y="1600200"/>
+            <a:ext cx="3035300" cy="533400"/>
+          </a:xfrm>
+        </p:spPr>
+        <p:txBody>
+          <a:bodyPr/>
+          <a:lstStyle/>
+          <a:p>
+            <a:r>
+              <a:rPr lang="en-US" sz="2800" smtClean="0"/>
+              <a:t>Context Diagram</a:t>
+            </a:r>
+          </a:p>
+        </p:txBody>
+      </p:sp>
+      <p:graphicFrame>
+        <p:nvGraphicFramePr>
+          <p:cNvPr id="25604" name="Object 4"/>
+          <p:cNvGraphicFramePr>
+            <a:graphicFrameLocks noChangeAspect="1"/>
+          </p:cNvGraphicFramePr>
+          <p:nvPr>
+            <p:ph sz="quarter" idx="2"/>
+          </p:nvPr>
+        </p:nvGraphicFramePr>
+        <p:xfrm>
+          <a:off x="2865438" y="1628775"/>
+          <a:ext cx="4587875" cy="4752975"/>
+        </p:xfrm>
+        <a:graphic>
+          <a:graphicData uri="http://schemas.openxmlformats.org/presentationml/2006/ole">
+            <p:oleObj spid="_x0000_s25604" name="Visio" r:id="rId3" imgW="5401242" imgH="4580476" progId="Visio.Drawing.11">
+              <p:embed/>
+            </p:oleObj>
+          </a:graphicData>
+        </a:graphic>
+      </p:graphicFrame>
+    </p:spTree>
+  </p:cSld>
+  <p:clrMapOvr>
+    <a:masterClrMapping/>
+  </p:clrMapOvr>
+</p:sld>
+</file>
+
+<file path=ppt/slides/slide13.xml><?xml version="1.0" encoding="utf-8"?>
+<p:sld xmlns:a="http://schemas.openxmlformats.org/drawingml/2006/main" xmlns:r="http://schemas.openxmlformats.org/officeDocument/2006/relationships" xmlns:p="http://schemas.openxmlformats.org/presentationml/2006/main">
+  <p:cSld>
+    <p:spTree>
+      <p:nvGrpSpPr>
+        <p:cNvPr id="1" name=""/>
+        <p:cNvGrpSpPr/>
+        <p:nvPr/>
+      </p:nvGrpSpPr>
+      <p:grpSpPr>
+        <a:xfrm>
+          <a:off x="0" y="0"/>
+          <a:ext cx="0" cy="0"/>
+          <a:chOff x="0" y="0"/>
+          <a:chExt cx="0" cy="0"/>
+        </a:xfrm>
+      </p:grpSpPr>
+      <p:sp>
+        <p:nvSpPr>
+          <p:cNvPr id="29699" name="Rectangle 3"/>
+          <p:cNvSpPr>
+            <a:spLocks noGrp="1"/>
+          </p:cNvSpPr>
+          <p:nvPr>
+            <p:ph type="body" sz="half" idx="1"/>
+          </p:nvPr>
+        </p:nvSpPr>
+        <p:spPr>
+          <a:xfrm>
+            <a:off x="457200" y="692150"/>
+            <a:ext cx="8218488" cy="5434013"/>
+          </a:xfrm>
+        </p:spPr>
+        <p:txBody>
+          <a:bodyPr/>
+          <a:lstStyle/>
+          <a:p>
+            <a:r>
+              <a:rPr lang="en-US" sz="2800" smtClean="0"/>
+              <a:t>Use cases</a:t>
+            </a:r>
+          </a:p>
+          <a:p>
+            <a:r>
+              <a:rPr lang="en-US" sz="2800" smtClean="0"/>
+              <a:t>Sequence diagrams</a:t>
+            </a:r>
+          </a:p>
+          <a:p>
+            <a:pPr>
+              <a:buFont typeface="Arial" charset="0"/>
+              <a:buNone/>
+            </a:pPr>
+            <a:endParaRPr lang="en-US" sz="2800" smtClean="0"/>
+          </a:p>
+          <a:p>
+            <a:pPr>
+              <a:buFont typeface="Arial" charset="0"/>
+              <a:buNone/>
+            </a:pPr>
+            <a:endParaRPr lang="en-US" sz="2800" smtClean="0"/>
+          </a:p>
+          <a:p>
+            <a:pPr>
+              <a:buFont typeface="Arial" charset="0"/>
+              <a:buNone/>
+            </a:pPr>
+            <a:endParaRPr lang="en-US" sz="2800" smtClean="0"/>
+          </a:p>
+          <a:p>
+            <a:pPr>
+              <a:buFont typeface="Arial" charset="0"/>
+              <a:buNone/>
+            </a:pPr>
+            <a:endParaRPr lang="en-US" sz="2800" smtClean="0"/>
+          </a:p>
+          <a:p>
+            <a:pPr>
+              <a:buFont typeface="Arial" charset="0"/>
+              <a:buNone/>
+            </a:pPr>
+            <a:endParaRPr lang="en-US" sz="2800" smtClean="0"/>
+          </a:p>
+          <a:p>
+            <a:pPr>
+              <a:buFont typeface="Arial" charset="0"/>
+              <a:buNone/>
+            </a:pPr>
+            <a:endParaRPr lang="en-US" sz="2800" smtClean="0"/>
+          </a:p>
+          <a:p>
+            <a:r>
+              <a:rPr lang="en-US" sz="2800" smtClean="0"/>
+              <a:t>System Requirement Specification (SRS)</a:t>
+            </a:r>
+          </a:p>
+          <a:p>
+            <a:endParaRPr lang="da-DK" sz="2800" smtClean="0"/>
+          </a:p>
+        </p:txBody>
+      </p:sp>
+      <p:graphicFrame>
+        <p:nvGraphicFramePr>
+          <p:cNvPr id="29700" name="Object 4"/>
+          <p:cNvGraphicFramePr>
+            <a:graphicFrameLocks noChangeAspect="1"/>
+          </p:cNvGraphicFramePr>
+          <p:nvPr>
+            <p:ph sz="half" idx="2"/>
+          </p:nvPr>
+        </p:nvGraphicFramePr>
+        <p:xfrm>
+          <a:off x="827088" y="1801813"/>
+          <a:ext cx="6913562" cy="3082925"/>
+        </p:xfrm>
+        <a:graphic>
+          <a:graphicData uri="http://schemas.openxmlformats.org/presentationml/2006/ole">
+            <p:oleObj spid="_x0000_s29700" name="Visio" r:id="rId3" imgW="7765187" imgH="3466244" progId="Visio.Drawing.11">
+              <p:embed/>
+            </p:oleObj>
+          </a:graphicData>
+        </a:graphic>
+      </p:graphicFrame>
+    </p:spTree>
+  </p:cSld>
+  <p:clrMapOvr>
+    <a:masterClrMapping/>
+  </p:clrMapOvr>
+</p:sld>
+</file>
+
+<file path=ppt/slides/slide14.xml><?xml version="1.0" encoding="utf-8"?>
+<p:sld xmlns:a="http://schemas.openxmlformats.org/drawingml/2006/main" xmlns:r="http://schemas.openxmlformats.org/officeDocument/2006/relationships" xmlns:p="http://schemas.openxmlformats.org/presentationml/2006/main">
+  <p:cSld>
+    <p:spTree>
+      <p:nvGrpSpPr>
+        <p:cNvPr id="1" name=""/>
+        <p:cNvGrpSpPr/>
+        <p:nvPr/>
+      </p:nvGrpSpPr>
+      <p:grpSpPr>
+        <a:xfrm>
+          <a:off x="0" y="0"/>
+          <a:ext cx="0" cy="0"/>
+          <a:chOff x="0" y="0"/>
+          <a:chExt cx="0" cy="0"/>
+        </a:xfrm>
+      </p:grpSpPr>
+      <p:sp>
+        <p:nvSpPr>
+          <p:cNvPr id="24578" name="Rectangle 2"/>
+          <p:cNvSpPr>
+            <a:spLocks noGrp="1"/>
+          </p:cNvSpPr>
+          <p:nvPr>
+            <p:ph type="title"/>
+          </p:nvPr>
+        </p:nvSpPr>
+        <p:spPr/>
+        <p:txBody>
+          <a:bodyPr/>
+          <a:lstStyle/>
+          <a:p>
+            <a:r>
+              <a:rPr lang="da-DK" sz="4000" smtClean="0"/>
+              <a:t>Arkitektural design </a:t>
+            </a:r>
+            <a:br>
+              <a:rPr lang="da-DK" sz="4000" smtClean="0"/>
+            </a:br>
+            <a:r>
+              <a:rPr lang="da-DK" sz="4000" smtClean="0"/>
+              <a:t>(SysML som modelerings værktøj)</a:t>
+            </a:r>
+          </a:p>
+        </p:txBody>
+      </p:sp>
+      <p:sp>
+        <p:nvSpPr>
+          <p:cNvPr id="24579" name="Rectangle 3"/>
+          <p:cNvSpPr>
+            <a:spLocks noGrp="1"/>
+          </p:cNvSpPr>
+          <p:nvPr>
+            <p:ph type="body" sz="half" idx="1"/>
+          </p:nvPr>
+        </p:nvSpPr>
+        <p:spPr/>
+        <p:txBody>
+          <a:bodyPr/>
+          <a:lstStyle/>
+          <a:p>
+            <a:endParaRPr lang="da-DK" sz="2800" smtClean="0"/>
+          </a:p>
+          <a:p>
+            <a:endParaRPr lang="da-DK" sz="2800" smtClean="0"/>
+          </a:p>
+        </p:txBody>
+      </p:sp>
+      <p:graphicFrame>
+        <p:nvGraphicFramePr>
+          <p:cNvPr id="24583" name="Object 7"/>
+          <p:cNvGraphicFramePr>
+            <a:graphicFrameLocks noChangeAspect="1"/>
+          </p:cNvGraphicFramePr>
+          <p:nvPr>
+            <p:ph sz="half" idx="2"/>
+          </p:nvPr>
+        </p:nvGraphicFramePr>
+        <p:xfrm>
+          <a:off x="1619250" y="1844675"/>
+          <a:ext cx="4752975" cy="4489450"/>
+        </p:xfrm>
+        <a:graphic>
+          <a:graphicData uri="http://schemas.openxmlformats.org/presentationml/2006/ole">
+            <p:oleObj spid="_x0000_s24583" name="Visio" r:id="rId3" imgW="3271830" imgH="3091427" progId="Visio.Drawing.11">
+              <p:embed/>
+            </p:oleObj>
+          </a:graphicData>
+        </a:graphic>
+      </p:graphicFrame>
+    </p:spTree>
+  </p:cSld>
+  <p:clrMapOvr>
+    <a:masterClrMapping/>
+  </p:clrMapOvr>
+</p:sld>
+</file>
+
+<file path=ppt/slides/slide15.xml><?xml version="1.0" encoding="utf-8"?>
+<p:sld xmlns:a="http://schemas.openxmlformats.org/drawingml/2006/main" xmlns:r="http://schemas.openxmlformats.org/officeDocument/2006/relationships" xmlns:p="http://schemas.openxmlformats.org/presentationml/2006/main">
+  <p:cSld>
+    <p:spTree>
+      <p:nvGrpSpPr>
+        <p:cNvPr id="1" name=""/>
+        <p:cNvGrpSpPr/>
+        <p:nvPr/>
+      </p:nvGrpSpPr>
+      <p:grpSpPr>
+        <a:xfrm>
+          <a:off x="0" y="0"/>
+          <a:ext cx="0" cy="0"/>
+          <a:chOff x="0" y="0"/>
+          <a:chExt cx="0" cy="0"/>
+        </a:xfrm>
+      </p:grpSpPr>
+      <p:sp>
+        <p:nvSpPr>
+          <p:cNvPr id="36867" name="Rectangle 3"/>
+          <p:cNvSpPr>
+            <a:spLocks noGrp="1"/>
+          </p:cNvSpPr>
+          <p:nvPr>
+            <p:ph type="body" sz="half" idx="1"/>
+          </p:nvPr>
+        </p:nvSpPr>
+        <p:spPr/>
+        <p:txBody>
+          <a:bodyPr/>
+          <a:lstStyle/>
+          <a:p>
+            <a:endParaRPr lang="da-DK" sz="2800" smtClean="0"/>
+          </a:p>
+          <a:p>
+            <a:pPr>
+              <a:buFont typeface="Arial" charset="0"/>
+              <a:buNone/>
+            </a:pPr>
+            <a:endParaRPr lang="da-DK" sz="2800" smtClean="0"/>
+          </a:p>
+        </p:txBody>
+      </p:sp>
+      <p:graphicFrame>
+        <p:nvGraphicFramePr>
+          <p:cNvPr id="36868" name="Object 4"/>
+          <p:cNvGraphicFramePr>
+            <a:graphicFrameLocks noChangeAspect="1"/>
+          </p:cNvGraphicFramePr>
+          <p:nvPr>
+            <p:ph sz="half" idx="2"/>
+          </p:nvPr>
+        </p:nvGraphicFramePr>
+        <p:xfrm>
+          <a:off x="1619250" y="620713"/>
+          <a:ext cx="6265863" cy="5835650"/>
+        </p:xfrm>
+        <a:graphic>
+          <a:graphicData uri="http://schemas.openxmlformats.org/presentationml/2006/ole">
+            <p:oleObj spid="_x0000_s36868" name="Visio" r:id="rId3" imgW="5251402" imgH="4891663" progId="Visio.Drawing.11">
+              <p:embed/>
+            </p:oleObj>
+          </a:graphicData>
+        </a:graphic>
+      </p:graphicFrame>
+    </p:spTree>
+  </p:cSld>
+  <p:clrMapOvr>
+    <a:masterClrMapping/>
+  </p:clrMapOvr>
+</p:sld>
+</file>
+
+<file path=ppt/slides/slide16.xml><?xml version="1.0" encoding="utf-8"?>
+<p:sld xmlns:a="http://schemas.openxmlformats.org/drawingml/2006/main" xmlns:r="http://schemas.openxmlformats.org/officeDocument/2006/relationships" xmlns:p="http://schemas.openxmlformats.org/presentationml/2006/main">
+  <p:cSld>
+    <p:spTree>
+      <p:nvGrpSpPr>
+        <p:cNvPr id="1" name=""/>
+        <p:cNvGrpSpPr/>
+        <p:nvPr/>
+      </p:nvGrpSpPr>
+      <p:grpSpPr>
+        <a:xfrm>
+          <a:off x="0" y="0"/>
+          <a:ext cx="0" cy="0"/>
+          <a:chOff x="0" y="0"/>
+          <a:chExt cx="0" cy="0"/>
+        </a:xfrm>
+      </p:grpSpPr>
+      <p:graphicFrame>
+        <p:nvGraphicFramePr>
+          <p:cNvPr id="35843" name="Object 3"/>
+          <p:cNvGraphicFramePr>
+            <a:graphicFrameLocks noChangeAspect="1"/>
+          </p:cNvGraphicFramePr>
+          <p:nvPr>
+            <p:ph idx="1"/>
+          </p:nvPr>
+        </p:nvGraphicFramePr>
+        <p:xfrm>
+          <a:off x="1187450" y="476250"/>
+          <a:ext cx="6557963" cy="5453063"/>
+        </p:xfrm>
+        <a:graphic>
+          <a:graphicData uri="http://schemas.openxmlformats.org/presentationml/2006/ole">
+            <p:oleObj spid="_x0000_s35843" name="Visio" r:id="rId3" imgW="5341678" imgH="4441604" progId="Visio.Drawing.11">
+              <p:embed/>
+            </p:oleObj>
+          </a:graphicData>
+        </a:graphic>
+      </p:graphicFrame>
+    </p:spTree>
+  </p:cSld>
+  <p:clrMapOvr>
+    <a:masterClrMapping/>
+  </p:clrMapOvr>
+</p:sld>
+</file>
+
+<file path=ppt/slides/slide17.xml><?xml version="1.0" encoding="utf-8"?>
+<p:sld xmlns:a="http://schemas.openxmlformats.org/drawingml/2006/main" xmlns:r="http://schemas.openxmlformats.org/officeDocument/2006/relationships" xmlns:p="http://schemas.openxmlformats.org/presentationml/2006/main">
+  <p:cSld>
+    <p:spTree>
+      <p:nvGrpSpPr>
+        <p:cNvPr id="1" name=""/>
+        <p:cNvGrpSpPr/>
+        <p:nvPr/>
+      </p:nvGrpSpPr>
+      <p:grpSpPr>
+        <a:xfrm>
+          <a:off x="0" y="0"/>
+          <a:ext cx="0" cy="0"/>
+          <a:chOff x="0" y="0"/>
+          <a:chExt cx="0" cy="0"/>
+        </a:xfrm>
+      </p:grpSpPr>
+      <p:graphicFrame>
+        <p:nvGraphicFramePr>
+          <p:cNvPr id="40963" name="Object 3"/>
+          <p:cNvGraphicFramePr>
+            <a:graphicFrameLocks noChangeAspect="1"/>
+          </p:cNvGraphicFramePr>
+          <p:nvPr>
+            <p:ph/>
+          </p:nvPr>
+        </p:nvGraphicFramePr>
+        <p:xfrm>
+          <a:off x="468313" y="823913"/>
+          <a:ext cx="8424862" cy="4878387"/>
+        </p:xfrm>
+        <a:graphic>
+          <a:graphicData uri="http://schemas.openxmlformats.org/presentationml/2006/ole">
+            <p:oleObj spid="_x0000_s40963" name="Visio" r:id="rId3" imgW="6691640" imgH="3875430" progId="Visio.Drawing.11">
+              <p:embed/>
+            </p:oleObj>
+          </a:graphicData>
+        </a:graphic>
+      </p:graphicFrame>
+    </p:spTree>
+  </p:cSld>
+  <p:clrMapOvr>
+    <a:masterClrMapping/>
+  </p:clrMapOvr>
+</p:sld>
+</file>
+
+<file path=ppt/slides/slide18.xml><?xml version="1.0" encoding="utf-8"?>
+<p:sld xmlns:a="http://schemas.openxmlformats.org/drawingml/2006/main" xmlns:r="http://schemas.openxmlformats.org/officeDocument/2006/relationships" xmlns:p="http://schemas.openxmlformats.org/presentationml/2006/main">
+  <p:cSld>
+    <p:spTree>
+      <p:nvGrpSpPr>
+        <p:cNvPr id="1" name=""/>
+        <p:cNvGrpSpPr/>
+        <p:nvPr/>
+      </p:nvGrpSpPr>
+      <p:grpSpPr>
+        <a:xfrm>
+          <a:off x="0" y="0"/>
+          <a:ext cx="0" cy="0"/>
+          <a:chOff x="0" y="0"/>
+          <a:chExt cx="0" cy="0"/>
+        </a:xfrm>
+      </p:grpSpPr>
+      <p:graphicFrame>
+        <p:nvGraphicFramePr>
+          <p:cNvPr id="39939" name="Object 3"/>
+          <p:cNvGraphicFramePr>
+            <a:graphicFrameLocks noChangeAspect="1"/>
+          </p:cNvGraphicFramePr>
+          <p:nvPr>
+            <p:ph/>
+          </p:nvPr>
+        </p:nvGraphicFramePr>
+        <p:xfrm>
+          <a:off x="395288" y="1625600"/>
+          <a:ext cx="8353425" cy="3149600"/>
+        </p:xfrm>
+        <a:graphic>
+          <a:graphicData uri="http://schemas.openxmlformats.org/presentationml/2006/ole">
+            <p:oleObj spid="_x0000_s39939" name="Visio" r:id="rId3" imgW="5611577" imgH="2116531" progId="Visio.Drawing.11">
+              <p:embed/>
+            </p:oleObj>
+          </a:graphicData>
+        </a:graphic>
+      </p:graphicFrame>
     </p:spTree>
   </p:cSld>
   <p:clrMapOvr>
@@ -3872,6 +5188,7 @@
           <a:bodyPr/>
           <a:lstStyle/>
           <a:p>
+            <a:pPr eaLnBrk="1" hangingPunct="1"/>
             <a:r>
               <a:rPr lang="da-DK" smtClean="0"/>
               <a:t>I dag</a:t>
@@ -3888,7 +5205,7 @@
           <p:nvPr/>
         </p:nvPicPr>
         <p:blipFill>
-          <a:blip r:embed="rId2" cstate="print"/>
+          <a:blip r:embed="rId2"/>
           <a:srcRect/>
           <a:stretch>
             <a:fillRect/>
@@ -3951,6 +5268,7 @@
           <a:bodyPr/>
           <a:lstStyle/>
           <a:p>
+            <a:pPr eaLnBrk="1" hangingPunct="1"/>
             <a:r>
               <a:rPr lang="da-DK" smtClean="0"/>
               <a:t>Problemer?</a:t>
@@ -3973,19 +5291,21 @@
           <a:bodyPr/>
           <a:lstStyle/>
           <a:p>
+            <a:pPr eaLnBrk="1" hangingPunct="1"/>
             <a:r>
               <a:rPr lang="da-DK" smtClean="0"/>
               <a:t>Højtaler/mikrofon er ikke i samme rum som personen der har brug for hjælp</a:t>
             </a:r>
           </a:p>
           <a:p>
+            <a:pPr eaLnBrk="1" hangingPunct="1"/>
             <a:r>
               <a:rPr lang="da-DK" smtClean="0"/>
               <a:t>Systemet kræver en fastnet forbindelse (dyr)</a:t>
             </a:r>
           </a:p>
           <a:p>
-            <a:pPr>
+            <a:pPr eaLnBrk="1" hangingPunct="1">
               <a:buFont typeface="Arial" charset="0"/>
               <a:buNone/>
             </a:pPr>
@@ -4033,6 +5353,7 @@
           <a:bodyPr/>
           <a:lstStyle/>
           <a:p>
+            <a:pPr eaLnBrk="1" hangingPunct="1"/>
             <a:r>
               <a:rPr lang="da-DK" smtClean="0"/>
               <a:t>Løsning</a:t>
@@ -4055,12 +5376,14 @@
           <a:bodyPr/>
           <a:lstStyle/>
           <a:p>
+            <a:pPr eaLnBrk="1" hangingPunct="1"/>
             <a:r>
               <a:rPr lang="da-DK" smtClean="0"/>
               <a:t>Flyt højtaler og mikrofon til ”knappen”.</a:t>
             </a:r>
           </a:p>
           <a:p>
+            <a:pPr eaLnBrk="1" hangingPunct="1"/>
             <a:r>
               <a:rPr lang="da-DK" smtClean="0"/>
               <a:t>Anvend en alternativ (eksisterende) kommunikationslinie.</a:t>
@@ -4108,6 +5431,7 @@
           <a:bodyPr/>
           <a:lstStyle/>
           <a:p>
+            <a:pPr eaLnBrk="1" hangingPunct="1"/>
             <a:r>
               <a:rPr lang="da-DK" smtClean="0"/>
               <a:t>Emergency call button</a:t>
@@ -4124,7 +5448,7 @@
           <p:nvPr/>
         </p:nvPicPr>
         <p:blipFill>
-          <a:blip r:embed="rId2" cstate="print"/>
+          <a:blip r:embed="rId2"/>
           <a:srcRect t="20415"/>
           <a:stretch>
             <a:fillRect/>
@@ -4187,6 +5511,7 @@
           <a:bodyPr/>
           <a:lstStyle/>
           <a:p>
+            <a:pPr eaLnBrk="1" hangingPunct="1"/>
             <a:r>
               <a:rPr lang="da-DK" smtClean="0"/>
               <a:t>Challenges</a:t>
@@ -4211,7 +5536,7 @@
           </a:bodyPr>
           <a:lstStyle/>
           <a:p>
-            <a:pPr fontAlgn="auto">
+            <a:pPr eaLnBrk="1" fontAlgn="auto" hangingPunct="1">
               <a:spcAft>
                 <a:spcPts val="0"/>
               </a:spcAft>
@@ -4238,7 +5563,7 @@
             <a:endParaRPr lang="da-DK" dirty="0" smtClean="0"/>
           </a:p>
           <a:p>
-            <a:pPr lvl="1" fontAlgn="auto">
+            <a:pPr lvl="1" eaLnBrk="1" fontAlgn="auto" hangingPunct="1">
               <a:spcAft>
                 <a:spcPts val="0"/>
               </a:spcAft>
@@ -4252,7 +5577,7 @@
             </a:r>
           </a:p>
           <a:p>
-            <a:pPr fontAlgn="auto">
+            <a:pPr eaLnBrk="1" fontAlgn="auto" hangingPunct="1">
               <a:spcAft>
                 <a:spcPts val="0"/>
               </a:spcAft>
@@ -4266,7 +5591,7 @@
             </a:r>
           </a:p>
           <a:p>
-            <a:pPr fontAlgn="auto">
+            <a:pPr eaLnBrk="1" fontAlgn="auto" hangingPunct="1">
               <a:spcAft>
                 <a:spcPts val="0"/>
               </a:spcAft>
@@ -4280,7 +5605,7 @@
             </a:r>
           </a:p>
           <a:p>
-            <a:pPr fontAlgn="auto">
+            <a:pPr eaLnBrk="1" fontAlgn="auto" hangingPunct="1">
               <a:spcAft>
                 <a:spcPts val="0"/>
               </a:spcAft>
@@ -4335,6 +5660,7 @@
           <a:bodyPr/>
           <a:lstStyle/>
           <a:p>
+            <a:pPr eaLnBrk="1" hangingPunct="1"/>
             <a:r>
               <a:rPr lang="da-DK" smtClean="0"/>
               <a:t>Projektets mål</a:t>
@@ -4357,196 +5683,50 @@
           <a:bodyPr/>
           <a:lstStyle/>
           <a:p>
-            <a:r>
-              <a:rPr lang="da-DK" dirty="0" smtClean="0"/>
-              <a:t>System arkitektur beskrevet i </a:t>
-            </a:r>
-            <a:r>
-              <a:rPr lang="da-DK" dirty="0" err="1" smtClean="0"/>
-              <a:t>SysML</a:t>
-            </a:r>
-            <a:r>
-              <a:rPr lang="da-DK" dirty="0" smtClean="0"/>
-              <a:t> (</a:t>
-            </a:r>
-            <a:r>
-              <a:rPr lang="da-DK" dirty="0" err="1" smtClean="0"/>
-              <a:t>Proof</a:t>
-            </a:r>
-            <a:r>
-              <a:rPr lang="da-DK" dirty="0" smtClean="0"/>
-              <a:t> of </a:t>
-            </a:r>
-            <a:r>
-              <a:rPr lang="da-DK" dirty="0" err="1" smtClean="0"/>
-              <a:t>concept</a:t>
-            </a:r>
-            <a:r>
-              <a:rPr lang="da-DK" dirty="0" smtClean="0"/>
-              <a:t>)</a:t>
-            </a:r>
-            <a:endParaRPr lang="da-DK" dirty="0" smtClean="0"/>
-          </a:p>
-          <a:p>
-            <a:pPr lvl="1"/>
-            <a:r>
-              <a:rPr lang="da-DK" dirty="0" smtClean="0"/>
-              <a:t>Simulering i </a:t>
-            </a:r>
-            <a:r>
-              <a:rPr lang="da-DK" dirty="0" err="1" smtClean="0"/>
-              <a:t>SystemC</a:t>
-            </a:r>
-            <a:endParaRPr lang="da-DK" dirty="0" smtClean="0"/>
-          </a:p>
-          <a:p>
-            <a:pPr lvl="1"/>
-            <a:r>
-              <a:rPr lang="da-DK" dirty="0" err="1" smtClean="0"/>
-              <a:t>Mapning</a:t>
-            </a:r>
-            <a:r>
-              <a:rPr lang="da-DK" dirty="0" smtClean="0"/>
-              <a:t> af arkitektur </a:t>
-            </a:r>
-            <a:r>
-              <a:rPr lang="da-DK" dirty="0" err="1" smtClean="0"/>
-              <a:t>udfra</a:t>
-            </a:r>
-            <a:r>
-              <a:rPr lang="da-DK" dirty="0" smtClean="0"/>
-              <a:t> simulering (</a:t>
-            </a:r>
-            <a:r>
-              <a:rPr lang="da-DK" dirty="0" err="1" smtClean="0"/>
-              <a:t>pireto/design</a:t>
-            </a:r>
-            <a:r>
-              <a:rPr lang="da-DK" dirty="0" smtClean="0"/>
-              <a:t> </a:t>
-            </a:r>
-            <a:r>
-              <a:rPr lang="da-DK" dirty="0" err="1" smtClean="0"/>
-              <a:t>space</a:t>
-            </a:r>
-            <a:r>
-              <a:rPr lang="da-DK" dirty="0" smtClean="0"/>
-              <a:t> </a:t>
-            </a:r>
-            <a:r>
-              <a:rPr lang="da-DK" dirty="0" err="1" smtClean="0"/>
-              <a:t>exploration/profilling</a:t>
-            </a:r>
-            <a:r>
-              <a:rPr lang="da-DK" dirty="0" smtClean="0"/>
-              <a:t>) </a:t>
-            </a:r>
-          </a:p>
-          <a:p>
-            <a:pPr lvl="1"/>
-            <a:r>
-              <a:rPr lang="da-DK" dirty="0" err="1" smtClean="0"/>
-              <a:t>Mapning</a:t>
-            </a:r>
-            <a:r>
-              <a:rPr lang="da-DK" dirty="0" smtClean="0"/>
-              <a:t> i forhold til </a:t>
-            </a:r>
-            <a:r>
-              <a:rPr lang="da-DK" dirty="0" err="1" smtClean="0"/>
-              <a:t>Metrics</a:t>
-            </a:r>
-            <a:r>
-              <a:rPr lang="da-DK" dirty="0" smtClean="0"/>
-              <a:t> (</a:t>
-            </a:r>
-            <a:r>
-              <a:rPr lang="da-DK" dirty="0" err="1" smtClean="0"/>
-              <a:t>quality</a:t>
-            </a:r>
-            <a:r>
-              <a:rPr lang="da-DK" dirty="0" smtClean="0"/>
-              <a:t> </a:t>
-            </a:r>
-            <a:r>
-              <a:rPr lang="da-DK" dirty="0" err="1" smtClean="0"/>
-              <a:t>attributes</a:t>
-            </a:r>
-            <a:r>
-              <a:rPr lang="da-DK" dirty="0" smtClean="0"/>
-              <a:t>)</a:t>
-            </a:r>
-          </a:p>
-          <a:p>
-            <a:r>
-              <a:rPr lang="da-DK" dirty="0" err="1" smtClean="0"/>
-              <a:t>Risk</a:t>
-            </a:r>
-            <a:r>
-              <a:rPr lang="da-DK" dirty="0" smtClean="0"/>
-              <a:t> </a:t>
-            </a:r>
-            <a:r>
-              <a:rPr lang="da-DK" dirty="0" err="1" smtClean="0"/>
-              <a:t>level</a:t>
-            </a:r>
-            <a:r>
-              <a:rPr lang="da-DK" dirty="0" smtClean="0"/>
-              <a:t> management (</a:t>
-            </a:r>
-            <a:r>
-              <a:rPr lang="da-DK" dirty="0" err="1" smtClean="0"/>
-              <a:t>Can</a:t>
-            </a:r>
-            <a:r>
-              <a:rPr lang="da-DK" dirty="0" smtClean="0"/>
-              <a:t> </a:t>
-            </a:r>
-            <a:r>
-              <a:rPr lang="da-DK" dirty="0" err="1" smtClean="0"/>
-              <a:t>we</a:t>
-            </a:r>
-            <a:r>
-              <a:rPr lang="da-DK" dirty="0" smtClean="0"/>
-              <a:t> deliver, Time to </a:t>
-            </a:r>
-            <a:r>
-              <a:rPr lang="da-DK" dirty="0" err="1" smtClean="0"/>
-              <a:t>market</a:t>
-            </a:r>
-            <a:r>
-              <a:rPr lang="da-DK" dirty="0" smtClean="0"/>
-              <a:t>)</a:t>
-            </a:r>
-          </a:p>
-          <a:p>
-            <a:r>
-              <a:rPr lang="da-DK" dirty="0" err="1" smtClean="0"/>
-              <a:t>Battery</a:t>
-            </a:r>
-            <a:r>
-              <a:rPr lang="da-DK" dirty="0" smtClean="0"/>
-              <a:t> </a:t>
-            </a:r>
-            <a:r>
-              <a:rPr lang="da-DK" dirty="0" err="1" smtClean="0"/>
-              <a:t>life</a:t>
-            </a:r>
-            <a:r>
-              <a:rPr lang="da-DK" dirty="0" smtClean="0"/>
-              <a:t> </a:t>
-            </a:r>
-            <a:r>
-              <a:rPr lang="da-DK" dirty="0" err="1" smtClean="0"/>
-              <a:t>evaluation</a:t>
-            </a:r>
-            <a:r>
-              <a:rPr lang="da-DK" dirty="0" smtClean="0"/>
-              <a:t>.</a:t>
-            </a:r>
-          </a:p>
-          <a:p>
-            <a:endParaRPr lang="da-DK" dirty="0" smtClean="0"/>
+            <a:pPr eaLnBrk="1" hangingPunct="1"/>
+            <a:r>
+              <a:rPr lang="da-DK" smtClean="0"/>
+              <a:t>System arkitektur beskrevet i SysML (Proof of concept)</a:t>
+            </a:r>
+          </a:p>
+          <a:p>
+            <a:pPr lvl="1" eaLnBrk="1" hangingPunct="1"/>
+            <a:r>
+              <a:rPr lang="da-DK" smtClean="0"/>
+              <a:t>Simulering i SystemC</a:t>
+            </a:r>
+          </a:p>
+          <a:p>
+            <a:pPr lvl="1" eaLnBrk="1" hangingPunct="1"/>
+            <a:r>
+              <a:rPr lang="da-DK" smtClean="0"/>
+              <a:t>Mapning af arkitektur udfra simulering (pireto/design space exploration/profilling) </a:t>
+            </a:r>
+          </a:p>
+          <a:p>
+            <a:pPr lvl="1" eaLnBrk="1" hangingPunct="1"/>
+            <a:r>
+              <a:rPr lang="da-DK" smtClean="0"/>
+              <a:t>Mapning i forhold til Metrics (quality attributes)</a:t>
+            </a:r>
+          </a:p>
+          <a:p>
+            <a:pPr eaLnBrk="1" hangingPunct="1"/>
+            <a:r>
+              <a:rPr lang="da-DK" smtClean="0"/>
+              <a:t>Risk level management (Can we deliver, Time to market)</a:t>
+            </a:r>
+          </a:p>
+          <a:p>
+            <a:pPr eaLnBrk="1" hangingPunct="1"/>
+            <a:r>
+              <a:rPr lang="da-DK" smtClean="0"/>
+              <a:t>Battery life evaluation.</a:t>
+            </a:r>
+          </a:p>
+          <a:p>
+            <a:pPr eaLnBrk="1" hangingPunct="1"/>
+            <a:endParaRPr lang="da-DK" smtClean="0"/>
           </a:p>
         </p:txBody>
       </p:sp>
@@ -4590,6 +5770,7 @@
           <a:bodyPr/>
           <a:lstStyle/>
           <a:p>
+            <a:pPr eaLnBrk="1" hangingPunct="1"/>
             <a:r>
               <a:rPr lang="da-DK" smtClean="0"/>
               <a:t>Hvordan når vi vores mål?</a:t>
@@ -4612,131 +5793,71 @@
           <a:bodyPr/>
           <a:lstStyle/>
           <a:p>
-            <a:pPr marL="514350" indent="-514350">
+            <a:pPr marL="514350" indent="-514350" eaLnBrk="1" hangingPunct="1">
               <a:buFont typeface="Calibri" pitchFamily="34" charset="0"/>
               <a:buAutoNum type="arabicPeriod"/>
             </a:pPr>
             <a:r>
-              <a:rPr lang="da-DK" dirty="0" smtClean="0"/>
+              <a:rPr lang="da-DK" smtClean="0"/>
               <a:t>Projektoplæg.</a:t>
             </a:r>
           </a:p>
           <a:p>
-            <a:pPr marL="514350" indent="-514350">
+            <a:pPr marL="514350" indent="-514350" eaLnBrk="1" hangingPunct="1">
               <a:buFont typeface="Calibri" pitchFamily="34" charset="0"/>
               <a:buAutoNum type="arabicPeriod"/>
             </a:pPr>
             <a:r>
-              <a:rPr lang="da-DK" dirty="0" err="1" smtClean="0"/>
-              <a:t>Use</a:t>
-            </a:r>
-            <a:r>
-              <a:rPr lang="da-DK" dirty="0" smtClean="0"/>
-              <a:t> case krav og </a:t>
-            </a:r>
-            <a:r>
-              <a:rPr lang="da-DK" dirty="0" err="1" smtClean="0"/>
-              <a:t>non-funktionel</a:t>
-            </a:r>
-            <a:r>
-              <a:rPr lang="da-DK" dirty="0" smtClean="0"/>
-              <a:t> tabel.</a:t>
-            </a:r>
-          </a:p>
-          <a:p>
-            <a:pPr marL="514350" indent="-514350">
+              <a:rPr lang="da-DK" smtClean="0"/>
+              <a:t>Use case krav og non-funktionel tabel.</a:t>
+            </a:r>
+          </a:p>
+          <a:p>
+            <a:pPr marL="514350" indent="-514350" eaLnBrk="1" hangingPunct="1">
               <a:buFont typeface="Calibri" pitchFamily="34" charset="0"/>
               <a:buAutoNum type="arabicPeriod"/>
             </a:pPr>
             <a:r>
-              <a:rPr lang="da-DK" dirty="0" err="1" smtClean="0"/>
-              <a:t>SysML</a:t>
-            </a:r>
-            <a:r>
-              <a:rPr lang="da-DK" dirty="0" smtClean="0"/>
-              <a:t> til arkitektur design.</a:t>
-            </a:r>
-          </a:p>
-          <a:p>
-            <a:pPr marL="514350" indent="-514350">
+              <a:rPr lang="da-DK" smtClean="0"/>
+              <a:t>SysML til arkitektur design.</a:t>
+            </a:r>
+          </a:p>
+          <a:p>
+            <a:pPr marL="514350" indent="-514350" eaLnBrk="1" hangingPunct="1">
               <a:buFont typeface="Calibri" pitchFamily="34" charset="0"/>
               <a:buAutoNum type="arabicPeriod"/>
             </a:pPr>
             <a:r>
-              <a:rPr lang="da-DK" dirty="0" smtClean="0"/>
-              <a:t>Alternative </a:t>
-            </a:r>
-            <a:r>
-              <a:rPr lang="da-DK" dirty="0" err="1" smtClean="0"/>
-              <a:t>mapninger</a:t>
-            </a:r>
-            <a:r>
-              <a:rPr lang="da-DK" dirty="0" smtClean="0"/>
-              <a:t> af </a:t>
-            </a:r>
-            <a:r>
-              <a:rPr lang="da-DK" dirty="0" err="1" smtClean="0"/>
-              <a:t>arkitekture</a:t>
-            </a:r>
-            <a:r>
-              <a:rPr lang="da-DK" dirty="0" smtClean="0"/>
-              <a:t> (</a:t>
-            </a:r>
-            <a:r>
-              <a:rPr lang="da-DK" dirty="0" err="1" smtClean="0"/>
-              <a:t>Pereto</a:t>
-            </a:r>
-            <a:r>
-              <a:rPr lang="da-DK" dirty="0" smtClean="0"/>
-              <a:t> points and design </a:t>
-            </a:r>
-            <a:r>
-              <a:rPr lang="da-DK" dirty="0" err="1" smtClean="0"/>
-              <a:t>space</a:t>
-            </a:r>
-            <a:r>
-              <a:rPr lang="da-DK" dirty="0" smtClean="0"/>
-              <a:t> </a:t>
-            </a:r>
-            <a:r>
-              <a:rPr lang="da-DK" dirty="0" err="1" smtClean="0"/>
-              <a:t>exploration</a:t>
-            </a:r>
-            <a:r>
-              <a:rPr lang="da-DK" dirty="0" smtClean="0"/>
-              <a:t>)</a:t>
-            </a:r>
-          </a:p>
-          <a:p>
-            <a:pPr marL="514350" indent="-514350">
+              <a:rPr lang="da-DK" smtClean="0"/>
+              <a:t>Alternative mapninger af arkitekture (Pereto points and design space exploration)</a:t>
+            </a:r>
+          </a:p>
+          <a:p>
+            <a:pPr marL="514350" indent="-514350" eaLnBrk="1" hangingPunct="1">
               <a:buFont typeface="Calibri" pitchFamily="34" charset="0"/>
               <a:buAutoNum type="arabicPeriod"/>
             </a:pPr>
             <a:r>
-              <a:rPr lang="da-DK" dirty="0" err="1" smtClean="0"/>
-              <a:t>SystemC</a:t>
-            </a:r>
-            <a:r>
-              <a:rPr lang="da-DK" dirty="0" smtClean="0"/>
-              <a:t> til simulering og evaluering af alternative arkitekturer.</a:t>
-            </a:r>
-          </a:p>
-          <a:p>
-            <a:pPr marL="514350" indent="-514350">
+              <a:rPr lang="da-DK" smtClean="0"/>
+              <a:t>SystemC til simulering og evaluering af alternative arkitekturer.</a:t>
+            </a:r>
+          </a:p>
+          <a:p>
+            <a:pPr marL="514350" indent="-514350" eaLnBrk="1" hangingPunct="1">
               <a:buFont typeface="Calibri" pitchFamily="34" charset="0"/>
               <a:buAutoNum type="arabicPeriod"/>
             </a:pPr>
             <a:r>
-              <a:rPr lang="da-DK" dirty="0" smtClean="0"/>
+              <a:rPr lang="da-DK" smtClean="0"/>
               <a:t>Konklusion</a:t>
             </a:r>
           </a:p>
           <a:p>
-            <a:pPr marL="514350" indent="-514350">
+            <a:pPr marL="514350" indent="-514350" eaLnBrk="1" hangingPunct="1">
               <a:buFont typeface="Calibri" pitchFamily="34" charset="0"/>
               <a:buAutoNum type="arabicPeriod"/>
             </a:pPr>
-            <a:endParaRPr lang="da-DK" dirty="0" smtClean="0"/>
+            <a:endParaRPr lang="da-DK" smtClean="0"/>
           </a:p>
         </p:txBody>
       </p:sp>
@@ -4780,6 +5901,7 @@
           <a:bodyPr/>
           <a:lstStyle/>
           <a:p>
+            <a:pPr eaLnBrk="1" hangingPunct="1"/>
             <a:r>
               <a:rPr lang="da-DK" smtClean="0"/>
               <a:t>Aflevering</a:t>
@@ -4802,30 +5924,35 @@
           <a:bodyPr/>
           <a:lstStyle/>
           <a:p>
+            <a:pPr eaLnBrk="1" hangingPunct="1"/>
             <a:r>
               <a:rPr lang="da-DK" smtClean="0"/>
               <a:t>Arkitektur design som SysML diagrammer.</a:t>
             </a:r>
           </a:p>
           <a:p>
+            <a:pPr eaLnBrk="1" hangingPunct="1"/>
             <a:r>
               <a:rPr lang="da-DK" smtClean="0"/>
               <a:t>Evaluering af arkitektur mapninger med SystemC</a:t>
             </a:r>
           </a:p>
           <a:p>
+            <a:pPr eaLnBrk="1" hangingPunct="1"/>
             <a:r>
               <a:rPr lang="da-DK" smtClean="0"/>
               <a:t>Anbefalet mapning med rationale</a:t>
             </a:r>
           </a:p>
           <a:p>
+            <a:pPr eaLnBrk="1" hangingPunct="1"/>
             <a:r>
               <a:rPr lang="da-DK" smtClean="0"/>
               <a:t>Evaluering af process og metoder</a:t>
             </a:r>
           </a:p>
           <a:p>
+            <a:pPr eaLnBrk="1" hangingPunct="1"/>
             <a:r>
               <a:rPr lang="da-DK" smtClean="0"/>
               <a:t>Konklusion</a:t>

--- a/syseng_hwco/proj/Artifact/Presentations/Presentation_11_02_11.pptx
+++ b/syseng_hwco/proj/Artifact/Presentations/Presentation_11_02_11.pptx
@@ -404,7 +404,7 @@
               <a:pPr>
                 <a:defRPr/>
               </a:pPr>
-              <a:t>‹#›</a:t>
+              <a:t>‹nr.›</a:t>
             </a:fld>
             <a:endParaRPr lang="da-DK"/>
           </a:p>
@@ -596,7 +596,7 @@
               <a:pPr>
                 <a:defRPr/>
               </a:pPr>
-              <a:t>‹#›</a:t>
+              <a:t>‹nr.›</a:t>
             </a:fld>
             <a:endParaRPr lang="da-DK"/>
           </a:p>
@@ -798,7 +798,7 @@
               <a:pPr>
                 <a:defRPr/>
               </a:pPr>
-              <a:t>‹#›</a:t>
+              <a:t>‹nr.›</a:t>
             </a:fld>
             <a:endParaRPr lang="da-DK"/>
           </a:p>
@@ -1129,7 +1129,7 @@
               <a:pPr>
                 <a:defRPr/>
               </a:pPr>
-              <a:t>‹#›</a:t>
+              <a:t>‹nr.›</a:t>
             </a:fld>
             <a:endParaRPr lang="da-DK"/>
           </a:p>
@@ -1403,7 +1403,7 @@
               <a:pPr>
                 <a:defRPr/>
               </a:pPr>
-              <a:t>‹#›</a:t>
+              <a:t>‹nr.›</a:t>
             </a:fld>
             <a:endParaRPr lang="da-DK"/>
           </a:p>
@@ -1592,7 +1592,7 @@
               <a:pPr>
                 <a:defRPr/>
               </a:pPr>
-              <a:t>‹#›</a:t>
+              <a:t>‹nr.›</a:t>
             </a:fld>
             <a:endParaRPr lang="da-DK"/>
           </a:p>
@@ -1784,7 +1784,7 @@
               <a:pPr>
                 <a:defRPr/>
               </a:pPr>
-              <a:t>‹#›</a:t>
+              <a:t>‹nr.›</a:t>
             </a:fld>
             <a:endParaRPr lang="da-DK"/>
           </a:p>
@@ -2052,7 +2052,7 @@
               <a:pPr>
                 <a:defRPr/>
               </a:pPr>
-              <a:t>‹#›</a:t>
+              <a:t>‹nr.›</a:t>
             </a:fld>
             <a:endParaRPr lang="da-DK"/>
           </a:p>
@@ -2362,7 +2362,7 @@
               <a:pPr>
                 <a:defRPr/>
               </a:pPr>
-              <a:t>‹#›</a:t>
+              <a:t>‹nr.›</a:t>
             </a:fld>
             <a:endParaRPr lang="da-DK"/>
           </a:p>
@@ -2806,7 +2806,7 @@
               <a:pPr>
                 <a:defRPr/>
               </a:pPr>
-              <a:t>‹#›</a:t>
+              <a:t>‹nr.›</a:t>
             </a:fld>
             <a:endParaRPr lang="da-DK"/>
           </a:p>
@@ -2946,7 +2946,7 @@
               <a:pPr>
                 <a:defRPr/>
               </a:pPr>
-              <a:t>‹#›</a:t>
+              <a:t>‹nr.›</a:t>
             </a:fld>
             <a:endParaRPr lang="da-DK"/>
           </a:p>
@@ -3063,7 +3063,7 @@
               <a:pPr>
                 <a:defRPr/>
               </a:pPr>
-              <a:t>‹#›</a:t>
+              <a:t>‹nr.›</a:t>
             </a:fld>
             <a:endParaRPr lang="da-DK"/>
           </a:p>
@@ -3362,7 +3362,7 @@
               <a:pPr>
                 <a:defRPr/>
               </a:pPr>
-              <a:t>‹#›</a:t>
+              <a:t>‹nr.›</a:t>
             </a:fld>
             <a:endParaRPr lang="da-DK"/>
           </a:p>
@@ -3640,7 +3640,7 @@
               <a:pPr>
                 <a:defRPr/>
               </a:pPr>
-              <a:t>‹#›</a:t>
+              <a:t>‹nr.›</a:t>
             </a:fld>
             <a:endParaRPr lang="da-DK"/>
           </a:p>
@@ -3937,7 +3937,7 @@
               <a:pPr>
                 <a:defRPr/>
               </a:pPr>
-              <a:t>‹#›</a:t>
+              <a:t>‹nr.›</a:t>
             </a:fld>
             <a:endParaRPr lang="da-DK"/>
           </a:p>
@@ -4458,9 +4458,10 @@
           <a:p>
             <a:pPr eaLnBrk="1" hangingPunct="1"/>
             <a:r>
-              <a:rPr lang="da-DK" smtClean="0"/>
-              <a:t>Læringsmålet</a:t>
-            </a:r>
+              <a:rPr lang="da-DK" dirty="0" err="1" smtClean="0"/>
+              <a:t>Læringsmålene</a:t>
+            </a:r>
+            <a:endParaRPr lang="da-DK" dirty="0" smtClean="0"/>
           </a:p>
         </p:txBody>
       </p:sp>
@@ -4481,42 +4482,80 @@
           <a:p>
             <a:pPr eaLnBrk="1" hangingPunct="1"/>
             <a:r>
-              <a:rPr lang="da-DK" smtClean="0"/>
+              <a:rPr lang="da-DK" dirty="0" smtClean="0"/>
               <a:t>Forundersøgelse (SRS, </a:t>
             </a:r>
             <a:r>
-              <a:rPr lang="da-DK" i="1" smtClean="0"/>
+              <a:rPr lang="da-DK" i="1" dirty="0" smtClean="0"/>
               <a:t>DDD</a:t>
             </a:r>
             <a:r>
-              <a:rPr lang="da-DK" smtClean="0"/>
+              <a:rPr lang="da-DK" dirty="0" smtClean="0"/>
               <a:t>)</a:t>
             </a:r>
           </a:p>
           <a:p>
             <a:pPr eaLnBrk="1" hangingPunct="1"/>
             <a:r>
-              <a:rPr lang="da-DK" smtClean="0"/>
-              <a:t>Risk level management</a:t>
+              <a:rPr lang="da-DK" dirty="0" err="1" smtClean="0"/>
+              <a:t>Risk</a:t>
+            </a:r>
+            <a:r>
+              <a:rPr lang="da-DK" dirty="0" smtClean="0"/>
+              <a:t> </a:t>
+            </a:r>
+            <a:r>
+              <a:rPr lang="da-DK" dirty="0" err="1" smtClean="0"/>
+              <a:t>level</a:t>
+            </a:r>
+            <a:r>
+              <a:rPr lang="da-DK" dirty="0" smtClean="0"/>
+              <a:t> management</a:t>
             </a:r>
           </a:p>
           <a:p>
             <a:pPr eaLnBrk="1" hangingPunct="1"/>
             <a:r>
-              <a:rPr lang="da-DK" smtClean="0"/>
-              <a:t>Synthesis SysML/UML til SystemC simulation</a:t>
-            </a:r>
+              <a:rPr lang="da-DK" dirty="0" smtClean="0"/>
+              <a:t>Overgang fra </a:t>
+            </a:r>
+            <a:r>
+              <a:rPr lang="da-DK" dirty="0" err="1" smtClean="0"/>
+              <a:t>SysML/UML</a:t>
+            </a:r>
+            <a:r>
+              <a:rPr lang="da-DK" dirty="0" smtClean="0"/>
+              <a:t> til </a:t>
+            </a:r>
+            <a:r>
+              <a:rPr lang="da-DK" dirty="0" err="1" smtClean="0"/>
+              <a:t>SystemC</a:t>
+            </a:r>
+            <a:endParaRPr lang="da-DK" dirty="0" smtClean="0"/>
           </a:p>
           <a:p>
             <a:pPr eaLnBrk="1" hangingPunct="1"/>
             <a:r>
-              <a:rPr lang="da-DK" smtClean="0"/>
-              <a:t>Mest optimal mapning i forhold til metric</a:t>
-            </a:r>
+              <a:rPr lang="da-DK" dirty="0" smtClean="0"/>
+              <a:t>Mest optimal </a:t>
+            </a:r>
+            <a:r>
+              <a:rPr lang="da-DK" dirty="0" err="1" smtClean="0"/>
+              <a:t>mapning</a:t>
+            </a:r>
+            <a:r>
+              <a:rPr lang="da-DK" dirty="0" smtClean="0"/>
+              <a:t> i forhold til </a:t>
+            </a:r>
+            <a:r>
+              <a:rPr lang="da-DK" dirty="0" err="1" smtClean="0"/>
+              <a:t>metric</a:t>
+            </a:r>
+            <a:endParaRPr lang="da-DK" dirty="0" smtClean="0"/>
           </a:p>
           <a:p>
             <a:pPr eaLnBrk="1" hangingPunct="1"/>
-            <a:endParaRPr lang="da-DK" smtClean="0"/>
+            <a:endParaRPr lang="da-DK" dirty="0" smtClean="0"/>
           </a:p>
         </p:txBody>
       </p:sp>
@@ -5205,7 +5244,7 @@
           <p:nvPr/>
         </p:nvPicPr>
         <p:blipFill>
-          <a:blip r:embed="rId2"/>
+          <a:blip r:embed="rId2" cstate="print"/>
           <a:srcRect/>
           <a:stretch>
             <a:fillRect/>
@@ -5448,7 +5487,7 @@
           <p:nvPr/>
         </p:nvPicPr>
         <p:blipFill>
-          <a:blip r:embed="rId2"/>
+          <a:blip r:embed="rId2" cstate="print"/>
           <a:srcRect t="20415"/>
           <a:stretch>
             <a:fillRect/>
@@ -5514,8 +5553,9 @@
             <a:pPr eaLnBrk="1" hangingPunct="1"/>
             <a:r>
               <a:rPr lang="da-DK" smtClean="0"/>
-              <a:t>Challenges</a:t>
-            </a:r>
+              <a:t>Udfordringer</a:t>
+            </a:r>
+            <a:endParaRPr lang="da-DK" dirty="0" smtClean="0"/>
           </a:p>
         </p:txBody>
       </p:sp>

--- a/syseng_hwco/proj/Artifact/Presentations/Presentation_11_02_11.pptx
+++ b/syseng_hwco/proj/Artifact/Presentations/Presentation_11_02_11.pptx
@@ -340,7 +340,7 @@
             <a:pPr>
               <a:defRPr/>
             </a:pPr>
-            <a:fld id="{E085FBFA-F6C5-4624-A899-24A22AE18124}" type="datetimeFigureOut">
+            <a:fld id="{EEDC1880-2975-46D3-8E7E-522FD6C4B9CA}" type="datetimeFigureOut">
               <a:rPr lang="da-DK"/>
               <a:pPr>
                 <a:defRPr/>
@@ -399,12 +399,12 @@
             <a:pPr>
               <a:defRPr/>
             </a:pPr>
-            <a:fld id="{E181E20A-8375-48E2-9685-7D25B74B2B1B}" type="slidenum">
+            <a:fld id="{8F103561-95F5-47B8-BB26-A21096C55CEC}" type="slidenum">
               <a:rPr lang="da-DK"/>
               <a:pPr>
                 <a:defRPr/>
               </a:pPr>
-              <a:t>‹nr.›</a:t>
+              <a:t>‹#›</a:t>
             </a:fld>
             <a:endParaRPr lang="da-DK"/>
           </a:p>
@@ -532,7 +532,7 @@
             <a:pPr>
               <a:defRPr/>
             </a:pPr>
-            <a:fld id="{8D6E8C13-FCCD-4D09-85BC-1940E660A1E8}" type="datetimeFigureOut">
+            <a:fld id="{CA83E445-0F58-472A-82B1-87A59B8C7205}" type="datetimeFigureOut">
               <a:rPr lang="da-DK"/>
               <a:pPr>
                 <a:defRPr/>
@@ -591,12 +591,12 @@
             <a:pPr>
               <a:defRPr/>
             </a:pPr>
-            <a:fld id="{98A15187-D1D1-4BBA-921E-12E256626425}" type="slidenum">
+            <a:fld id="{591CC028-A469-4E9F-A7A5-B05EA91A5BF6}" type="slidenum">
               <a:rPr lang="da-DK"/>
               <a:pPr>
                 <a:defRPr/>
               </a:pPr>
-              <a:t>‹nr.›</a:t>
+              <a:t>‹#›</a:t>
             </a:fld>
             <a:endParaRPr lang="da-DK"/>
           </a:p>
@@ -734,7 +734,7 @@
             <a:pPr>
               <a:defRPr/>
             </a:pPr>
-            <a:fld id="{38C3A825-CC70-4EF2-9712-FBDD18EF5AFD}" type="datetimeFigureOut">
+            <a:fld id="{07E9DDB9-B38F-4330-9321-316B6D848E1F}" type="datetimeFigureOut">
               <a:rPr lang="da-DK"/>
               <a:pPr>
                 <a:defRPr/>
@@ -793,12 +793,12 @@
             <a:pPr>
               <a:defRPr/>
             </a:pPr>
-            <a:fld id="{25F7B943-872E-4C57-B415-EFC652748E98}" type="slidenum">
+            <a:fld id="{7EC24705-9311-448B-A56E-BFCC38AA2EEB}" type="slidenum">
               <a:rPr lang="da-DK"/>
               <a:pPr>
                 <a:defRPr/>
               </a:pPr>
-              <a:t>‹nr.›</a:t>
+              <a:t>‹#›</a:t>
             </a:fld>
             <a:endParaRPr lang="da-DK"/>
           </a:p>
@@ -1030,7 +1030,7 @@
       </p:sp>
       <p:sp>
         <p:nvSpPr>
-          <p:cNvPr id="6" name="Date Placeholder 5"/>
+          <p:cNvPr id="6" name="Pladsholder til dato 3"/>
           <p:cNvSpPr>
             <a:spLocks noGrp="1"/>
           </p:cNvSpPr>
@@ -1038,12 +1038,7 @@
             <p:ph type="dt" sz="half" idx="10"/>
           </p:nvPr>
         </p:nvSpPr>
-        <p:spPr>
-          <a:xfrm>
-            <a:off x="457200" y="6356350"/>
-            <a:ext cx="2133600" cy="365125"/>
-          </a:xfrm>
-        </p:spPr>
+        <p:spPr/>
         <p:txBody>
           <a:bodyPr/>
           <a:lstStyle>
@@ -1055,7 +1050,7 @@
             <a:pPr>
               <a:defRPr/>
             </a:pPr>
-            <a:fld id="{E4E585A5-871E-49BE-834C-12F2EBF42A8D}" type="datetimeFigureOut">
+            <a:fld id="{80E7BE7C-5A81-4912-8695-5CF830664AE1}" type="datetimeFigureOut">
               <a:rPr lang="da-DK"/>
               <a:pPr>
                 <a:defRPr/>
@@ -1068,7 +1063,7 @@
       </p:sp>
       <p:sp>
         <p:nvSpPr>
-          <p:cNvPr id="7" name="Footer Placeholder 6"/>
+          <p:cNvPr id="7" name="Pladsholder til sidefod 4"/>
           <p:cNvSpPr>
             <a:spLocks noGrp="1"/>
           </p:cNvSpPr>
@@ -1076,12 +1071,7 @@
             <p:ph type="ftr" sz="quarter" idx="11"/>
           </p:nvPr>
         </p:nvSpPr>
-        <p:spPr>
-          <a:xfrm>
-            <a:off x="3124200" y="6356350"/>
-            <a:ext cx="2895600" cy="365125"/>
-          </a:xfrm>
-        </p:spPr>
+        <p:spPr/>
         <p:txBody>
           <a:bodyPr/>
           <a:lstStyle>
@@ -1099,7 +1089,7 @@
       </p:sp>
       <p:sp>
         <p:nvSpPr>
-          <p:cNvPr id="8" name="Slide Number Placeholder 7"/>
+          <p:cNvPr id="8" name="Pladsholder til diasnummer 5"/>
           <p:cNvSpPr>
             <a:spLocks noGrp="1"/>
           </p:cNvSpPr>
@@ -1107,12 +1097,7 @@
             <p:ph type="sldNum" sz="quarter" idx="12"/>
           </p:nvPr>
         </p:nvSpPr>
-        <p:spPr>
-          <a:xfrm>
-            <a:off x="6553200" y="6356350"/>
-            <a:ext cx="2133600" cy="365125"/>
-          </a:xfrm>
-        </p:spPr>
+        <p:spPr/>
         <p:txBody>
           <a:bodyPr/>
           <a:lstStyle>
@@ -1124,12 +1109,12 @@
             <a:pPr>
               <a:defRPr/>
             </a:pPr>
-            <a:fld id="{2250788E-BC70-4CF1-80C1-6BF200B43927}" type="slidenum">
+            <a:fld id="{B5E6BA60-030C-4DD1-88F6-FA41DE334559}" type="slidenum">
               <a:rPr lang="da-DK"/>
               <a:pPr>
                 <a:defRPr/>
               </a:pPr>
-              <a:t>‹nr.›</a:t>
+              <a:t>‹#›</a:t>
             </a:fld>
             <a:endParaRPr lang="da-DK"/>
           </a:p>
@@ -1304,7 +1289,7 @@
       </p:sp>
       <p:sp>
         <p:nvSpPr>
-          <p:cNvPr id="5" name="Date Placeholder 4"/>
+          <p:cNvPr id="5" name="Pladsholder til dato 3"/>
           <p:cNvSpPr>
             <a:spLocks noGrp="1"/>
           </p:cNvSpPr>
@@ -1312,12 +1297,7 @@
             <p:ph type="dt" sz="half" idx="10"/>
           </p:nvPr>
         </p:nvSpPr>
-        <p:spPr>
-          <a:xfrm>
-            <a:off x="457200" y="6356350"/>
-            <a:ext cx="2133600" cy="365125"/>
-          </a:xfrm>
-        </p:spPr>
+        <p:spPr/>
         <p:txBody>
           <a:bodyPr/>
           <a:lstStyle>
@@ -1329,7 +1309,7 @@
             <a:pPr>
               <a:defRPr/>
             </a:pPr>
-            <a:fld id="{091D5921-CC2A-4C18-BF1F-24319BCD3062}" type="datetimeFigureOut">
+            <a:fld id="{2F928ACB-18D5-40FE-9F8F-62CCEF90FB38}" type="datetimeFigureOut">
               <a:rPr lang="da-DK"/>
               <a:pPr>
                 <a:defRPr/>
@@ -1342,7 +1322,7 @@
       </p:sp>
       <p:sp>
         <p:nvSpPr>
-          <p:cNvPr id="6" name="Footer Placeholder 5"/>
+          <p:cNvPr id="6" name="Pladsholder til sidefod 4"/>
           <p:cNvSpPr>
             <a:spLocks noGrp="1"/>
           </p:cNvSpPr>
@@ -1350,12 +1330,7 @@
             <p:ph type="ftr" sz="quarter" idx="11"/>
           </p:nvPr>
         </p:nvSpPr>
-        <p:spPr>
-          <a:xfrm>
-            <a:off x="3124200" y="6356350"/>
-            <a:ext cx="2895600" cy="365125"/>
-          </a:xfrm>
-        </p:spPr>
+        <p:spPr/>
         <p:txBody>
           <a:bodyPr/>
           <a:lstStyle>
@@ -1373,7 +1348,7 @@
       </p:sp>
       <p:sp>
         <p:nvSpPr>
-          <p:cNvPr id="7" name="Slide Number Placeholder 6"/>
+          <p:cNvPr id="7" name="Pladsholder til diasnummer 5"/>
           <p:cNvSpPr>
             <a:spLocks noGrp="1"/>
           </p:cNvSpPr>
@@ -1381,12 +1356,7 @@
             <p:ph type="sldNum" sz="quarter" idx="12"/>
           </p:nvPr>
         </p:nvSpPr>
-        <p:spPr>
-          <a:xfrm>
-            <a:off x="6553200" y="6356350"/>
-            <a:ext cx="2133600" cy="365125"/>
-          </a:xfrm>
-        </p:spPr>
+        <p:spPr/>
         <p:txBody>
           <a:bodyPr/>
           <a:lstStyle>
@@ -1398,12 +1368,12 @@
             <a:pPr>
               <a:defRPr/>
             </a:pPr>
-            <a:fld id="{C591659B-80D1-485F-8A4C-336D270947E1}" type="slidenum">
+            <a:fld id="{4F0519AC-B0BB-4E97-AC55-36DDDC6F71CA}" type="slidenum">
               <a:rPr lang="da-DK"/>
               <a:pPr>
                 <a:defRPr/>
               </a:pPr>
-              <a:t>‹nr.›</a:t>
+              <a:t>‹#›</a:t>
             </a:fld>
             <a:endParaRPr lang="da-DK"/>
           </a:p>
@@ -1493,7 +1463,7 @@
       </p:sp>
       <p:sp>
         <p:nvSpPr>
-          <p:cNvPr id="3" name="Date Placeholder 2"/>
+          <p:cNvPr id="3" name="Pladsholder til dato 3"/>
           <p:cNvSpPr>
             <a:spLocks noGrp="1"/>
           </p:cNvSpPr>
@@ -1501,12 +1471,7 @@
             <p:ph type="dt" sz="half" idx="10"/>
           </p:nvPr>
         </p:nvSpPr>
-        <p:spPr>
-          <a:xfrm>
-            <a:off x="457200" y="6356350"/>
-            <a:ext cx="2133600" cy="365125"/>
-          </a:xfrm>
-        </p:spPr>
+        <p:spPr/>
         <p:txBody>
           <a:bodyPr/>
           <a:lstStyle>
@@ -1518,7 +1483,7 @@
             <a:pPr>
               <a:defRPr/>
             </a:pPr>
-            <a:fld id="{A00C734B-6FE6-45C2-8689-3A5FDB48A282}" type="datetimeFigureOut">
+            <a:fld id="{73734091-315F-4814-85BC-EF435245EC66}" type="datetimeFigureOut">
               <a:rPr lang="da-DK"/>
               <a:pPr>
                 <a:defRPr/>
@@ -1531,7 +1496,7 @@
       </p:sp>
       <p:sp>
         <p:nvSpPr>
-          <p:cNvPr id="4" name="Footer Placeholder 3"/>
+          <p:cNvPr id="4" name="Pladsholder til sidefod 4"/>
           <p:cNvSpPr>
             <a:spLocks noGrp="1"/>
           </p:cNvSpPr>
@@ -1539,12 +1504,7 @@
             <p:ph type="ftr" sz="quarter" idx="11"/>
           </p:nvPr>
         </p:nvSpPr>
-        <p:spPr>
-          <a:xfrm>
-            <a:off x="3124200" y="6356350"/>
-            <a:ext cx="2895600" cy="365125"/>
-          </a:xfrm>
-        </p:spPr>
+        <p:spPr/>
         <p:txBody>
           <a:bodyPr/>
           <a:lstStyle>
@@ -1562,7 +1522,7 @@
       </p:sp>
       <p:sp>
         <p:nvSpPr>
-          <p:cNvPr id="5" name="Slide Number Placeholder 4"/>
+          <p:cNvPr id="5" name="Pladsholder til diasnummer 5"/>
           <p:cNvSpPr>
             <a:spLocks noGrp="1"/>
           </p:cNvSpPr>
@@ -1570,12 +1530,7 @@
             <p:ph type="sldNum" sz="quarter" idx="12"/>
           </p:nvPr>
         </p:nvSpPr>
-        <p:spPr>
-          <a:xfrm>
-            <a:off x="6553200" y="6356350"/>
-            <a:ext cx="2133600" cy="365125"/>
-          </a:xfrm>
-        </p:spPr>
+        <p:spPr/>
         <p:txBody>
           <a:bodyPr/>
           <a:lstStyle>
@@ -1587,12 +1542,12 @@
             <a:pPr>
               <a:defRPr/>
             </a:pPr>
-            <a:fld id="{D5EDC695-4B4C-452F-B459-FAEF82DAF0CD}" type="slidenum">
+            <a:fld id="{B3A2A575-C134-4985-94C5-8C5FCC5B2F31}" type="slidenum">
               <a:rPr lang="da-DK"/>
               <a:pPr>
                 <a:defRPr/>
               </a:pPr>
-              <a:t>‹nr.›</a:t>
+              <a:t>‹#›</a:t>
             </a:fld>
             <a:endParaRPr lang="da-DK"/>
           </a:p>
@@ -1720,7 +1675,7 @@
             <a:pPr>
               <a:defRPr/>
             </a:pPr>
-            <a:fld id="{81878995-614D-4BFD-8BB6-E39D14912A44}" type="datetimeFigureOut">
+            <a:fld id="{FAA316FC-4012-4C87-B933-A6D148BEDCED}" type="datetimeFigureOut">
               <a:rPr lang="da-DK"/>
               <a:pPr>
                 <a:defRPr/>
@@ -1779,12 +1734,12 @@
             <a:pPr>
               <a:defRPr/>
             </a:pPr>
-            <a:fld id="{1C1F49BF-4C66-4C2E-A93F-CA819985C369}" type="slidenum">
+            <a:fld id="{625D9561-D417-42F1-8591-5E25D5753E98}" type="slidenum">
               <a:rPr lang="da-DK"/>
               <a:pPr>
                 <a:defRPr/>
               </a:pPr>
-              <a:t>‹nr.›</a:t>
+              <a:t>‹#›</a:t>
             </a:fld>
             <a:endParaRPr lang="da-DK"/>
           </a:p>
@@ -1988,7 +1943,7 @@
             <a:pPr>
               <a:defRPr/>
             </a:pPr>
-            <a:fld id="{95E10A75-C298-4F95-B9A6-19BA5046E4D0}" type="datetimeFigureOut">
+            <a:fld id="{175CBA2D-E6D0-44AC-9901-5CF3C757689F}" type="datetimeFigureOut">
               <a:rPr lang="da-DK"/>
               <a:pPr>
                 <a:defRPr/>
@@ -2047,12 +2002,12 @@
             <a:pPr>
               <a:defRPr/>
             </a:pPr>
-            <a:fld id="{A5C81236-0ED5-4BCF-BAC1-1DC3C721B385}" type="slidenum">
+            <a:fld id="{456B5445-CB88-4784-BF8E-C344913F81C2}" type="slidenum">
               <a:rPr lang="da-DK"/>
               <a:pPr>
                 <a:defRPr/>
               </a:pPr>
-              <a:t>‹nr.›</a:t>
+              <a:t>‹#›</a:t>
             </a:fld>
             <a:endParaRPr lang="da-DK"/>
           </a:p>
@@ -2298,7 +2253,7 @@
             <a:pPr>
               <a:defRPr/>
             </a:pPr>
-            <a:fld id="{F600574A-C61A-40A9-9E21-6B92FA13CD59}" type="datetimeFigureOut">
+            <a:fld id="{F038E2A6-78DC-4D28-B851-CF2C2CCBFF4B}" type="datetimeFigureOut">
               <a:rPr lang="da-DK"/>
               <a:pPr>
                 <a:defRPr/>
@@ -2357,12 +2312,12 @@
             <a:pPr>
               <a:defRPr/>
             </a:pPr>
-            <a:fld id="{84C21144-7751-4995-B359-90D4F2131C71}" type="slidenum">
+            <a:fld id="{03F0BB96-1B5B-4650-BB6C-F6E45FE7922A}" type="slidenum">
               <a:rPr lang="da-DK"/>
               <a:pPr>
                 <a:defRPr/>
               </a:pPr>
-              <a:t>‹nr.›</a:t>
+              <a:t>‹#›</a:t>
             </a:fld>
             <a:endParaRPr lang="da-DK"/>
           </a:p>
@@ -2742,7 +2697,7 @@
             <a:pPr>
               <a:defRPr/>
             </a:pPr>
-            <a:fld id="{1D31058D-65F7-4E45-AA4E-09E6EBEA1609}" type="datetimeFigureOut">
+            <a:fld id="{5AB01EF1-D5AC-4572-B68D-00D15F740306}" type="datetimeFigureOut">
               <a:rPr lang="da-DK"/>
               <a:pPr>
                 <a:defRPr/>
@@ -2801,12 +2756,12 @@
             <a:pPr>
               <a:defRPr/>
             </a:pPr>
-            <a:fld id="{9F00F99B-662C-4575-9B2D-D4E19B353EE3}" type="slidenum">
+            <a:fld id="{F52CF2F9-5113-4B50-B157-E4B61842C619}" type="slidenum">
               <a:rPr lang="da-DK"/>
               <a:pPr>
                 <a:defRPr/>
               </a:pPr>
-              <a:t>‹nr.›</a:t>
+              <a:t>‹#›</a:t>
             </a:fld>
             <a:endParaRPr lang="da-DK"/>
           </a:p>
@@ -2882,7 +2837,7 @@
             <a:pPr>
               <a:defRPr/>
             </a:pPr>
-            <a:fld id="{C839B1E6-B46A-4F43-829B-4CB302F47B9D}" type="datetimeFigureOut">
+            <a:fld id="{DB99D0E4-41C2-4951-A97F-D1132E6F6B3D}" type="datetimeFigureOut">
               <a:rPr lang="da-DK"/>
               <a:pPr>
                 <a:defRPr/>
@@ -2941,12 +2896,12 @@
             <a:pPr>
               <a:defRPr/>
             </a:pPr>
-            <a:fld id="{F7040FCF-9AAB-4B08-95A7-AECB8EAF711C}" type="slidenum">
+            <a:fld id="{C0D3706F-C109-4D24-8B51-AC18AB054198}" type="slidenum">
               <a:rPr lang="da-DK"/>
               <a:pPr>
                 <a:defRPr/>
               </a:pPr>
-              <a:t>‹nr.›</a:t>
+              <a:t>‹#›</a:t>
             </a:fld>
             <a:endParaRPr lang="da-DK"/>
           </a:p>
@@ -2999,7 +2954,7 @@
             <a:pPr>
               <a:defRPr/>
             </a:pPr>
-            <a:fld id="{BF50DBDC-0F39-4857-BC78-77CC95D480F8}" type="datetimeFigureOut">
+            <a:fld id="{62BC03DF-48F5-45E5-A819-86BA4303B16C}" type="datetimeFigureOut">
               <a:rPr lang="da-DK"/>
               <a:pPr>
                 <a:defRPr/>
@@ -3058,12 +3013,12 @@
             <a:pPr>
               <a:defRPr/>
             </a:pPr>
-            <a:fld id="{704A7813-0732-4CDF-AB19-C6B70047F5E2}" type="slidenum">
+            <a:fld id="{3778CE56-750F-4E80-8054-C538757FDD83}" type="slidenum">
               <a:rPr lang="da-DK"/>
               <a:pPr>
                 <a:defRPr/>
               </a:pPr>
-              <a:t>‹nr.›</a:t>
+              <a:t>‹#›</a:t>
             </a:fld>
             <a:endParaRPr lang="da-DK"/>
           </a:p>
@@ -3298,7 +3253,7 @@
             <a:pPr>
               <a:defRPr/>
             </a:pPr>
-            <a:fld id="{CDA4858A-AE2A-4D1F-80B8-252E34510FD4}" type="datetimeFigureOut">
+            <a:fld id="{9ABF2AD6-5DA7-4C81-A169-CEB40F501E88}" type="datetimeFigureOut">
               <a:rPr lang="da-DK"/>
               <a:pPr>
                 <a:defRPr/>
@@ -3357,12 +3312,12 @@
             <a:pPr>
               <a:defRPr/>
             </a:pPr>
-            <a:fld id="{8D861E1E-C1C4-4370-B90D-EFA7C006FFCF}" type="slidenum">
+            <a:fld id="{2F436911-90CD-4BA6-94F3-838347138F7B}" type="slidenum">
               <a:rPr lang="da-DK"/>
               <a:pPr>
                 <a:defRPr/>
               </a:pPr>
-              <a:t>‹nr.›</a:t>
+              <a:t>‹#›</a:t>
             </a:fld>
             <a:endParaRPr lang="da-DK"/>
           </a:p>
@@ -3576,7 +3531,7 @@
             <a:pPr>
               <a:defRPr/>
             </a:pPr>
-            <a:fld id="{2696D564-FC26-4767-A6E4-765B30B6ED7E}" type="datetimeFigureOut">
+            <a:fld id="{4D63CA7A-8B21-4384-A10D-A090310C72F1}" type="datetimeFigureOut">
               <a:rPr lang="da-DK"/>
               <a:pPr>
                 <a:defRPr/>
@@ -3635,12 +3590,12 @@
             <a:pPr>
               <a:defRPr/>
             </a:pPr>
-            <a:fld id="{53A634B5-BA62-4648-A9AA-1482682262AC}" type="slidenum">
+            <a:fld id="{1EE32F7C-43B5-46A7-BB4E-CAC079C90B1D}" type="slidenum">
               <a:rPr lang="da-DK"/>
               <a:pPr>
                 <a:defRPr/>
               </a:pPr>
-              <a:t>‹nr.›</a:t>
+              <a:t>‹#›</a:t>
             </a:fld>
             <a:endParaRPr lang="da-DK"/>
           </a:p>
@@ -3831,7 +3786,7 @@
             <a:pPr>
               <a:defRPr/>
             </a:pPr>
-            <a:fld id="{684D89FD-24A5-4CBB-B00D-EF970FE51FAF}" type="datetimeFigureOut">
+            <a:fld id="{1C321F32-8176-403A-839C-28B857F5D7E0}" type="datetimeFigureOut">
               <a:rPr lang="da-DK"/>
               <a:pPr>
                 <a:defRPr/>
@@ -3932,12 +3887,12 @@
             <a:pPr>
               <a:defRPr/>
             </a:pPr>
-            <a:fld id="{C1667EAC-3530-410F-A933-493376770715}" type="slidenum">
+            <a:fld id="{96DB4DEF-D728-42B0-8EE9-2142149143DC}" type="slidenum">
               <a:rPr lang="da-DK"/>
               <a:pPr>
                 <a:defRPr/>
               </a:pPr>
-              <a:t>‹nr.›</a:t>
+              <a:t>‹#›</a:t>
             </a:fld>
             <a:endParaRPr lang="da-DK"/>
           </a:p>
@@ -3947,20 +3902,20 @@
   </p:cSld>
   <p:clrMap bg1="lt1" tx1="dk1" bg2="lt2" tx2="dk2" accent1="accent1" accent2="accent2" accent3="accent3" accent4="accent4" accent5="accent5" accent6="accent6" hlink="hlink" folHlink="folHlink"/>
   <p:sldLayoutIdLst>
-    <p:sldLayoutId id="2147483649" r:id="rId1"/>
-    <p:sldLayoutId id="2147483650" r:id="rId2"/>
-    <p:sldLayoutId id="2147483651" r:id="rId3"/>
-    <p:sldLayoutId id="2147483652" r:id="rId4"/>
-    <p:sldLayoutId id="2147483653" r:id="rId5"/>
-    <p:sldLayoutId id="2147483654" r:id="rId6"/>
-    <p:sldLayoutId id="2147483655" r:id="rId7"/>
-    <p:sldLayoutId id="2147483656" r:id="rId8"/>
-    <p:sldLayoutId id="2147483657" r:id="rId9"/>
-    <p:sldLayoutId id="2147483658" r:id="rId10"/>
-    <p:sldLayoutId id="2147483659" r:id="rId11"/>
-    <p:sldLayoutId id="2147483660" r:id="rId12"/>
-    <p:sldLayoutId id="2147483661" r:id="rId13"/>
-    <p:sldLayoutId id="2147483662" r:id="rId14"/>
+    <p:sldLayoutId id="2147483662" r:id="rId1"/>
+    <p:sldLayoutId id="2147483661" r:id="rId2"/>
+    <p:sldLayoutId id="2147483660" r:id="rId3"/>
+    <p:sldLayoutId id="2147483659" r:id="rId4"/>
+    <p:sldLayoutId id="2147483658" r:id="rId5"/>
+    <p:sldLayoutId id="2147483657" r:id="rId6"/>
+    <p:sldLayoutId id="2147483656" r:id="rId7"/>
+    <p:sldLayoutId id="2147483655" r:id="rId8"/>
+    <p:sldLayoutId id="2147483654" r:id="rId9"/>
+    <p:sldLayoutId id="2147483653" r:id="rId10"/>
+    <p:sldLayoutId id="2147483652" r:id="rId11"/>
+    <p:sldLayoutId id="2147483651" r:id="rId12"/>
+    <p:sldLayoutId id="2147483650" r:id="rId13"/>
+    <p:sldLayoutId id="2147483649" r:id="rId14"/>
   </p:sldLayoutIdLst>
   <p:txStyles>
     <p:titleStyle>
@@ -4363,7 +4318,7 @@
       </p:grpSpPr>
       <p:sp>
         <p:nvSpPr>
-          <p:cNvPr id="13313" name="Titel 1"/>
+          <p:cNvPr id="16385" name="Titel 1"/>
           <p:cNvSpPr>
             <a:spLocks noGrp="1"/>
           </p:cNvSpPr>
@@ -4443,7 +4398,7 @@
       </p:grpSpPr>
       <p:sp>
         <p:nvSpPr>
-          <p:cNvPr id="22529" name="Titel 1"/>
+          <p:cNvPr id="28673" name="Titel 1"/>
           <p:cNvSpPr>
             <a:spLocks noGrp="1"/>
           </p:cNvSpPr>
@@ -4458,16 +4413,15 @@
           <a:p>
             <a:pPr eaLnBrk="1" hangingPunct="1"/>
             <a:r>
-              <a:rPr lang="da-DK" dirty="0" err="1" smtClean="0"/>
+              <a:rPr lang="da-DK" smtClean="0"/>
               <a:t>Læringsmålene</a:t>
             </a:r>
-            <a:endParaRPr lang="da-DK" dirty="0" smtClean="0"/>
-          </a:p>
-        </p:txBody>
-      </p:sp>
-      <p:sp>
-        <p:nvSpPr>
-          <p:cNvPr id="22530" name="Pladsholder til indhold 2"/>
+          </a:p>
+        </p:txBody>
+      </p:sp>
+      <p:sp>
+        <p:nvSpPr>
+          <p:cNvPr id="28674" name="Pladsholder til indhold 2"/>
           <p:cNvSpPr>
             <a:spLocks noGrp="1"/>
           </p:cNvSpPr>
@@ -4482,80 +4436,42 @@
           <a:p>
             <a:pPr eaLnBrk="1" hangingPunct="1"/>
             <a:r>
-              <a:rPr lang="da-DK" dirty="0" smtClean="0"/>
+              <a:rPr lang="da-DK" smtClean="0"/>
               <a:t>Forundersøgelse (SRS, </a:t>
             </a:r>
             <a:r>
-              <a:rPr lang="da-DK" i="1" dirty="0" smtClean="0"/>
+              <a:rPr lang="da-DK" i="1" smtClean="0"/>
               <a:t>DDD</a:t>
             </a:r>
             <a:r>
-              <a:rPr lang="da-DK" dirty="0" smtClean="0"/>
+              <a:rPr lang="da-DK" smtClean="0"/>
               <a:t>)</a:t>
             </a:r>
           </a:p>
           <a:p>
             <a:pPr eaLnBrk="1" hangingPunct="1"/>
             <a:r>
-              <a:rPr lang="da-DK" dirty="0" err="1" smtClean="0"/>
-              <a:t>Risk</a:t>
-            </a:r>
-            <a:r>
-              <a:rPr lang="da-DK" dirty="0" smtClean="0"/>
-              <a:t> </a:t>
-            </a:r>
-            <a:r>
-              <a:rPr lang="da-DK" dirty="0" err="1" smtClean="0"/>
-              <a:t>level</a:t>
-            </a:r>
-            <a:r>
-              <a:rPr lang="da-DK" dirty="0" smtClean="0"/>
-              <a:t> management</a:t>
+              <a:rPr lang="da-DK" smtClean="0"/>
+              <a:t>Risk level management</a:t>
             </a:r>
           </a:p>
           <a:p>
             <a:pPr eaLnBrk="1" hangingPunct="1"/>
             <a:r>
-              <a:rPr lang="da-DK" dirty="0" smtClean="0"/>
-              <a:t>Overgang fra </a:t>
-            </a:r>
-            <a:r>
-              <a:rPr lang="da-DK" dirty="0" err="1" smtClean="0"/>
-              <a:t>SysML/UML</a:t>
-            </a:r>
-            <a:r>
-              <a:rPr lang="da-DK" dirty="0" smtClean="0"/>
-              <a:t> til </a:t>
-            </a:r>
-            <a:r>
-              <a:rPr lang="da-DK" dirty="0" err="1" smtClean="0"/>
-              <a:t>SystemC</a:t>
-            </a:r>
-            <a:endParaRPr lang="da-DK" dirty="0" smtClean="0"/>
+              <a:rPr lang="da-DK" smtClean="0"/>
+              <a:t>Overgang fra SysML/UML til SystemC</a:t>
+            </a:r>
           </a:p>
           <a:p>
             <a:pPr eaLnBrk="1" hangingPunct="1"/>
             <a:r>
-              <a:rPr lang="da-DK" dirty="0" smtClean="0"/>
-              <a:t>Mest optimal </a:t>
-            </a:r>
-            <a:r>
-              <a:rPr lang="da-DK" dirty="0" err="1" smtClean="0"/>
-              <a:t>mapning</a:t>
-            </a:r>
-            <a:r>
-              <a:rPr lang="da-DK" dirty="0" smtClean="0"/>
-              <a:t> i forhold til </a:t>
-            </a:r>
-            <a:r>
-              <a:rPr lang="da-DK" dirty="0" err="1" smtClean="0"/>
-              <a:t>metric</a:t>
-            </a:r>
-            <a:endParaRPr lang="da-DK" dirty="0" smtClean="0"/>
+              <a:rPr lang="da-DK" smtClean="0"/>
+              <a:t>Mest optimal mapning i forhold til metric</a:t>
+            </a:r>
           </a:p>
           <a:p>
             <a:pPr eaLnBrk="1" hangingPunct="1"/>
-            <a:endParaRPr lang="da-DK" dirty="0" smtClean="0"/>
+            <a:endParaRPr lang="da-DK" smtClean="0"/>
           </a:p>
         </p:txBody>
       </p:sp>
@@ -4586,7 +4502,7 @@
       </p:grpSpPr>
       <p:sp>
         <p:nvSpPr>
-          <p:cNvPr id="23553" name="Titel 1"/>
+          <p:cNvPr id="26625" name="Titel 1"/>
           <p:cNvSpPr>
             <a:spLocks noGrp="1"/>
           </p:cNvSpPr>
@@ -4609,7 +4525,7 @@
       </p:sp>
       <p:sp>
         <p:nvSpPr>
-          <p:cNvPr id="23554" name="Pladsholder til indhold 2"/>
+          <p:cNvPr id="26626" name="Pladsholder til indhold 2"/>
           <p:cNvSpPr>
             <a:spLocks noGrp="1"/>
           </p:cNvSpPr>
@@ -4668,7 +4584,7 @@
       </p:grpSpPr>
       <p:sp>
         <p:nvSpPr>
-          <p:cNvPr id="25602" name="Rectangle 2"/>
+          <p:cNvPr id="25605" name="Rectangle 2"/>
           <p:cNvSpPr>
             <a:spLocks noGrp="1"/>
           </p:cNvSpPr>
@@ -4697,7 +4613,7 @@
       </p:sp>
       <p:sp>
         <p:nvSpPr>
-          <p:cNvPr id="25603" name="Rectangle 3"/>
+          <p:cNvPr id="25606" name="Rectangle 3"/>
           <p:cNvSpPr>
             <a:spLocks noGrp="1"/>
           </p:cNvSpPr>
@@ -4708,15 +4624,31 @@
         <p:spPr>
           <a:xfrm>
             <a:off x="457200" y="1600200"/>
-            <a:ext cx="3035300" cy="533400"/>
+            <a:ext cx="3322638" cy="533400"/>
           </a:xfrm>
         </p:spPr>
         <p:txBody>
           <a:bodyPr/>
           <a:lstStyle/>
           <a:p>
-            <a:r>
-              <a:rPr lang="en-US" sz="2800" smtClean="0"/>
+            <a:pPr>
+              <a:lnSpc>
+                <a:spcPct val="80000"/>
+              </a:lnSpc>
+            </a:pPr>
+            <a:r>
+              <a:rPr lang="en-US" sz="1200" smtClean="0"/>
+              <a:t>Stakeholder Requirement Definition (SRD)</a:t>
+            </a:r>
+          </a:p>
+          <a:p>
+            <a:pPr>
+              <a:lnSpc>
+                <a:spcPct val="80000"/>
+              </a:lnSpc>
+            </a:pPr>
+            <a:r>
+              <a:rPr lang="en-US" sz="1200" smtClean="0"/>
               <a:t>Context Diagram</a:t>
             </a:r>
           </a:p>
@@ -4733,7 +4665,7 @@
           </p:nvPr>
         </p:nvGraphicFramePr>
         <p:xfrm>
-          <a:off x="2865438" y="1628775"/>
+          <a:off x="3779838" y="1557338"/>
           <a:ext cx="4587875" cy="4752975"/>
         </p:xfrm>
         <a:graphic>
@@ -4771,7 +4703,7 @@
       </p:grpSpPr>
       <p:sp>
         <p:nvSpPr>
-          <p:cNvPr id="29699" name="Rectangle 3"/>
+          <p:cNvPr id="29701" name="Rectangle 3"/>
           <p:cNvSpPr>
             <a:spLocks noGrp="1"/>
           </p:cNvSpPr>
@@ -4902,7 +4834,7 @@
       </p:grpSpPr>
       <p:sp>
         <p:nvSpPr>
-          <p:cNvPr id="24578" name="Rectangle 2"/>
+          <p:cNvPr id="24584" name="Rectangle 2"/>
           <p:cNvSpPr>
             <a:spLocks noGrp="1"/>
           </p:cNvSpPr>
@@ -4931,7 +4863,7 @@
       </p:sp>
       <p:sp>
         <p:nvSpPr>
-          <p:cNvPr id="24579" name="Rectangle 3"/>
+          <p:cNvPr id="24585" name="Rectangle 3"/>
           <p:cNvSpPr>
             <a:spLocks noGrp="1"/>
           </p:cNvSpPr>
@@ -5000,7 +4932,7 @@
       </p:grpSpPr>
       <p:sp>
         <p:nvSpPr>
-          <p:cNvPr id="36867" name="Rectangle 3"/>
+          <p:cNvPr id="36869" name="Rectangle 3"/>
           <p:cNvSpPr>
             <a:spLocks noGrp="1"/>
           </p:cNvSpPr>
@@ -5214,7 +5146,7 @@
       </p:grpSpPr>
       <p:sp>
         <p:nvSpPr>
-          <p:cNvPr id="14337" name="Titel 1"/>
+          <p:cNvPr id="17409" name="Titel 1"/>
           <p:cNvSpPr>
             <a:spLocks noGrp="1"/>
           </p:cNvSpPr>
@@ -5237,14 +5169,14 @@
       </p:sp>
       <p:pic>
         <p:nvPicPr>
-          <p:cNvPr id="14338" name="Picture 3"/>
+          <p:cNvPr id="17410" name="Picture 3"/>
           <p:cNvPicPr>
             <a:picLocks noChangeAspect="1" noChangeArrowheads="1"/>
           </p:cNvPicPr>
           <p:nvPr/>
         </p:nvPicPr>
         <p:blipFill>
-          <a:blip r:embed="rId2" cstate="print"/>
+          <a:blip r:embed="rId2"/>
           <a:srcRect/>
           <a:stretch>
             <a:fillRect/>
@@ -5294,7 +5226,7 @@
       </p:grpSpPr>
       <p:sp>
         <p:nvSpPr>
-          <p:cNvPr id="15361" name="Titel 1"/>
+          <p:cNvPr id="18433" name="Titel 1"/>
           <p:cNvSpPr>
             <a:spLocks noGrp="1"/>
           </p:cNvSpPr>
@@ -5317,7 +5249,7 @@
       </p:sp>
       <p:sp>
         <p:nvSpPr>
-          <p:cNvPr id="15362" name="Pladsholder til indhold 2"/>
+          <p:cNvPr id="18434" name="Pladsholder til indhold 2"/>
           <p:cNvSpPr>
             <a:spLocks noGrp="1"/>
           </p:cNvSpPr>
@@ -5379,7 +5311,7 @@
       </p:grpSpPr>
       <p:sp>
         <p:nvSpPr>
-          <p:cNvPr id="16385" name="Titel 1"/>
+          <p:cNvPr id="19457" name="Titel 1"/>
           <p:cNvSpPr>
             <a:spLocks noGrp="1"/>
           </p:cNvSpPr>
@@ -5402,7 +5334,7 @@
       </p:sp>
       <p:sp>
         <p:nvSpPr>
-          <p:cNvPr id="16386" name="Pladsholder til indhold 2"/>
+          <p:cNvPr id="19458" name="Pladsholder til indhold 2"/>
           <p:cNvSpPr>
             <a:spLocks noGrp="1"/>
           </p:cNvSpPr>
@@ -5457,7 +5389,7 @@
       </p:grpSpPr>
       <p:sp>
         <p:nvSpPr>
-          <p:cNvPr id="17409" name="Titel 1"/>
+          <p:cNvPr id="20481" name="Titel 1"/>
           <p:cNvSpPr>
             <a:spLocks noGrp="1"/>
           </p:cNvSpPr>
@@ -5480,14 +5412,14 @@
       </p:sp>
       <p:pic>
         <p:nvPicPr>
-          <p:cNvPr id="17410" name="Picture 4"/>
+          <p:cNvPr id="20482" name="Picture 4"/>
           <p:cNvPicPr>
             <a:picLocks noChangeAspect="1" noChangeArrowheads="1"/>
           </p:cNvPicPr>
           <p:nvPr/>
         </p:nvPicPr>
         <p:blipFill>
-          <a:blip r:embed="rId2" cstate="print"/>
+          <a:blip r:embed="rId2"/>
           <a:srcRect t="20415"/>
           <a:stretch>
             <a:fillRect/>
@@ -5537,7 +5469,7 @@
       </p:grpSpPr>
       <p:sp>
         <p:nvSpPr>
-          <p:cNvPr id="18433" name="Titel 1"/>
+          <p:cNvPr id="21505" name="Titel 1"/>
           <p:cNvSpPr>
             <a:spLocks noGrp="1"/>
           </p:cNvSpPr>
@@ -5555,7 +5487,6 @@
               <a:rPr lang="da-DK" smtClean="0"/>
               <a:t>Udfordringer</a:t>
             </a:r>
-            <a:endParaRPr lang="da-DK" dirty="0" smtClean="0"/>
           </a:p>
         </p:txBody>
       </p:sp>
@@ -5687,7 +5618,7 @@
       </p:grpSpPr>
       <p:sp>
         <p:nvSpPr>
-          <p:cNvPr id="19457" name="Titel 1"/>
+          <p:cNvPr id="22529" name="Titel 1"/>
           <p:cNvSpPr>
             <a:spLocks noGrp="1"/>
           </p:cNvSpPr>
@@ -5710,7 +5641,7 @@
       </p:sp>
       <p:sp>
         <p:nvSpPr>
-          <p:cNvPr id="19458" name="Pladsholder til indhold 2"/>
+          <p:cNvPr id="22530" name="Pladsholder til indhold 2"/>
           <p:cNvSpPr>
             <a:spLocks noGrp="1"/>
           </p:cNvSpPr>
@@ -5797,7 +5728,7 @@
       </p:grpSpPr>
       <p:sp>
         <p:nvSpPr>
-          <p:cNvPr id="20481" name="Titel 1"/>
+          <p:cNvPr id="23553" name="Titel 1"/>
           <p:cNvSpPr>
             <a:spLocks noGrp="1"/>
           </p:cNvSpPr>
@@ -5820,7 +5751,7 @@
       </p:sp>
       <p:sp>
         <p:nvSpPr>
-          <p:cNvPr id="20482" name="Pladsholder til indhold 2"/>
+          <p:cNvPr id="23554" name="Pladsholder til indhold 2"/>
           <p:cNvSpPr>
             <a:spLocks noGrp="1"/>
           </p:cNvSpPr>
@@ -5928,7 +5859,7 @@
       </p:grpSpPr>
       <p:sp>
         <p:nvSpPr>
-          <p:cNvPr id="21505" name="Titel 1"/>
+          <p:cNvPr id="31745" name="Titel 1"/>
           <p:cNvSpPr>
             <a:spLocks noGrp="1"/>
           </p:cNvSpPr>
@@ -5951,7 +5882,7 @@
       </p:sp>
       <p:sp>
         <p:nvSpPr>
-          <p:cNvPr id="21506" name="Pladsholder til indhold 2"/>
+          <p:cNvPr id="31746" name="Pladsholder til indhold 2"/>
           <p:cNvSpPr>
             <a:spLocks noGrp="1"/>
           </p:cNvSpPr>

--- a/syseng_hwco/proj/Artifact/Presentations/Presentation_11_02_11.pptx
+++ b/syseng_hwco/proj/Artifact/Presentations/Presentation_11_02_11.pptx
@@ -340,7 +340,7 @@
             <a:pPr>
               <a:defRPr/>
             </a:pPr>
-            <a:fld id="{EEDC1880-2975-46D3-8E7E-522FD6C4B9CA}" type="datetimeFigureOut">
+            <a:fld id="{70F0FF54-2104-47C1-B311-212C6EE6511A}" type="datetimeFigureOut">
               <a:rPr lang="da-DK"/>
               <a:pPr>
                 <a:defRPr/>
@@ -399,7 +399,7 @@
             <a:pPr>
               <a:defRPr/>
             </a:pPr>
-            <a:fld id="{8F103561-95F5-47B8-BB26-A21096C55CEC}" type="slidenum">
+            <a:fld id="{CA6D67F5-FCF8-40DE-AC1B-B3E0613A5B03}" type="slidenum">
               <a:rPr lang="da-DK"/>
               <a:pPr>
                 <a:defRPr/>
@@ -532,7 +532,7 @@
             <a:pPr>
               <a:defRPr/>
             </a:pPr>
-            <a:fld id="{CA83E445-0F58-472A-82B1-87A59B8C7205}" type="datetimeFigureOut">
+            <a:fld id="{B37DE70A-4C74-4C22-AAE7-E74D29FC6D3B}" type="datetimeFigureOut">
               <a:rPr lang="da-DK"/>
               <a:pPr>
                 <a:defRPr/>
@@ -591,7 +591,7 @@
             <a:pPr>
               <a:defRPr/>
             </a:pPr>
-            <a:fld id="{591CC028-A469-4E9F-A7A5-B05EA91A5BF6}" type="slidenum">
+            <a:fld id="{C3B16047-84F1-406A-B3D7-8D50728A68C8}" type="slidenum">
               <a:rPr lang="da-DK"/>
               <a:pPr>
                 <a:defRPr/>
@@ -734,7 +734,7 @@
             <a:pPr>
               <a:defRPr/>
             </a:pPr>
-            <a:fld id="{07E9DDB9-B38F-4330-9321-316B6D848E1F}" type="datetimeFigureOut">
+            <a:fld id="{DC8865AA-A257-4EAB-A2AC-76DA01B9AE8D}" type="datetimeFigureOut">
               <a:rPr lang="da-DK"/>
               <a:pPr>
                 <a:defRPr/>
@@ -793,7 +793,7 @@
             <a:pPr>
               <a:defRPr/>
             </a:pPr>
-            <a:fld id="{7EC24705-9311-448B-A56E-BFCC38AA2EEB}" type="slidenum">
+            <a:fld id="{61BE8DEA-F4B7-4DC9-AB6E-7756B696D3AD}" type="slidenum">
               <a:rPr lang="da-DK"/>
               <a:pPr>
                 <a:defRPr/>
@@ -1050,7 +1050,7 @@
             <a:pPr>
               <a:defRPr/>
             </a:pPr>
-            <a:fld id="{80E7BE7C-5A81-4912-8695-5CF830664AE1}" type="datetimeFigureOut">
+            <a:fld id="{3E6C0EAE-7F6B-41DA-A2C0-1955A682D983}" type="datetimeFigureOut">
               <a:rPr lang="da-DK"/>
               <a:pPr>
                 <a:defRPr/>
@@ -1109,7 +1109,7 @@
             <a:pPr>
               <a:defRPr/>
             </a:pPr>
-            <a:fld id="{B5E6BA60-030C-4DD1-88F6-FA41DE334559}" type="slidenum">
+            <a:fld id="{1FB10598-2963-4129-A9F6-4762D3D62F3E}" type="slidenum">
               <a:rPr lang="da-DK"/>
               <a:pPr>
                 <a:defRPr/>
@@ -1309,7 +1309,7 @@
             <a:pPr>
               <a:defRPr/>
             </a:pPr>
-            <a:fld id="{2F928ACB-18D5-40FE-9F8F-62CCEF90FB38}" type="datetimeFigureOut">
+            <a:fld id="{540C043D-85C8-42DD-AE23-3042757181AF}" type="datetimeFigureOut">
               <a:rPr lang="da-DK"/>
               <a:pPr>
                 <a:defRPr/>
@@ -1368,7 +1368,7 @@
             <a:pPr>
               <a:defRPr/>
             </a:pPr>
-            <a:fld id="{4F0519AC-B0BB-4E97-AC55-36DDDC6F71CA}" type="slidenum">
+            <a:fld id="{D797EAFE-1734-46AB-80C6-469794AAE07C}" type="slidenum">
               <a:rPr lang="da-DK"/>
               <a:pPr>
                 <a:defRPr/>
@@ -1483,7 +1483,7 @@
             <a:pPr>
               <a:defRPr/>
             </a:pPr>
-            <a:fld id="{73734091-315F-4814-85BC-EF435245EC66}" type="datetimeFigureOut">
+            <a:fld id="{E356866F-3067-408A-98EE-743AF98CC6E5}" type="datetimeFigureOut">
               <a:rPr lang="da-DK"/>
               <a:pPr>
                 <a:defRPr/>
@@ -1542,7 +1542,7 @@
             <a:pPr>
               <a:defRPr/>
             </a:pPr>
-            <a:fld id="{B3A2A575-C134-4985-94C5-8C5FCC5B2F31}" type="slidenum">
+            <a:fld id="{2B639195-2BE1-45E8-9A2C-B2E9C9B53DD0}" type="slidenum">
               <a:rPr lang="da-DK"/>
               <a:pPr>
                 <a:defRPr/>
@@ -1675,7 +1675,7 @@
             <a:pPr>
               <a:defRPr/>
             </a:pPr>
-            <a:fld id="{FAA316FC-4012-4C87-B933-A6D148BEDCED}" type="datetimeFigureOut">
+            <a:fld id="{7405B3B5-CFC8-47C4-B5FF-FBF2FE42ADA8}" type="datetimeFigureOut">
               <a:rPr lang="da-DK"/>
               <a:pPr>
                 <a:defRPr/>
@@ -1734,7 +1734,7 @@
             <a:pPr>
               <a:defRPr/>
             </a:pPr>
-            <a:fld id="{625D9561-D417-42F1-8591-5E25D5753E98}" type="slidenum">
+            <a:fld id="{B6190940-DC9F-44DB-B138-BBEF95F19297}" type="slidenum">
               <a:rPr lang="da-DK"/>
               <a:pPr>
                 <a:defRPr/>
@@ -1943,7 +1943,7 @@
             <a:pPr>
               <a:defRPr/>
             </a:pPr>
-            <a:fld id="{175CBA2D-E6D0-44AC-9901-5CF3C757689F}" type="datetimeFigureOut">
+            <a:fld id="{12A02384-0C2F-4C78-B9BF-4E13367D2C4F}" type="datetimeFigureOut">
               <a:rPr lang="da-DK"/>
               <a:pPr>
                 <a:defRPr/>
@@ -2002,7 +2002,7 @@
             <a:pPr>
               <a:defRPr/>
             </a:pPr>
-            <a:fld id="{456B5445-CB88-4784-BF8E-C344913F81C2}" type="slidenum">
+            <a:fld id="{8A5FE8F4-2392-4FD7-915F-E03D1E3923ED}" type="slidenum">
               <a:rPr lang="da-DK"/>
               <a:pPr>
                 <a:defRPr/>
@@ -2253,7 +2253,7 @@
             <a:pPr>
               <a:defRPr/>
             </a:pPr>
-            <a:fld id="{F038E2A6-78DC-4D28-B851-CF2C2CCBFF4B}" type="datetimeFigureOut">
+            <a:fld id="{22CC1E50-48F0-4E70-9B65-F2367BBB6CE7}" type="datetimeFigureOut">
               <a:rPr lang="da-DK"/>
               <a:pPr>
                 <a:defRPr/>
@@ -2312,7 +2312,7 @@
             <a:pPr>
               <a:defRPr/>
             </a:pPr>
-            <a:fld id="{03F0BB96-1B5B-4650-BB6C-F6E45FE7922A}" type="slidenum">
+            <a:fld id="{A4FFB489-5EB3-4AB4-9494-E4644A2E6F01}" type="slidenum">
               <a:rPr lang="da-DK"/>
               <a:pPr>
                 <a:defRPr/>
@@ -2697,7 +2697,7 @@
             <a:pPr>
               <a:defRPr/>
             </a:pPr>
-            <a:fld id="{5AB01EF1-D5AC-4572-B68D-00D15F740306}" type="datetimeFigureOut">
+            <a:fld id="{0992AEFF-627D-4F7A-858A-42E59ED9593F}" type="datetimeFigureOut">
               <a:rPr lang="da-DK"/>
               <a:pPr>
                 <a:defRPr/>
@@ -2756,7 +2756,7 @@
             <a:pPr>
               <a:defRPr/>
             </a:pPr>
-            <a:fld id="{F52CF2F9-5113-4B50-B157-E4B61842C619}" type="slidenum">
+            <a:fld id="{742A379F-8A06-4896-AAA0-DE0F44AD4AFA}" type="slidenum">
               <a:rPr lang="da-DK"/>
               <a:pPr>
                 <a:defRPr/>
@@ -2837,7 +2837,7 @@
             <a:pPr>
               <a:defRPr/>
             </a:pPr>
-            <a:fld id="{DB99D0E4-41C2-4951-A97F-D1132E6F6B3D}" type="datetimeFigureOut">
+            <a:fld id="{2E11AFD8-EBDD-4676-AD57-CF5EFE17ADCA}" type="datetimeFigureOut">
               <a:rPr lang="da-DK"/>
               <a:pPr>
                 <a:defRPr/>
@@ -2896,7 +2896,7 @@
             <a:pPr>
               <a:defRPr/>
             </a:pPr>
-            <a:fld id="{C0D3706F-C109-4D24-8B51-AC18AB054198}" type="slidenum">
+            <a:fld id="{09F6F20A-D78A-4E91-86EB-0D7323D357B5}" type="slidenum">
               <a:rPr lang="da-DK"/>
               <a:pPr>
                 <a:defRPr/>
@@ -2954,7 +2954,7 @@
             <a:pPr>
               <a:defRPr/>
             </a:pPr>
-            <a:fld id="{62BC03DF-48F5-45E5-A819-86BA4303B16C}" type="datetimeFigureOut">
+            <a:fld id="{9845E6EE-F751-4E96-8F1A-A170CBA9EB26}" type="datetimeFigureOut">
               <a:rPr lang="da-DK"/>
               <a:pPr>
                 <a:defRPr/>
@@ -3013,7 +3013,7 @@
             <a:pPr>
               <a:defRPr/>
             </a:pPr>
-            <a:fld id="{3778CE56-750F-4E80-8054-C538757FDD83}" type="slidenum">
+            <a:fld id="{8AE10294-B85B-4776-A309-2D6715550617}" type="slidenum">
               <a:rPr lang="da-DK"/>
               <a:pPr>
                 <a:defRPr/>
@@ -3253,7 +3253,7 @@
             <a:pPr>
               <a:defRPr/>
             </a:pPr>
-            <a:fld id="{9ABF2AD6-5DA7-4C81-A169-CEB40F501E88}" type="datetimeFigureOut">
+            <a:fld id="{C0F25EB3-206C-48C9-B4A2-7F8BAEADD3F5}" type="datetimeFigureOut">
               <a:rPr lang="da-DK"/>
               <a:pPr>
                 <a:defRPr/>
@@ -3312,7 +3312,7 @@
             <a:pPr>
               <a:defRPr/>
             </a:pPr>
-            <a:fld id="{2F436911-90CD-4BA6-94F3-838347138F7B}" type="slidenum">
+            <a:fld id="{E680CD08-AF0B-49C3-BD1C-9AA5ED0DEB72}" type="slidenum">
               <a:rPr lang="da-DK"/>
               <a:pPr>
                 <a:defRPr/>
@@ -3531,7 +3531,7 @@
             <a:pPr>
               <a:defRPr/>
             </a:pPr>
-            <a:fld id="{4D63CA7A-8B21-4384-A10D-A090310C72F1}" type="datetimeFigureOut">
+            <a:fld id="{D45CAE3B-AA97-41C1-BC99-87A437D6B1CB}" type="datetimeFigureOut">
               <a:rPr lang="da-DK"/>
               <a:pPr>
                 <a:defRPr/>
@@ -3590,7 +3590,7 @@
             <a:pPr>
               <a:defRPr/>
             </a:pPr>
-            <a:fld id="{1EE32F7C-43B5-46A7-BB4E-CAC079C90B1D}" type="slidenum">
+            <a:fld id="{FCBB3567-959C-494E-B4FE-C962893A7FA5}" type="slidenum">
               <a:rPr lang="da-DK"/>
               <a:pPr>
                 <a:defRPr/>
@@ -3786,7 +3786,7 @@
             <a:pPr>
               <a:defRPr/>
             </a:pPr>
-            <a:fld id="{1C321F32-8176-403A-839C-28B857F5D7E0}" type="datetimeFigureOut">
+            <a:fld id="{611625F6-44A3-4F00-9877-B4C0A587EE6F}" type="datetimeFigureOut">
               <a:rPr lang="da-DK"/>
               <a:pPr>
                 <a:defRPr/>
@@ -3887,7 +3887,7 @@
             <a:pPr>
               <a:defRPr/>
             </a:pPr>
-            <a:fld id="{96DB4DEF-D728-42B0-8EE9-2142149143DC}" type="slidenum">
+            <a:fld id="{80EC0E3F-5D4F-4E9A-B740-D99EBB8040ED}" type="slidenum">
               <a:rPr lang="da-DK"/>
               <a:pPr>
                 <a:defRPr/>
@@ -4475,6 +4475,26 @@
           </a:p>
         </p:txBody>
       </p:sp>
+      <p:graphicFrame>
+        <p:nvGraphicFramePr>
+          <p:cNvPr id="28676" name="Object 4"/>
+          <p:cNvGraphicFramePr>
+            <a:graphicFrameLocks noChangeAspect="1"/>
+          </p:cNvGraphicFramePr>
+          <p:nvPr/>
+        </p:nvGraphicFramePr>
+        <p:xfrm>
+          <a:off x="827088" y="4076700"/>
+          <a:ext cx="7097712" cy="2011363"/>
+        </p:xfrm>
+        <a:graphic>
+          <a:graphicData uri="http://schemas.openxmlformats.org/presentationml/2006/ole">
+            <p:oleObj spid="_x0000_s28676" name="Visio" r:id="rId3" imgW="7096954" imgH="2011564" progId="Visio.Drawing.11">
+              <p:embed/>
+            </p:oleObj>
+          </a:graphicData>
+        </a:graphic>
+      </p:graphicFrame>
     </p:spTree>
   </p:cSld>
   <p:clrMapOvr>
@@ -4557,6 +4577,26 @@
           </a:p>
         </p:txBody>
       </p:sp>
+      <p:graphicFrame>
+        <p:nvGraphicFramePr>
+          <p:cNvPr id="26628" name="Object 4"/>
+          <p:cNvGraphicFramePr>
+            <a:graphicFrameLocks noChangeAspect="1"/>
+          </p:cNvGraphicFramePr>
+          <p:nvPr/>
+        </p:nvGraphicFramePr>
+        <p:xfrm>
+          <a:off x="755650" y="3933825"/>
+          <a:ext cx="7848600" cy="2382838"/>
+        </p:xfrm>
+        <a:graphic>
+          <a:graphicData uri="http://schemas.openxmlformats.org/presentationml/2006/ole">
+            <p:oleObj spid="_x0000_s26628" name="Visio" r:id="rId3" imgW="10515833" imgH="4112304" progId="Visio.Drawing.11">
+              <p:embed/>
+            </p:oleObj>
+          </a:graphicData>
+        </a:graphic>
+      </p:graphicFrame>
     </p:spTree>
   </p:cSld>
   <p:clrMapOvr>

--- a/syseng_hwco/proj/Artifact/Presentations/Presentation_11_02_11.pptx
+++ b/syseng_hwco/proj/Artifact/Presentations/Presentation_11_02_11.pptx
@@ -340,7 +340,7 @@
             <a:pPr>
               <a:defRPr/>
             </a:pPr>
-            <a:fld id="{70F0FF54-2104-47C1-B311-212C6EE6511A}" type="datetimeFigureOut">
+            <a:fld id="{70745C25-50EE-4E81-B517-E3537502E12C}" type="datetimeFigureOut">
               <a:rPr lang="da-DK"/>
               <a:pPr>
                 <a:defRPr/>
@@ -399,7 +399,7 @@
             <a:pPr>
               <a:defRPr/>
             </a:pPr>
-            <a:fld id="{CA6D67F5-FCF8-40DE-AC1B-B3E0613A5B03}" type="slidenum">
+            <a:fld id="{4954EB1F-37F9-47B6-9FD9-34393274E20D}" type="slidenum">
               <a:rPr lang="da-DK"/>
               <a:pPr>
                 <a:defRPr/>
@@ -532,7 +532,7 @@
             <a:pPr>
               <a:defRPr/>
             </a:pPr>
-            <a:fld id="{B37DE70A-4C74-4C22-AAE7-E74D29FC6D3B}" type="datetimeFigureOut">
+            <a:fld id="{188B914A-E21B-47AF-A4AF-9950D274C39D}" type="datetimeFigureOut">
               <a:rPr lang="da-DK"/>
               <a:pPr>
                 <a:defRPr/>
@@ -591,7 +591,7 @@
             <a:pPr>
               <a:defRPr/>
             </a:pPr>
-            <a:fld id="{C3B16047-84F1-406A-B3D7-8D50728A68C8}" type="slidenum">
+            <a:fld id="{B4011F4F-5486-4473-9FA0-65E07CFB3252}" type="slidenum">
               <a:rPr lang="da-DK"/>
               <a:pPr>
                 <a:defRPr/>
@@ -734,7 +734,7 @@
             <a:pPr>
               <a:defRPr/>
             </a:pPr>
-            <a:fld id="{DC8865AA-A257-4EAB-A2AC-76DA01B9AE8D}" type="datetimeFigureOut">
+            <a:fld id="{EE14A54B-858D-4F19-B67D-EC414EC2DA11}" type="datetimeFigureOut">
               <a:rPr lang="da-DK"/>
               <a:pPr>
                 <a:defRPr/>
@@ -793,7 +793,7 @@
             <a:pPr>
               <a:defRPr/>
             </a:pPr>
-            <a:fld id="{61BE8DEA-F4B7-4DC9-AB6E-7756B696D3AD}" type="slidenum">
+            <a:fld id="{22DDA38B-DECE-419F-A58C-F3A6BBA2685D}" type="slidenum">
               <a:rPr lang="da-DK"/>
               <a:pPr>
                 <a:defRPr/>
@@ -1050,7 +1050,7 @@
             <a:pPr>
               <a:defRPr/>
             </a:pPr>
-            <a:fld id="{3E6C0EAE-7F6B-41DA-A2C0-1955A682D983}" type="datetimeFigureOut">
+            <a:fld id="{9E5AD48B-B3B3-455A-A618-E8E55A922405}" type="datetimeFigureOut">
               <a:rPr lang="da-DK"/>
               <a:pPr>
                 <a:defRPr/>
@@ -1109,7 +1109,7 @@
             <a:pPr>
               <a:defRPr/>
             </a:pPr>
-            <a:fld id="{1FB10598-2963-4129-A9F6-4762D3D62F3E}" type="slidenum">
+            <a:fld id="{DBB58650-380A-489D-9453-1C48BD274EE9}" type="slidenum">
               <a:rPr lang="da-DK"/>
               <a:pPr>
                 <a:defRPr/>
@@ -1309,7 +1309,7 @@
             <a:pPr>
               <a:defRPr/>
             </a:pPr>
-            <a:fld id="{540C043D-85C8-42DD-AE23-3042757181AF}" type="datetimeFigureOut">
+            <a:fld id="{269E67AD-6356-4DC5-9CB4-B0F3A9BABF0C}" type="datetimeFigureOut">
               <a:rPr lang="da-DK"/>
               <a:pPr>
                 <a:defRPr/>
@@ -1368,7 +1368,7 @@
             <a:pPr>
               <a:defRPr/>
             </a:pPr>
-            <a:fld id="{D797EAFE-1734-46AB-80C6-469794AAE07C}" type="slidenum">
+            <a:fld id="{7637171F-AB56-4CB4-A2E6-A5F64C8FF114}" type="slidenum">
               <a:rPr lang="da-DK"/>
               <a:pPr>
                 <a:defRPr/>
@@ -1483,7 +1483,7 @@
             <a:pPr>
               <a:defRPr/>
             </a:pPr>
-            <a:fld id="{E356866F-3067-408A-98EE-743AF98CC6E5}" type="datetimeFigureOut">
+            <a:fld id="{56BF7850-363E-449A-8E67-032086023E5B}" type="datetimeFigureOut">
               <a:rPr lang="da-DK"/>
               <a:pPr>
                 <a:defRPr/>
@@ -1542,7 +1542,7 @@
             <a:pPr>
               <a:defRPr/>
             </a:pPr>
-            <a:fld id="{2B639195-2BE1-45E8-9A2C-B2E9C9B53DD0}" type="slidenum">
+            <a:fld id="{5BDAE180-F6E8-43A6-898F-54F8236F8AF9}" type="slidenum">
               <a:rPr lang="da-DK"/>
               <a:pPr>
                 <a:defRPr/>
@@ -1675,7 +1675,7 @@
             <a:pPr>
               <a:defRPr/>
             </a:pPr>
-            <a:fld id="{7405B3B5-CFC8-47C4-B5FF-FBF2FE42ADA8}" type="datetimeFigureOut">
+            <a:fld id="{EE0A3808-786A-4236-9262-2A0DCE6DB1B2}" type="datetimeFigureOut">
               <a:rPr lang="da-DK"/>
               <a:pPr>
                 <a:defRPr/>
@@ -1734,7 +1734,7 @@
             <a:pPr>
               <a:defRPr/>
             </a:pPr>
-            <a:fld id="{B6190940-DC9F-44DB-B138-BBEF95F19297}" type="slidenum">
+            <a:fld id="{06934D75-B738-4B20-94F9-4C1D0A4794BB}" type="slidenum">
               <a:rPr lang="da-DK"/>
               <a:pPr>
                 <a:defRPr/>
@@ -1943,7 +1943,7 @@
             <a:pPr>
               <a:defRPr/>
             </a:pPr>
-            <a:fld id="{12A02384-0C2F-4C78-B9BF-4E13367D2C4F}" type="datetimeFigureOut">
+            <a:fld id="{1D686289-A32D-41EF-99F2-D0E171A44B27}" type="datetimeFigureOut">
               <a:rPr lang="da-DK"/>
               <a:pPr>
                 <a:defRPr/>
@@ -2002,7 +2002,7 @@
             <a:pPr>
               <a:defRPr/>
             </a:pPr>
-            <a:fld id="{8A5FE8F4-2392-4FD7-915F-E03D1E3923ED}" type="slidenum">
+            <a:fld id="{F6E70FE3-6B5C-4F0E-ABB7-1FF678502B9E}" type="slidenum">
               <a:rPr lang="da-DK"/>
               <a:pPr>
                 <a:defRPr/>
@@ -2253,7 +2253,7 @@
             <a:pPr>
               <a:defRPr/>
             </a:pPr>
-            <a:fld id="{22CC1E50-48F0-4E70-9B65-F2367BBB6CE7}" type="datetimeFigureOut">
+            <a:fld id="{39E30036-2728-47EA-8E85-A541297CED57}" type="datetimeFigureOut">
               <a:rPr lang="da-DK"/>
               <a:pPr>
                 <a:defRPr/>
@@ -2312,7 +2312,7 @@
             <a:pPr>
               <a:defRPr/>
             </a:pPr>
-            <a:fld id="{A4FFB489-5EB3-4AB4-9494-E4644A2E6F01}" type="slidenum">
+            <a:fld id="{388EE6C4-C7DA-4EA8-8027-AB8F051D9585}" type="slidenum">
               <a:rPr lang="da-DK"/>
               <a:pPr>
                 <a:defRPr/>
@@ -2697,7 +2697,7 @@
             <a:pPr>
               <a:defRPr/>
             </a:pPr>
-            <a:fld id="{0992AEFF-627D-4F7A-858A-42E59ED9593F}" type="datetimeFigureOut">
+            <a:fld id="{7AAD4CD2-73FA-4E2E-983E-52EE6C8D95B0}" type="datetimeFigureOut">
               <a:rPr lang="da-DK"/>
               <a:pPr>
                 <a:defRPr/>
@@ -2756,7 +2756,7 @@
             <a:pPr>
               <a:defRPr/>
             </a:pPr>
-            <a:fld id="{742A379F-8A06-4896-AAA0-DE0F44AD4AFA}" type="slidenum">
+            <a:fld id="{90F44278-3703-4D7C-87C2-1DAB4394631A}" type="slidenum">
               <a:rPr lang="da-DK"/>
               <a:pPr>
                 <a:defRPr/>
@@ -2837,7 +2837,7 @@
             <a:pPr>
               <a:defRPr/>
             </a:pPr>
-            <a:fld id="{2E11AFD8-EBDD-4676-AD57-CF5EFE17ADCA}" type="datetimeFigureOut">
+            <a:fld id="{01C547C5-E7ED-4B4E-90BB-2A466EF33DDF}" type="datetimeFigureOut">
               <a:rPr lang="da-DK"/>
               <a:pPr>
                 <a:defRPr/>
@@ -2896,7 +2896,7 @@
             <a:pPr>
               <a:defRPr/>
             </a:pPr>
-            <a:fld id="{09F6F20A-D78A-4E91-86EB-0D7323D357B5}" type="slidenum">
+            <a:fld id="{D004BDBD-2A34-4DDB-855F-F22B53B66378}" type="slidenum">
               <a:rPr lang="da-DK"/>
               <a:pPr>
                 <a:defRPr/>
@@ -2954,7 +2954,7 @@
             <a:pPr>
               <a:defRPr/>
             </a:pPr>
-            <a:fld id="{9845E6EE-F751-4E96-8F1A-A170CBA9EB26}" type="datetimeFigureOut">
+            <a:fld id="{2E3D24C3-FC05-43AB-907E-F6D1E70CD370}" type="datetimeFigureOut">
               <a:rPr lang="da-DK"/>
               <a:pPr>
                 <a:defRPr/>
@@ -3013,7 +3013,7 @@
             <a:pPr>
               <a:defRPr/>
             </a:pPr>
-            <a:fld id="{8AE10294-B85B-4776-A309-2D6715550617}" type="slidenum">
+            <a:fld id="{D975EBF2-3507-482C-B822-486F0C290A40}" type="slidenum">
               <a:rPr lang="da-DK"/>
               <a:pPr>
                 <a:defRPr/>
@@ -3253,7 +3253,7 @@
             <a:pPr>
               <a:defRPr/>
             </a:pPr>
-            <a:fld id="{C0F25EB3-206C-48C9-B4A2-7F8BAEADD3F5}" type="datetimeFigureOut">
+            <a:fld id="{7A71B1FD-900C-4D8E-9E7C-29AAB68C68D0}" type="datetimeFigureOut">
               <a:rPr lang="da-DK"/>
               <a:pPr>
                 <a:defRPr/>
@@ -3312,7 +3312,7 @@
             <a:pPr>
               <a:defRPr/>
             </a:pPr>
-            <a:fld id="{E680CD08-AF0B-49C3-BD1C-9AA5ED0DEB72}" type="slidenum">
+            <a:fld id="{B28C5761-BC5E-4539-9D11-46C89134ADE2}" type="slidenum">
               <a:rPr lang="da-DK"/>
               <a:pPr>
                 <a:defRPr/>
@@ -3531,7 +3531,7 @@
             <a:pPr>
               <a:defRPr/>
             </a:pPr>
-            <a:fld id="{D45CAE3B-AA97-41C1-BC99-87A437D6B1CB}" type="datetimeFigureOut">
+            <a:fld id="{73962A73-7877-461C-A0CC-2314EF178EEE}" type="datetimeFigureOut">
               <a:rPr lang="da-DK"/>
               <a:pPr>
                 <a:defRPr/>
@@ -3590,7 +3590,7 @@
             <a:pPr>
               <a:defRPr/>
             </a:pPr>
-            <a:fld id="{FCBB3567-959C-494E-B4FE-C962893A7FA5}" type="slidenum">
+            <a:fld id="{BB4489D2-53E9-4CC2-A491-10E24E793041}" type="slidenum">
               <a:rPr lang="da-DK"/>
               <a:pPr>
                 <a:defRPr/>
@@ -3786,7 +3786,7 @@
             <a:pPr>
               <a:defRPr/>
             </a:pPr>
-            <a:fld id="{611625F6-44A3-4F00-9877-B4C0A587EE6F}" type="datetimeFigureOut">
+            <a:fld id="{160F9CDE-1039-491E-AEA6-B9C379C74A0E}" type="datetimeFigureOut">
               <a:rPr lang="da-DK"/>
               <a:pPr>
                 <a:defRPr/>
@@ -3887,7 +3887,7 @@
             <a:pPr>
               <a:defRPr/>
             </a:pPr>
-            <a:fld id="{80EC0E3F-5D4F-4E9A-B740-D99EBB8040ED}" type="slidenum">
+            <a:fld id="{7BA6D083-AC2F-4DF7-9849-5EF02323D00E}" type="slidenum">
               <a:rPr lang="da-DK"/>
               <a:pPr>
                 <a:defRPr/>
@@ -4398,7 +4398,7 @@
       </p:grpSpPr>
       <p:sp>
         <p:nvSpPr>
-          <p:cNvPr id="28673" name="Titel 1"/>
+          <p:cNvPr id="28677" name="Titel 1"/>
           <p:cNvSpPr>
             <a:spLocks noGrp="1"/>
           </p:cNvSpPr>
@@ -4421,7 +4421,7 @@
       </p:sp>
       <p:sp>
         <p:nvSpPr>
-          <p:cNvPr id="28674" name="Pladsholder til indhold 2"/>
+          <p:cNvPr id="28678" name="Pladsholder til indhold 2"/>
           <p:cNvSpPr>
             <a:spLocks noGrp="1"/>
           </p:cNvSpPr>
@@ -4522,7 +4522,7 @@
       </p:grpSpPr>
       <p:sp>
         <p:nvSpPr>
-          <p:cNvPr id="26625" name="Titel 1"/>
+          <p:cNvPr id="26629" name="Titel 1"/>
           <p:cNvSpPr>
             <a:spLocks noGrp="1"/>
           </p:cNvSpPr>
@@ -4545,7 +4545,7 @@
       </p:sp>
       <p:sp>
         <p:nvSpPr>
-          <p:cNvPr id="26626" name="Pladsholder til indhold 2"/>
+          <p:cNvPr id="26630" name="Pladsholder til indhold 2"/>
           <p:cNvSpPr>
             <a:spLocks noGrp="1"/>
           </p:cNvSpPr>
@@ -4705,8 +4705,8 @@
           </p:nvPr>
         </p:nvGraphicFramePr>
         <p:xfrm>
-          <a:off x="3779838" y="1557338"/>
-          <a:ext cx="4587875" cy="4752975"/>
+          <a:off x="3563938" y="1557338"/>
+          <a:ext cx="4803775" cy="4752975"/>
         </p:xfrm>
         <a:graphic>
           <a:graphicData uri="http://schemas.openxmlformats.org/presentationml/2006/ole">
@@ -4768,8 +4768,8 @@
           </a:p>
           <a:p>
             <a:r>
-              <a:rPr lang="en-US" sz="2800" smtClean="0"/>
-              <a:t>Sequence diagrams</a:t>
+              <a:rPr lang="da-DK" sz="2800" smtClean="0"/>
+              <a:t>Sekvens diagrammer</a:t>
             </a:r>
           </a:p>
           <a:p>
@@ -4896,7 +4896,7 @@
             </a:br>
             <a:r>
               <a:rPr lang="da-DK" sz="4000" smtClean="0"/>
-              <a:t>(SysML som modelerings værktøj)</a:t>
+              <a:t>(SysML som modeleringssprog)</a:t>
             </a:r>
           </a:p>
         </p:txBody>
@@ -5899,7 +5899,7 @@
       </p:grpSpPr>
       <p:sp>
         <p:nvSpPr>
-          <p:cNvPr id="31745" name="Titel 1"/>
+          <p:cNvPr id="33793" name="Titel 1"/>
           <p:cNvSpPr>
             <a:spLocks noGrp="1"/>
           </p:cNvSpPr>
@@ -5922,7 +5922,7 @@
       </p:sp>
       <p:sp>
         <p:nvSpPr>
-          <p:cNvPr id="31746" name="Pladsholder til indhold 2"/>
+          <p:cNvPr id="33794" name="Pladsholder til indhold 2"/>
           <p:cNvSpPr>
             <a:spLocks noGrp="1"/>
           </p:cNvSpPr>

--- a/syseng_hwco/proj/Artifact/Presentations/Presentation_11_02_11.pptx
+++ b/syseng_hwco/proj/Artifact/Presentations/Presentation_11_02_11.pptx
@@ -404,7 +404,7 @@
               <a:pPr>
                 <a:defRPr/>
               </a:pPr>
-              <a:t>‹#›</a:t>
+              <a:t>‹nr.›</a:t>
             </a:fld>
             <a:endParaRPr lang="da-DK"/>
           </a:p>
@@ -596,7 +596,7 @@
               <a:pPr>
                 <a:defRPr/>
               </a:pPr>
-              <a:t>‹#›</a:t>
+              <a:t>‹nr.›</a:t>
             </a:fld>
             <a:endParaRPr lang="da-DK"/>
           </a:p>
@@ -798,7 +798,7 @@
               <a:pPr>
                 <a:defRPr/>
               </a:pPr>
-              <a:t>‹#›</a:t>
+              <a:t>‹nr.›</a:t>
             </a:fld>
             <a:endParaRPr lang="da-DK"/>
           </a:p>
@@ -1114,7 +1114,7 @@
               <a:pPr>
                 <a:defRPr/>
               </a:pPr>
-              <a:t>‹#›</a:t>
+              <a:t>‹nr.›</a:t>
             </a:fld>
             <a:endParaRPr lang="da-DK"/>
           </a:p>
@@ -1373,7 +1373,7 @@
               <a:pPr>
                 <a:defRPr/>
               </a:pPr>
-              <a:t>‹#›</a:t>
+              <a:t>‹nr.›</a:t>
             </a:fld>
             <a:endParaRPr lang="da-DK"/>
           </a:p>
@@ -1547,7 +1547,7 @@
               <a:pPr>
                 <a:defRPr/>
               </a:pPr>
-              <a:t>‹#›</a:t>
+              <a:t>‹nr.›</a:t>
             </a:fld>
             <a:endParaRPr lang="da-DK"/>
           </a:p>
@@ -1739,7 +1739,7 @@
               <a:pPr>
                 <a:defRPr/>
               </a:pPr>
-              <a:t>‹#›</a:t>
+              <a:t>‹nr.›</a:t>
             </a:fld>
             <a:endParaRPr lang="da-DK"/>
           </a:p>
@@ -2007,7 +2007,7 @@
               <a:pPr>
                 <a:defRPr/>
               </a:pPr>
-              <a:t>‹#›</a:t>
+              <a:t>‹nr.›</a:t>
             </a:fld>
             <a:endParaRPr lang="da-DK"/>
           </a:p>
@@ -2317,7 +2317,7 @@
               <a:pPr>
                 <a:defRPr/>
               </a:pPr>
-              <a:t>‹#›</a:t>
+              <a:t>‹nr.›</a:t>
             </a:fld>
             <a:endParaRPr lang="da-DK"/>
           </a:p>
@@ -2761,7 +2761,7 @@
               <a:pPr>
                 <a:defRPr/>
               </a:pPr>
-              <a:t>‹#›</a:t>
+              <a:t>‹nr.›</a:t>
             </a:fld>
             <a:endParaRPr lang="da-DK"/>
           </a:p>
@@ -2901,7 +2901,7 @@
               <a:pPr>
                 <a:defRPr/>
               </a:pPr>
-              <a:t>‹#›</a:t>
+              <a:t>‹nr.›</a:t>
             </a:fld>
             <a:endParaRPr lang="da-DK"/>
           </a:p>
@@ -3018,7 +3018,7 @@
               <a:pPr>
                 <a:defRPr/>
               </a:pPr>
-              <a:t>‹#›</a:t>
+              <a:t>‹nr.›</a:t>
             </a:fld>
             <a:endParaRPr lang="da-DK"/>
           </a:p>
@@ -3317,7 +3317,7 @@
               <a:pPr>
                 <a:defRPr/>
               </a:pPr>
-              <a:t>‹#›</a:t>
+              <a:t>‹nr.›</a:t>
             </a:fld>
             <a:endParaRPr lang="da-DK"/>
           </a:p>
@@ -3595,7 +3595,7 @@
               <a:pPr>
                 <a:defRPr/>
               </a:pPr>
-              <a:t>‹#›</a:t>
+              <a:t>‹nr.›</a:t>
             </a:fld>
             <a:endParaRPr lang="da-DK"/>
           </a:p>
@@ -3892,7 +3892,7 @@
               <a:pPr>
                 <a:defRPr/>
               </a:pPr>
-              <a:t>‹#›</a:t>
+              <a:t>‹nr.›</a:t>
             </a:fld>
             <a:endParaRPr lang="da-DK"/>
           </a:p>
@@ -5043,28 +5043,32 @@
           <a:chExt cx="0" cy="0"/>
         </a:xfrm>
       </p:grpSpPr>
-      <p:graphicFrame>
-        <p:nvGraphicFramePr>
-          <p:cNvPr id="35843" name="Object 3"/>
-          <p:cNvGraphicFramePr>
-            <a:graphicFrameLocks noChangeAspect="1"/>
-          </p:cNvGraphicFramePr>
-          <p:nvPr>
-            <p:ph idx="1"/>
-          </p:nvPr>
-        </p:nvGraphicFramePr>
-        <p:xfrm>
-          <a:off x="1187450" y="476250"/>
-          <a:ext cx="6557963" cy="5453063"/>
-        </p:xfrm>
-        <a:graphic>
-          <a:graphicData uri="http://schemas.openxmlformats.org/presentationml/2006/ole">
-            <p:oleObj spid="_x0000_s35843" name="Visio" r:id="rId3" imgW="5341678" imgH="4441604" progId="Visio.Drawing.11">
-              <p:embed/>
-            </p:oleObj>
-          </a:graphicData>
-        </a:graphic>
-      </p:graphicFrame>
+      <p:pic>
+        <p:nvPicPr>
+          <p:cNvPr id="35844" name="Picture 4" descr="C:\Documents and Settings\Poder Conultancy\Dokumenter\school\masterofit2009\syseng_hwco\proj\Artifact\Diagrams\test.jpg"/>
+          <p:cNvPicPr>
+            <a:picLocks noChangeAspect="1" noChangeArrowheads="1"/>
+          </p:cNvPicPr>
+          <p:nvPr/>
+        </p:nvPicPr>
+        <p:blipFill>
+          <a:blip r:embed="rId2" cstate="print"/>
+          <a:srcRect/>
+          <a:stretch>
+            <a:fillRect/>
+          </a:stretch>
+        </p:blipFill>
+        <p:spPr bwMode="auto">
+          <a:xfrm>
+            <a:off x="971600" y="332656"/>
+            <a:ext cx="7416824" cy="6154479"/>
+          </a:xfrm>
+          <a:prstGeom prst="rect">
+            <a:avLst/>
+          </a:prstGeom>
+          <a:noFill/>
+        </p:spPr>
+      </p:pic>
     </p:spTree>
   </p:cSld>
   <p:clrMapOvr>
@@ -5216,7 +5220,7 @@
           <p:nvPr/>
         </p:nvPicPr>
         <p:blipFill>
-          <a:blip r:embed="rId2"/>
+          <a:blip r:embed="rId2" cstate="print"/>
           <a:srcRect/>
           <a:stretch>
             <a:fillRect/>
@@ -5459,7 +5463,7 @@
           <p:nvPr/>
         </p:nvPicPr>
         <p:blipFill>
-          <a:blip r:embed="rId2"/>
+          <a:blip r:embed="rId2" cstate="print"/>
           <a:srcRect t="20415"/>
           <a:stretch>
             <a:fillRect/>

--- a/syseng_hwco/proj/Artifact/Presentations/Presentation_11_02_11.pptx
+++ b/syseng_hwco/proj/Artifact/Presentations/Presentation_11_02_11.pptx
@@ -340,7 +340,7 @@
             <a:pPr>
               <a:defRPr/>
             </a:pPr>
-            <a:fld id="{70745C25-50EE-4E81-B517-E3537502E12C}" type="datetimeFigureOut">
+            <a:fld id="{F2640156-9702-4E6E-8FA4-319F44ABE6D5}" type="datetimeFigureOut">
               <a:rPr lang="da-DK"/>
               <a:pPr>
                 <a:defRPr/>
@@ -399,12 +399,12 @@
             <a:pPr>
               <a:defRPr/>
             </a:pPr>
-            <a:fld id="{4954EB1F-37F9-47B6-9FD9-34393274E20D}" type="slidenum">
+            <a:fld id="{5E660BC6-9DCA-46B0-956B-2D6B0F4DD54D}" type="slidenum">
               <a:rPr lang="da-DK"/>
               <a:pPr>
                 <a:defRPr/>
               </a:pPr>
-              <a:t>‹nr.›</a:t>
+              <a:t>‹#›</a:t>
             </a:fld>
             <a:endParaRPr lang="da-DK"/>
           </a:p>
@@ -532,7 +532,7 @@
             <a:pPr>
               <a:defRPr/>
             </a:pPr>
-            <a:fld id="{188B914A-E21B-47AF-A4AF-9950D274C39D}" type="datetimeFigureOut">
+            <a:fld id="{BC489AE3-5D1A-4747-96C0-BAE688CEB997}" type="datetimeFigureOut">
               <a:rPr lang="da-DK"/>
               <a:pPr>
                 <a:defRPr/>
@@ -591,12 +591,12 @@
             <a:pPr>
               <a:defRPr/>
             </a:pPr>
-            <a:fld id="{B4011F4F-5486-4473-9FA0-65E07CFB3252}" type="slidenum">
+            <a:fld id="{59FDD790-4D4E-4BE1-827A-EC30B7C7097B}" type="slidenum">
               <a:rPr lang="da-DK"/>
               <a:pPr>
                 <a:defRPr/>
               </a:pPr>
-              <a:t>‹nr.›</a:t>
+              <a:t>‹#›</a:t>
             </a:fld>
             <a:endParaRPr lang="da-DK"/>
           </a:p>
@@ -734,7 +734,7 @@
             <a:pPr>
               <a:defRPr/>
             </a:pPr>
-            <a:fld id="{EE14A54B-858D-4F19-B67D-EC414EC2DA11}" type="datetimeFigureOut">
+            <a:fld id="{99181F38-B385-4043-95CF-386619AB0FB0}" type="datetimeFigureOut">
               <a:rPr lang="da-DK"/>
               <a:pPr>
                 <a:defRPr/>
@@ -793,12 +793,12 @@
             <a:pPr>
               <a:defRPr/>
             </a:pPr>
-            <a:fld id="{22DDA38B-DECE-419F-A58C-F3A6BBA2685D}" type="slidenum">
+            <a:fld id="{E0623226-F47D-4A34-AE90-5780D5B49CB4}" type="slidenum">
               <a:rPr lang="da-DK"/>
               <a:pPr>
                 <a:defRPr/>
               </a:pPr>
-              <a:t>‹nr.›</a:t>
+              <a:t>‹#›</a:t>
             </a:fld>
             <a:endParaRPr lang="da-DK"/>
           </a:p>
@@ -1050,7 +1050,7 @@
             <a:pPr>
               <a:defRPr/>
             </a:pPr>
-            <a:fld id="{9E5AD48B-B3B3-455A-A618-E8E55A922405}" type="datetimeFigureOut">
+            <a:fld id="{EAC9B83C-7622-433F-B78C-7188EFC22031}" type="datetimeFigureOut">
               <a:rPr lang="da-DK"/>
               <a:pPr>
                 <a:defRPr/>
@@ -1109,12 +1109,12 @@
             <a:pPr>
               <a:defRPr/>
             </a:pPr>
-            <a:fld id="{DBB58650-380A-489D-9453-1C48BD274EE9}" type="slidenum">
+            <a:fld id="{73C0F80F-CEE3-4EEE-8CEE-934E1FCE29A4}" type="slidenum">
               <a:rPr lang="da-DK"/>
               <a:pPr>
                 <a:defRPr/>
               </a:pPr>
-              <a:t>‹nr.›</a:t>
+              <a:t>‹#›</a:t>
             </a:fld>
             <a:endParaRPr lang="da-DK"/>
           </a:p>
@@ -1309,7 +1309,7 @@
             <a:pPr>
               <a:defRPr/>
             </a:pPr>
-            <a:fld id="{269E67AD-6356-4DC5-9CB4-B0F3A9BABF0C}" type="datetimeFigureOut">
+            <a:fld id="{3263E433-3F65-48C6-BE60-CF73A3F7B6A6}" type="datetimeFigureOut">
               <a:rPr lang="da-DK"/>
               <a:pPr>
                 <a:defRPr/>
@@ -1368,12 +1368,12 @@
             <a:pPr>
               <a:defRPr/>
             </a:pPr>
-            <a:fld id="{7637171F-AB56-4CB4-A2E6-A5F64C8FF114}" type="slidenum">
+            <a:fld id="{2ADCF91E-2C25-4EB7-BA10-87E6FE6A5E1E}" type="slidenum">
               <a:rPr lang="da-DK"/>
               <a:pPr>
                 <a:defRPr/>
               </a:pPr>
-              <a:t>‹nr.›</a:t>
+              <a:t>‹#›</a:t>
             </a:fld>
             <a:endParaRPr lang="da-DK"/>
           </a:p>
@@ -1483,7 +1483,7 @@
             <a:pPr>
               <a:defRPr/>
             </a:pPr>
-            <a:fld id="{56BF7850-363E-449A-8E67-032086023E5B}" type="datetimeFigureOut">
+            <a:fld id="{846D9907-709B-4DC0-8DA2-3B2F1507853A}" type="datetimeFigureOut">
               <a:rPr lang="da-DK"/>
               <a:pPr>
                 <a:defRPr/>
@@ -1542,12 +1542,12 @@
             <a:pPr>
               <a:defRPr/>
             </a:pPr>
-            <a:fld id="{5BDAE180-F6E8-43A6-898F-54F8236F8AF9}" type="slidenum">
+            <a:fld id="{778AD1DC-434F-45D4-BED2-26727F9EFCC4}" type="slidenum">
               <a:rPr lang="da-DK"/>
               <a:pPr>
                 <a:defRPr/>
               </a:pPr>
-              <a:t>‹nr.›</a:t>
+              <a:t>‹#›</a:t>
             </a:fld>
             <a:endParaRPr lang="da-DK"/>
           </a:p>
@@ -1675,7 +1675,7 @@
             <a:pPr>
               <a:defRPr/>
             </a:pPr>
-            <a:fld id="{EE0A3808-786A-4236-9262-2A0DCE6DB1B2}" type="datetimeFigureOut">
+            <a:fld id="{F893069D-E808-478C-BF5B-C2F208E1E2D3}" type="datetimeFigureOut">
               <a:rPr lang="da-DK"/>
               <a:pPr>
                 <a:defRPr/>
@@ -1734,12 +1734,12 @@
             <a:pPr>
               <a:defRPr/>
             </a:pPr>
-            <a:fld id="{06934D75-B738-4B20-94F9-4C1D0A4794BB}" type="slidenum">
+            <a:fld id="{7FF068A0-8CBA-4C6B-92CC-BA4B12C9FBF1}" type="slidenum">
               <a:rPr lang="da-DK"/>
               <a:pPr>
                 <a:defRPr/>
               </a:pPr>
-              <a:t>‹nr.›</a:t>
+              <a:t>‹#›</a:t>
             </a:fld>
             <a:endParaRPr lang="da-DK"/>
           </a:p>
@@ -1943,7 +1943,7 @@
             <a:pPr>
               <a:defRPr/>
             </a:pPr>
-            <a:fld id="{1D686289-A32D-41EF-99F2-D0E171A44B27}" type="datetimeFigureOut">
+            <a:fld id="{518D3693-7375-4BEB-9D7B-3991F7FAF881}" type="datetimeFigureOut">
               <a:rPr lang="da-DK"/>
               <a:pPr>
                 <a:defRPr/>
@@ -2002,12 +2002,12 @@
             <a:pPr>
               <a:defRPr/>
             </a:pPr>
-            <a:fld id="{F6E70FE3-6B5C-4F0E-ABB7-1FF678502B9E}" type="slidenum">
+            <a:fld id="{FD7E08BA-7752-4BBB-B6D0-F6C551415365}" type="slidenum">
               <a:rPr lang="da-DK"/>
               <a:pPr>
                 <a:defRPr/>
               </a:pPr>
-              <a:t>‹nr.›</a:t>
+              <a:t>‹#›</a:t>
             </a:fld>
             <a:endParaRPr lang="da-DK"/>
           </a:p>
@@ -2253,7 +2253,7 @@
             <a:pPr>
               <a:defRPr/>
             </a:pPr>
-            <a:fld id="{39E30036-2728-47EA-8E85-A541297CED57}" type="datetimeFigureOut">
+            <a:fld id="{0B9A31E8-6A45-45C3-80E9-F47B3CD16C99}" type="datetimeFigureOut">
               <a:rPr lang="da-DK"/>
               <a:pPr>
                 <a:defRPr/>
@@ -2312,12 +2312,12 @@
             <a:pPr>
               <a:defRPr/>
             </a:pPr>
-            <a:fld id="{388EE6C4-C7DA-4EA8-8027-AB8F051D9585}" type="slidenum">
+            <a:fld id="{E63660DB-E4D4-4CD3-A50A-D997A06DB145}" type="slidenum">
               <a:rPr lang="da-DK"/>
               <a:pPr>
                 <a:defRPr/>
               </a:pPr>
-              <a:t>‹nr.›</a:t>
+              <a:t>‹#›</a:t>
             </a:fld>
             <a:endParaRPr lang="da-DK"/>
           </a:p>
@@ -2697,7 +2697,7 @@
             <a:pPr>
               <a:defRPr/>
             </a:pPr>
-            <a:fld id="{7AAD4CD2-73FA-4E2E-983E-52EE6C8D95B0}" type="datetimeFigureOut">
+            <a:fld id="{0CEE6A0A-78E1-4E6F-8F22-2E5FDB071720}" type="datetimeFigureOut">
               <a:rPr lang="da-DK"/>
               <a:pPr>
                 <a:defRPr/>
@@ -2756,12 +2756,12 @@
             <a:pPr>
               <a:defRPr/>
             </a:pPr>
-            <a:fld id="{90F44278-3703-4D7C-87C2-1DAB4394631A}" type="slidenum">
+            <a:fld id="{37771560-5245-484E-96BA-1DAF5D57B0A6}" type="slidenum">
               <a:rPr lang="da-DK"/>
               <a:pPr>
                 <a:defRPr/>
               </a:pPr>
-              <a:t>‹nr.›</a:t>
+              <a:t>‹#›</a:t>
             </a:fld>
             <a:endParaRPr lang="da-DK"/>
           </a:p>
@@ -2837,7 +2837,7 @@
             <a:pPr>
               <a:defRPr/>
             </a:pPr>
-            <a:fld id="{01C547C5-E7ED-4B4E-90BB-2A466EF33DDF}" type="datetimeFigureOut">
+            <a:fld id="{3B758C2F-C32F-4F85-9358-15BAB7E5D2DC}" type="datetimeFigureOut">
               <a:rPr lang="da-DK"/>
               <a:pPr>
                 <a:defRPr/>
@@ -2896,12 +2896,12 @@
             <a:pPr>
               <a:defRPr/>
             </a:pPr>
-            <a:fld id="{D004BDBD-2A34-4DDB-855F-F22B53B66378}" type="slidenum">
+            <a:fld id="{18F0C978-3C41-4B03-AE44-3712C12E035B}" type="slidenum">
               <a:rPr lang="da-DK"/>
               <a:pPr>
                 <a:defRPr/>
               </a:pPr>
-              <a:t>‹nr.›</a:t>
+              <a:t>‹#›</a:t>
             </a:fld>
             <a:endParaRPr lang="da-DK"/>
           </a:p>
@@ -2954,7 +2954,7 @@
             <a:pPr>
               <a:defRPr/>
             </a:pPr>
-            <a:fld id="{2E3D24C3-FC05-43AB-907E-F6D1E70CD370}" type="datetimeFigureOut">
+            <a:fld id="{2846163D-6132-49F2-8F70-73C5FAA1584D}" type="datetimeFigureOut">
               <a:rPr lang="da-DK"/>
               <a:pPr>
                 <a:defRPr/>
@@ -3013,12 +3013,12 @@
             <a:pPr>
               <a:defRPr/>
             </a:pPr>
-            <a:fld id="{D975EBF2-3507-482C-B822-486F0C290A40}" type="slidenum">
+            <a:fld id="{D1D5E212-F4A0-4B66-B7C9-78E4AFA179D9}" type="slidenum">
               <a:rPr lang="da-DK"/>
               <a:pPr>
                 <a:defRPr/>
               </a:pPr>
-              <a:t>‹nr.›</a:t>
+              <a:t>‹#›</a:t>
             </a:fld>
             <a:endParaRPr lang="da-DK"/>
           </a:p>
@@ -3253,7 +3253,7 @@
             <a:pPr>
               <a:defRPr/>
             </a:pPr>
-            <a:fld id="{7A71B1FD-900C-4D8E-9E7C-29AAB68C68D0}" type="datetimeFigureOut">
+            <a:fld id="{7CFAD0B4-98D5-45AC-ABB6-E83690FA1A62}" type="datetimeFigureOut">
               <a:rPr lang="da-DK"/>
               <a:pPr>
                 <a:defRPr/>
@@ -3312,12 +3312,12 @@
             <a:pPr>
               <a:defRPr/>
             </a:pPr>
-            <a:fld id="{B28C5761-BC5E-4539-9D11-46C89134ADE2}" type="slidenum">
+            <a:fld id="{1F80D725-2367-4ECB-BA86-12776A50A8B8}" type="slidenum">
               <a:rPr lang="da-DK"/>
               <a:pPr>
                 <a:defRPr/>
               </a:pPr>
-              <a:t>‹nr.›</a:t>
+              <a:t>‹#›</a:t>
             </a:fld>
             <a:endParaRPr lang="da-DK"/>
           </a:p>
@@ -3531,7 +3531,7 @@
             <a:pPr>
               <a:defRPr/>
             </a:pPr>
-            <a:fld id="{73962A73-7877-461C-A0CC-2314EF178EEE}" type="datetimeFigureOut">
+            <a:fld id="{AA92DFD5-D027-49E2-BBA4-D7CF78487067}" type="datetimeFigureOut">
               <a:rPr lang="da-DK"/>
               <a:pPr>
                 <a:defRPr/>
@@ -3590,12 +3590,12 @@
             <a:pPr>
               <a:defRPr/>
             </a:pPr>
-            <a:fld id="{BB4489D2-53E9-4CC2-A491-10E24E793041}" type="slidenum">
+            <a:fld id="{EAECF9A8-3F2E-4634-964E-C73DE899A698}" type="slidenum">
               <a:rPr lang="da-DK"/>
               <a:pPr>
                 <a:defRPr/>
               </a:pPr>
-              <a:t>‹nr.›</a:t>
+              <a:t>‹#›</a:t>
             </a:fld>
             <a:endParaRPr lang="da-DK"/>
           </a:p>
@@ -3786,7 +3786,7 @@
             <a:pPr>
               <a:defRPr/>
             </a:pPr>
-            <a:fld id="{160F9CDE-1039-491E-AEA6-B9C379C74A0E}" type="datetimeFigureOut">
+            <a:fld id="{D8C73A8B-AE94-4AFC-8608-48E726A1330E}" type="datetimeFigureOut">
               <a:rPr lang="da-DK"/>
               <a:pPr>
                 <a:defRPr/>
@@ -3887,12 +3887,12 @@
             <a:pPr>
               <a:defRPr/>
             </a:pPr>
-            <a:fld id="{7BA6D083-AC2F-4DF7-9849-5EF02323D00E}" type="slidenum">
+            <a:fld id="{3ADEDB88-DF44-4C3A-A627-1033D1B04974}" type="slidenum">
               <a:rPr lang="da-DK"/>
               <a:pPr>
                 <a:defRPr/>
               </a:pPr>
-              <a:t>‹nr.›</a:t>
+              <a:t>‹#›</a:t>
             </a:fld>
             <a:endParaRPr lang="da-DK"/>
           </a:p>
@@ -4579,19 +4579,19 @@
       </p:sp>
       <p:graphicFrame>
         <p:nvGraphicFramePr>
-          <p:cNvPr id="26628" name="Object 4"/>
+          <p:cNvPr id="26632" name="Object 8"/>
           <p:cNvGraphicFramePr>
             <a:graphicFrameLocks noChangeAspect="1"/>
           </p:cNvGraphicFramePr>
           <p:nvPr/>
         </p:nvGraphicFramePr>
         <p:xfrm>
-          <a:off x="755650" y="3933825"/>
-          <a:ext cx="7848600" cy="2382838"/>
+          <a:off x="755650" y="3716338"/>
+          <a:ext cx="7704138" cy="2697162"/>
         </p:xfrm>
         <a:graphic>
           <a:graphicData uri="http://schemas.openxmlformats.org/presentationml/2006/ole">
-            <p:oleObj spid="_x0000_s26628" name="Visio" r:id="rId3" imgW="10515833" imgH="4112304" progId="Visio.Drawing.11">
+            <p:oleObj spid="_x0000_s26632" name="Visio" r:id="rId3" imgW="10515833" imgH="4652003" progId="Visio.Drawing.11">
               <p:embed/>
             </p:oleObj>
           </a:graphicData>
@@ -4925,21 +4925,19 @@
       </p:sp>
       <p:graphicFrame>
         <p:nvGraphicFramePr>
-          <p:cNvPr id="24583" name="Object 7"/>
+          <p:cNvPr id="24588" name="Object 12"/>
           <p:cNvGraphicFramePr>
             <a:graphicFrameLocks noChangeAspect="1"/>
           </p:cNvGraphicFramePr>
-          <p:nvPr>
-            <p:ph sz="half" idx="2"/>
-          </p:nvPr>
+          <p:nvPr/>
         </p:nvGraphicFramePr>
         <p:xfrm>
-          <a:off x="1619250" y="1844675"/>
-          <a:ext cx="4752975" cy="4489450"/>
+          <a:off x="1908175" y="1773238"/>
+          <a:ext cx="6129338" cy="4338637"/>
         </p:xfrm>
         <a:graphic>
           <a:graphicData uri="http://schemas.openxmlformats.org/presentationml/2006/ole">
-            <p:oleObj spid="_x0000_s24583" name="Visio" r:id="rId3" imgW="3271830" imgH="3091427" progId="Visio.Drawing.11">
+            <p:oleObj spid="_x0000_s24588" name="Visio" r:id="rId3" imgW="4625515" imgH="3274887" progId="Visio.Drawing.11">
               <p:embed/>
             </p:oleObj>
           </a:graphicData>
@@ -5045,14 +5043,14 @@
       </p:grpSpPr>
       <p:pic>
         <p:nvPicPr>
-          <p:cNvPr id="35844" name="Picture 4" descr="C:\Documents and Settings\Poder Conultancy\Dokumenter\school\masterofit2009\syseng_hwco\proj\Artifact\Diagrams\test.jpg"/>
+          <p:cNvPr id="37889" name="Picture 4" descr="C:\Documents and Settings\Poder Conultancy\Dokumenter\school\masterofit2009\syseng_hwco\proj\Artifact\Diagrams\test.jpg"/>
           <p:cNvPicPr>
             <a:picLocks noChangeAspect="1" noChangeArrowheads="1"/>
           </p:cNvPicPr>
           <p:nvPr/>
         </p:nvPicPr>
         <p:blipFill>
-          <a:blip r:embed="rId2" cstate="print"/>
+          <a:blip r:embed="rId2"/>
           <a:srcRect/>
           <a:stretch>
             <a:fillRect/>
@@ -5060,13 +5058,19 @@
         </p:blipFill>
         <p:spPr bwMode="auto">
           <a:xfrm>
-            <a:off x="971600" y="332656"/>
-            <a:ext cx="7416824" cy="6154479"/>
+            <a:off x="971550" y="333375"/>
+            <a:ext cx="7416800" cy="6153150"/>
           </a:xfrm>
           <a:prstGeom prst="rect">
             <a:avLst/>
           </a:prstGeom>
           <a:noFill/>
+          <a:ln w="9525">
+            <a:noFill/>
+            <a:miter lim="800000"/>
+            <a:headEnd/>
+            <a:tailEnd/>
+          </a:ln>
         </p:spPr>
       </p:pic>
     </p:spTree>
@@ -5220,7 +5224,7 @@
           <p:nvPr/>
         </p:nvPicPr>
         <p:blipFill>
-          <a:blip r:embed="rId2" cstate="print"/>
+          <a:blip r:embed="rId2"/>
           <a:srcRect/>
           <a:stretch>
             <a:fillRect/>
@@ -5463,7 +5467,7 @@
           <p:nvPr/>
         </p:nvPicPr>
         <p:blipFill>
-          <a:blip r:embed="rId2" cstate="print"/>
+          <a:blip r:embed="rId2"/>
           <a:srcRect t="20415"/>
           <a:stretch>
             <a:fillRect/>

--- a/syseng_hwco/proj/Artifact/Presentations/Presentation_11_02_11.pptx
+++ b/syseng_hwco/proj/Artifact/Presentations/Presentation_11_02_11.pptx
@@ -404,7 +404,7 @@
               <a:pPr>
                 <a:defRPr/>
               </a:pPr>
-              <a:t>‹#›</a:t>
+              <a:t>‹nr.›</a:t>
             </a:fld>
             <a:endParaRPr lang="da-DK"/>
           </a:p>
@@ -596,7 +596,7 @@
               <a:pPr>
                 <a:defRPr/>
               </a:pPr>
-              <a:t>‹#›</a:t>
+              <a:t>‹nr.›</a:t>
             </a:fld>
             <a:endParaRPr lang="da-DK"/>
           </a:p>
@@ -798,7 +798,7 @@
               <a:pPr>
                 <a:defRPr/>
               </a:pPr>
-              <a:t>‹#›</a:t>
+              <a:t>‹nr.›</a:t>
             </a:fld>
             <a:endParaRPr lang="da-DK"/>
           </a:p>
@@ -1114,7 +1114,7 @@
               <a:pPr>
                 <a:defRPr/>
               </a:pPr>
-              <a:t>‹#›</a:t>
+              <a:t>‹nr.›</a:t>
             </a:fld>
             <a:endParaRPr lang="da-DK"/>
           </a:p>
@@ -1373,7 +1373,7 @@
               <a:pPr>
                 <a:defRPr/>
               </a:pPr>
-              <a:t>‹#›</a:t>
+              <a:t>‹nr.›</a:t>
             </a:fld>
             <a:endParaRPr lang="da-DK"/>
           </a:p>
@@ -1547,7 +1547,7 @@
               <a:pPr>
                 <a:defRPr/>
               </a:pPr>
-              <a:t>‹#›</a:t>
+              <a:t>‹nr.›</a:t>
             </a:fld>
             <a:endParaRPr lang="da-DK"/>
           </a:p>
@@ -1739,7 +1739,7 @@
               <a:pPr>
                 <a:defRPr/>
               </a:pPr>
-              <a:t>‹#›</a:t>
+              <a:t>‹nr.›</a:t>
             </a:fld>
             <a:endParaRPr lang="da-DK"/>
           </a:p>
@@ -2007,7 +2007,7 @@
               <a:pPr>
                 <a:defRPr/>
               </a:pPr>
-              <a:t>‹#›</a:t>
+              <a:t>‹nr.›</a:t>
             </a:fld>
             <a:endParaRPr lang="da-DK"/>
           </a:p>
@@ -2317,7 +2317,7 @@
               <a:pPr>
                 <a:defRPr/>
               </a:pPr>
-              <a:t>‹#›</a:t>
+              <a:t>‹nr.›</a:t>
             </a:fld>
             <a:endParaRPr lang="da-DK"/>
           </a:p>
@@ -2761,7 +2761,7 @@
               <a:pPr>
                 <a:defRPr/>
               </a:pPr>
-              <a:t>‹#›</a:t>
+              <a:t>‹nr.›</a:t>
             </a:fld>
             <a:endParaRPr lang="da-DK"/>
           </a:p>
@@ -2901,7 +2901,7 @@
               <a:pPr>
                 <a:defRPr/>
               </a:pPr>
-              <a:t>‹#›</a:t>
+              <a:t>‹nr.›</a:t>
             </a:fld>
             <a:endParaRPr lang="da-DK"/>
           </a:p>
@@ -3018,7 +3018,7 @@
               <a:pPr>
                 <a:defRPr/>
               </a:pPr>
-              <a:t>‹#›</a:t>
+              <a:t>‹nr.›</a:t>
             </a:fld>
             <a:endParaRPr lang="da-DK"/>
           </a:p>
@@ -3317,7 +3317,7 @@
               <a:pPr>
                 <a:defRPr/>
               </a:pPr>
-              <a:t>‹#›</a:t>
+              <a:t>‹nr.›</a:t>
             </a:fld>
             <a:endParaRPr lang="da-DK"/>
           </a:p>
@@ -3595,7 +3595,7 @@
               <a:pPr>
                 <a:defRPr/>
               </a:pPr>
-              <a:t>‹#›</a:t>
+              <a:t>‹nr.›</a:t>
             </a:fld>
             <a:endParaRPr lang="da-DK"/>
           </a:p>
@@ -3892,7 +3892,7 @@
               <a:pPr>
                 <a:defRPr/>
               </a:pPr>
-              <a:t>‹#›</a:t>
+              <a:t>‹nr.›</a:t>
             </a:fld>
             <a:endParaRPr lang="da-DK"/>
           </a:p>
@@ -5050,7 +5050,7 @@
           <p:nvPr/>
         </p:nvPicPr>
         <p:blipFill>
-          <a:blip r:embed="rId2"/>
+          <a:blip r:embed="rId2" cstate="print"/>
           <a:srcRect/>
           <a:stretch>
             <a:fillRect/>
@@ -5098,28 +5098,32 @@
           <a:chExt cx="0" cy="0"/>
         </a:xfrm>
       </p:grpSpPr>
-      <p:graphicFrame>
-        <p:nvGraphicFramePr>
-          <p:cNvPr id="40963" name="Object 3"/>
-          <p:cNvGraphicFramePr>
-            <a:graphicFrameLocks noChangeAspect="1"/>
-          </p:cNvGraphicFramePr>
-          <p:nvPr>
-            <p:ph/>
-          </p:nvPr>
-        </p:nvGraphicFramePr>
-        <p:xfrm>
-          <a:off x="468313" y="823913"/>
-          <a:ext cx="8424862" cy="4878387"/>
-        </p:xfrm>
-        <a:graphic>
-          <a:graphicData uri="http://schemas.openxmlformats.org/presentationml/2006/ole">
-            <p:oleObj spid="_x0000_s40963" name="Visio" r:id="rId3" imgW="6691640" imgH="3875430" progId="Visio.Drawing.11">
-              <p:embed/>
-            </p:oleObj>
-          </a:graphicData>
-        </a:graphic>
-      </p:graphicFrame>
+      <p:pic>
+        <p:nvPicPr>
+          <p:cNvPr id="40964" name="Picture 4" descr="C:\Documents and Settings\Poder Conultancy\Dokumenter\school\masterofit2009\syseng_hwco\proj\Artifact\Diagrams\test2.jpg"/>
+          <p:cNvPicPr>
+            <a:picLocks noChangeAspect="1" noChangeArrowheads="1"/>
+          </p:cNvPicPr>
+          <p:nvPr/>
+        </p:nvPicPr>
+        <p:blipFill>
+          <a:blip r:embed="rId2" cstate="print"/>
+          <a:srcRect/>
+          <a:stretch>
+            <a:fillRect/>
+          </a:stretch>
+        </p:blipFill>
+        <p:spPr bwMode="auto">
+          <a:xfrm>
+            <a:off x="395536" y="1052736"/>
+            <a:ext cx="8233142" cy="4752528"/>
+          </a:xfrm>
+          <a:prstGeom prst="rect">
+            <a:avLst/>
+          </a:prstGeom>
+          <a:noFill/>
+        </p:spPr>
+      </p:pic>
     </p:spTree>
   </p:cSld>
   <p:clrMapOvr>
@@ -5224,7 +5228,7 @@
           <p:nvPr/>
         </p:nvPicPr>
         <p:blipFill>
-          <a:blip r:embed="rId2"/>
+          <a:blip r:embed="rId2" cstate="print"/>
           <a:srcRect/>
           <a:stretch>
             <a:fillRect/>
@@ -5467,7 +5471,7 @@
           <p:nvPr/>
         </p:nvPicPr>
         <p:blipFill>
-          <a:blip r:embed="rId2"/>
+          <a:blip r:embed="rId2" cstate="print"/>
           <a:srcRect t="20415"/>
           <a:stretch>
             <a:fillRect/>
